--- a/報告.pptx
+++ b/報告.pptx
@@ -5,26 +5,28 @@
     <p:sldMasterId id="2147483756" r:id="rId4"/>
   </p:sldMasterIdLst>
   <p:notesMasterIdLst>
-    <p:notesMasterId r:id="rId19"/>
+    <p:notesMasterId r:id="rId21"/>
   </p:notesMasterIdLst>
   <p:handoutMasterIdLst>
-    <p:handoutMasterId r:id="rId20"/>
+    <p:handoutMasterId r:id="rId22"/>
   </p:handoutMasterIdLst>
   <p:sldIdLst>
     <p:sldId id="267" r:id="rId5"/>
     <p:sldId id="278" r:id="rId6"/>
-    <p:sldId id="283" r:id="rId7"/>
-    <p:sldId id="284" r:id="rId8"/>
-    <p:sldId id="285" r:id="rId9"/>
-    <p:sldId id="279" r:id="rId10"/>
-    <p:sldId id="280" r:id="rId11"/>
-    <p:sldId id="281" r:id="rId12"/>
-    <p:sldId id="269" r:id="rId13"/>
-    <p:sldId id="271" r:id="rId14"/>
-    <p:sldId id="272" r:id="rId15"/>
-    <p:sldId id="273" r:id="rId16"/>
-    <p:sldId id="282" r:id="rId17"/>
-    <p:sldId id="277" r:id="rId18"/>
+    <p:sldId id="287" r:id="rId7"/>
+    <p:sldId id="283" r:id="rId8"/>
+    <p:sldId id="284" r:id="rId9"/>
+    <p:sldId id="285" r:id="rId10"/>
+    <p:sldId id="286" r:id="rId11"/>
+    <p:sldId id="279" r:id="rId12"/>
+    <p:sldId id="280" r:id="rId13"/>
+    <p:sldId id="281" r:id="rId14"/>
+    <p:sldId id="269" r:id="rId15"/>
+    <p:sldId id="271" r:id="rId16"/>
+    <p:sldId id="272" r:id="rId17"/>
+    <p:sldId id="273" r:id="rId18"/>
+    <p:sldId id="282" r:id="rId19"/>
+    <p:sldId id="277" r:id="rId20"/>
   </p:sldIdLst>
   <p:sldSz cx="12188825" cy="6858000"/>
   <p:notesSz cx="6858000" cy="9144000"/>
@@ -399,11 +401,11 @@
           <c:showBubbleSize val="0"/>
         </c:dLbls>
         <c:gapWidth val="199"/>
-        <c:axId val="-673449376"/>
-        <c:axId val="-673454272"/>
+        <c:axId val="-1804337376"/>
+        <c:axId val="-1804336832"/>
       </c:barChart>
       <c:catAx>
-        <c:axId val="-673449376"/>
+        <c:axId val="-1804337376"/>
         <c:scaling>
           <c:orientation val="minMax"/>
         </c:scaling>
@@ -446,7 +448,7 @@
             <a:endParaRPr lang="zh-TW"/>
           </a:p>
         </c:txPr>
-        <c:crossAx val="-673454272"/>
+        <c:crossAx val="-1804336832"/>
         <c:crosses val="autoZero"/>
         <c:auto val="1"/>
         <c:lblAlgn val="ctr"/>
@@ -454,7 +456,7 @@
         <c:noMultiLvlLbl val="0"/>
       </c:catAx>
       <c:valAx>
-        <c:axId val="-673454272"/>
+        <c:axId val="-1804336832"/>
         <c:scaling>
           <c:orientation val="minMax"/>
         </c:scaling>
@@ -519,7 +521,7 @@
             <a:endParaRPr lang="zh-TW"/>
           </a:p>
         </c:txPr>
-        <c:crossAx val="-673449376"/>
+        <c:crossAx val="-1804337376"/>
         <c:crosses val="autoZero"/>
         <c:crossBetween val="between"/>
       </c:valAx>
@@ -5178,7 +5180,7 @@
             <a:fld id="{C6074690-7256-4BB9-AC0F-97AEAE8CDEC2}" type="slidenum">
               <a:rPr lang="en-US" altLang="zh-TW" smtClean="0"/>
               <a:pPr algn="r" rtl="0"/>
-              <a:t>13</a:t>
+              <a:t>15</a:t>
             </a:fld>
             <a:endParaRPr lang="zh-TW" altLang="en-US" dirty="0"/>
           </a:p>
@@ -5272,7 +5274,7 @@
             <a:fld id="{C6074690-7256-4BB9-AC0F-97AEAE8CDEC2}" type="slidenum">
               <a:rPr lang="en-US" altLang="zh-TW" smtClean="0"/>
               <a:pPr algn="r" rtl="0"/>
-              <a:t>14</a:t>
+              <a:t>16</a:t>
             </a:fld>
             <a:endParaRPr lang="zh-TW" altLang="en-US" dirty="0"/>
           </a:p>
@@ -5460,7 +5462,7 @@
             <a:fld id="{C6074690-7256-4BB9-AC0F-97AEAE8CDEC2}" type="slidenum">
               <a:rPr lang="en-US" altLang="zh-TW" smtClean="0"/>
               <a:pPr algn="r" rtl="0"/>
-              <a:t>6</a:t>
+              <a:t>8</a:t>
             </a:fld>
             <a:endParaRPr lang="zh-TW" altLang="en-US" dirty="0"/>
           </a:p>
@@ -5554,7 +5556,7 @@
             <a:fld id="{C6074690-7256-4BB9-AC0F-97AEAE8CDEC2}" type="slidenum">
               <a:rPr lang="en-US" altLang="zh-TW" smtClean="0"/>
               <a:pPr algn="r" rtl="0"/>
-              <a:t>7</a:t>
+              <a:t>9</a:t>
             </a:fld>
             <a:endParaRPr lang="zh-TW" altLang="en-US" dirty="0"/>
           </a:p>
@@ -5648,7 +5650,7 @@
             <a:fld id="{C6074690-7256-4BB9-AC0F-97AEAE8CDEC2}" type="slidenum">
               <a:rPr lang="en-US" altLang="zh-TW" smtClean="0"/>
               <a:pPr algn="r" rtl="0"/>
-              <a:t>8</a:t>
+              <a:t>10</a:t>
             </a:fld>
             <a:endParaRPr lang="zh-TW" altLang="en-US" dirty="0"/>
           </a:p>
@@ -5742,7 +5744,7 @@
             <a:fld id="{C6074690-7256-4BB9-AC0F-97AEAE8CDEC2}" type="slidenum">
               <a:rPr lang="en-US" altLang="zh-TW" smtClean="0"/>
               <a:pPr algn="r" rtl="0"/>
-              <a:t>9</a:t>
+              <a:t>11</a:t>
             </a:fld>
             <a:endParaRPr lang="zh-TW" altLang="en-US" dirty="0"/>
           </a:p>
@@ -5836,7 +5838,7 @@
             <a:fld id="{C6074690-7256-4BB9-AC0F-97AEAE8CDEC2}" type="slidenum">
               <a:rPr lang="en-US" altLang="zh-TW" smtClean="0"/>
               <a:pPr algn="r" rtl="0"/>
-              <a:t>10</a:t>
+              <a:t>12</a:t>
             </a:fld>
             <a:endParaRPr lang="zh-TW" altLang="en-US" dirty="0"/>
           </a:p>
@@ -5930,7 +5932,7 @@
             <a:fld id="{C6074690-7256-4BB9-AC0F-97AEAE8CDEC2}" type="slidenum">
               <a:rPr lang="en-US" altLang="zh-TW" smtClean="0"/>
               <a:pPr algn="r" rtl="0"/>
-              <a:t>11</a:t>
+              <a:t>13</a:t>
             </a:fld>
             <a:endParaRPr lang="zh-TW" altLang="en-US" dirty="0"/>
           </a:p>
@@ -6024,7 +6026,7 @@
             <a:fld id="{C6074690-7256-4BB9-AC0F-97AEAE8CDEC2}" type="slidenum">
               <a:rPr lang="en-US" altLang="zh-TW" smtClean="0"/>
               <a:pPr algn="r" rtl="0"/>
-              <a:t>12</a:t>
+              <a:t>14</a:t>
             </a:fld>
             <a:endParaRPr lang="zh-TW" altLang="en-US" dirty="0"/>
           </a:p>
@@ -10478,7 +10480,7 @@
                 <a:ea typeface="細明體" panose="02020509000000000000" pitchFamily="49" charset="-120"/>
                 <a:sym typeface="Salesforce Sans"/>
               </a:rPr>
-              <a:t>新增投影片標題 </a:t>
+              <a:t>含 </a:t>
             </a:r>
             <a:r>
               <a:rPr lang="en-US" altLang="zh-TW" dirty="0" smtClean="0">
@@ -10486,7 +10488,15 @@
                 <a:ea typeface="細明體" panose="02020509000000000000" pitchFamily="49" charset="-120"/>
                 <a:sym typeface="Salesforce Sans"/>
               </a:rPr>
-              <a:t>- 2</a:t>
+              <a:t>SmartArt </a:t>
+            </a:r>
+            <a:r>
+              <a:rPr lang="zh-TW" altLang="en-US" dirty="0" smtClean="0">
+                <a:latin typeface="細明體" panose="02020509000000000000" pitchFamily="49" charset="-120"/>
+                <a:ea typeface="細明體" panose="02020509000000000000" pitchFamily="49" charset="-120"/>
+                <a:sym typeface="Salesforce Sans"/>
+              </a:rPr>
+              <a:t>的兩項內容版面配置</a:t>
             </a:r>
             <a:endParaRPr lang="zh-TW" altLang="en-US" dirty="0">
               <a:latin typeface="細明體" panose="02020509000000000000" pitchFamily="49" charset="-120"/>
@@ -10498,12 +10508,12 @@
       </p:sp>
       <p:sp>
         <p:nvSpPr>
-          <p:cNvPr id="3" name="文字預留位置 2"/>
+          <p:cNvPr id="10" name="內容預留位置 9"/>
           <p:cNvSpPr>
             <a:spLocks noGrp="1"/>
           </p:cNvSpPr>
           <p:nvPr>
-            <p:ph type="body" idx="1"/>
+            <p:ph sz="half" idx="1"/>
           </p:nvPr>
         </p:nvSpPr>
         <p:spPr/>
@@ -10512,6 +10522,36 @@
           <a:lstStyle/>
           <a:p>
             <a:pPr rtl="0"/>
+            <a:r>
+              <a:rPr lang="zh-TW" altLang="en-US" dirty="0" smtClean="0">
+                <a:latin typeface="細明體" panose="02020509000000000000" pitchFamily="49" charset="-120"/>
+                <a:ea typeface="細明體" panose="02020509000000000000" pitchFamily="49" charset="-120"/>
+                <a:sym typeface="Salesforce Sans"/>
+              </a:rPr>
+              <a:t>第一個項目符號</a:t>
+            </a:r>
+          </a:p>
+          <a:p>
+            <a:pPr rtl="0"/>
+            <a:r>
+              <a:rPr lang="zh-TW" altLang="en-US" dirty="0" smtClean="0">
+                <a:latin typeface="細明體" panose="02020509000000000000" pitchFamily="49" charset="-120"/>
+                <a:ea typeface="細明體" panose="02020509000000000000" pitchFamily="49" charset="-120"/>
+                <a:sym typeface="Salesforce Sans"/>
+              </a:rPr>
+              <a:t>第二個項目符號</a:t>
+            </a:r>
+          </a:p>
+          <a:p>
+            <a:pPr rtl="0"/>
+            <a:r>
+              <a:rPr lang="zh-TW" altLang="en-US" dirty="0" smtClean="0">
+                <a:latin typeface="細明體" panose="02020509000000000000" pitchFamily="49" charset="-120"/>
+                <a:ea typeface="細明體" panose="02020509000000000000" pitchFamily="49" charset="-120"/>
+                <a:sym typeface="Salesforce Sans"/>
+              </a:rPr>
+              <a:t>第三個項目符號</a:t>
+            </a:r>
             <a:endParaRPr lang="zh-TW" altLang="en-US" dirty="0">
               <a:latin typeface="細明體" panose="02020509000000000000" pitchFamily="49" charset="-120"/>
               <a:ea typeface="細明體" panose="02020509000000000000" pitchFamily="49" charset="-120"/>
@@ -10520,84 +10560,35 @@
           </a:p>
         </p:txBody>
       </p:sp>
-      <p:sp>
-        <p:nvSpPr>
-          <p:cNvPr id="4" name="內容預留位置 3"/>
-          <p:cNvSpPr>
-            <a:spLocks noGrp="1"/>
-          </p:cNvSpPr>
+      <p:graphicFrame>
+        <p:nvGraphicFramePr>
+          <p:cNvPr id="9" name="內容預留位置 8" descr="由上至下依序顯示了 3 個群組的垂直方塊清單，每個群組下方都有各自的項目符號。"/>
+          <p:cNvGraphicFramePr>
+            <a:graphicFrameLocks noGrp="1"/>
+          </p:cNvGraphicFramePr>
           <p:nvPr>
             <p:ph sz="half" idx="2"/>
+            <p:extLst>
+              <p:ext uri="{D42A27DB-BD31-4B8C-83A1-F6EECF244321}">
+                <p14:modId xmlns:p14="http://schemas.microsoft.com/office/powerpoint/2010/main" val="2056830091"/>
+              </p:ext>
+            </p:extLst>
           </p:nvPr>
-        </p:nvSpPr>
-        <p:spPr/>
-        <p:txBody>
-          <a:bodyPr rtlCol="0"/>
-          <a:lstStyle/>
-          <a:p>
-            <a:pPr rtl="0"/>
-            <a:endParaRPr lang="zh-TW" altLang="en-US" dirty="0">
-              <a:latin typeface="細明體" panose="02020509000000000000" pitchFamily="49" charset="-120"/>
-              <a:ea typeface="細明體" panose="02020509000000000000" pitchFamily="49" charset="-120"/>
-              <a:sym typeface="Salesforce Sans"/>
-            </a:endParaRPr>
-          </a:p>
-        </p:txBody>
-      </p:sp>
-      <p:sp>
-        <p:nvSpPr>
-          <p:cNvPr id="5" name="文字預留位置 4"/>
-          <p:cNvSpPr>
-            <a:spLocks noGrp="1"/>
-          </p:cNvSpPr>
-          <p:nvPr>
-            <p:ph type="body" sz="quarter" idx="3"/>
-          </p:nvPr>
-        </p:nvSpPr>
-        <p:spPr/>
-        <p:txBody>
-          <a:bodyPr rtlCol="0"/>
-          <a:lstStyle/>
-          <a:p>
-            <a:pPr rtl="0"/>
-            <a:endParaRPr lang="zh-TW" altLang="en-US" dirty="0">
-              <a:latin typeface="細明體" panose="02020509000000000000" pitchFamily="49" charset="-120"/>
-              <a:ea typeface="細明體" panose="02020509000000000000" pitchFamily="49" charset="-120"/>
-              <a:sym typeface="Salesforce Sans"/>
-            </a:endParaRPr>
-          </a:p>
-        </p:txBody>
-      </p:sp>
-      <p:sp>
-        <p:nvSpPr>
-          <p:cNvPr id="6" name="內容預留位置 5"/>
-          <p:cNvSpPr>
-            <a:spLocks noGrp="1"/>
-          </p:cNvSpPr>
-          <p:nvPr>
-            <p:ph sz="quarter" idx="4"/>
-          </p:nvPr>
-        </p:nvSpPr>
-        <p:spPr/>
-        <p:txBody>
-          <a:bodyPr rtlCol="0">
-            <a:normAutofit/>
-          </a:bodyPr>
-          <a:lstStyle/>
-          <a:p>
-            <a:pPr rtl="0"/>
-            <a:endParaRPr lang="zh-TW" altLang="en-US" dirty="0">
-              <a:latin typeface="細明體" panose="02020509000000000000" pitchFamily="49" charset="-120"/>
-              <a:ea typeface="細明體" panose="02020509000000000000" pitchFamily="49" charset="-120"/>
-              <a:sym typeface="Salesforce Sans"/>
-            </a:endParaRPr>
-          </a:p>
-        </p:txBody>
-      </p:sp>
+        </p:nvGraphicFramePr>
+        <p:xfrm>
+          <a:off x="6196013" y="1803400"/>
+          <a:ext cx="4773612" cy="4267200"/>
+        </p:xfrm>
+        <a:graphic>
+          <a:graphicData uri="http://schemas.openxmlformats.org/drawingml/2006/diagram">
+            <dgm:relIds xmlns:dgm="http://schemas.openxmlformats.org/drawingml/2006/diagram" xmlns:r="http://schemas.openxmlformats.org/officeDocument/2006/relationships" r:dm="rId3" r:lo="rId4" r:qs="rId5" r:cs="rId6"/>
+          </a:graphicData>
+        </a:graphic>
+      </p:graphicFrame>
     </p:spTree>
     <p:extLst>
       <p:ext uri="{BB962C8B-B14F-4D97-AF65-F5344CB8AC3E}">
-        <p14:creationId xmlns:p14="http://schemas.microsoft.com/office/powerpoint/2010/main" val="4181297464"/>
+        <p14:creationId xmlns:p14="http://schemas.microsoft.com/office/powerpoint/2010/main" val="3507259872"/>
       </p:ext>
     </p:extLst>
   </p:cSld>
@@ -10645,7 +10636,7 @@
       </p:grpSpPr>
       <p:sp>
         <p:nvSpPr>
-          <p:cNvPr id="2" name="標題 1"/>
+          <p:cNvPr id="10" name="標題 9"/>
           <p:cNvSpPr>
             <a:spLocks noGrp="1"/>
           </p:cNvSpPr>
@@ -10673,7 +10664,7 @@
                 <a:ea typeface="細明體" panose="02020509000000000000" pitchFamily="49" charset="-120"/>
                 <a:sym typeface="Salesforce Sans"/>
               </a:rPr>
-              <a:t>- 3</a:t>
+              <a:t>- 1</a:t>
             </a:r>
             <a:endParaRPr lang="zh-TW" altLang="en-US" dirty="0">
               <a:latin typeface="細明體" panose="02020509000000000000" pitchFamily="49" charset="-120"/>
@@ -10683,10 +10674,34 @@
           </a:p>
         </p:txBody>
       </p:sp>
+      <p:sp>
+        <p:nvSpPr>
+          <p:cNvPr id="11" name="文字預留位置 10"/>
+          <p:cNvSpPr>
+            <a:spLocks noGrp="1"/>
+          </p:cNvSpPr>
+          <p:nvPr>
+            <p:ph type="body" idx="1"/>
+          </p:nvPr>
+        </p:nvSpPr>
+        <p:spPr/>
+        <p:txBody>
+          <a:bodyPr rtlCol="0"/>
+          <a:lstStyle/>
+          <a:p>
+            <a:pPr rtl="0"/>
+            <a:endParaRPr lang="zh-TW" altLang="en-US" dirty="0">
+              <a:latin typeface="細明體" panose="02020509000000000000" pitchFamily="49" charset="-120"/>
+              <a:ea typeface="細明體" panose="02020509000000000000" pitchFamily="49" charset="-120"/>
+              <a:sym typeface="Salesforce Sans"/>
+            </a:endParaRPr>
+          </a:p>
+        </p:txBody>
+      </p:sp>
     </p:spTree>
     <p:extLst>
       <p:ext uri="{BB962C8B-B14F-4D97-AF65-F5344CB8AC3E}">
-        <p14:creationId xmlns:p14="http://schemas.microsoft.com/office/powerpoint/2010/main" val="3819877332"/>
+        <p14:creationId xmlns:p14="http://schemas.microsoft.com/office/powerpoint/2010/main" val="1039241209"/>
       </p:ext>
     </p:extLst>
   </p:cSld>
@@ -10732,10 +10747,148 @@
           <a:chExt cx="0" cy="0"/>
         </a:xfrm>
       </p:grpSpPr>
+      <p:sp>
+        <p:nvSpPr>
+          <p:cNvPr id="2" name="標題 1"/>
+          <p:cNvSpPr>
+            <a:spLocks noGrp="1"/>
+          </p:cNvSpPr>
+          <p:nvPr>
+            <p:ph type="title"/>
+          </p:nvPr>
+        </p:nvSpPr>
+        <p:spPr/>
+        <p:txBody>
+          <a:bodyPr rtlCol="0"/>
+          <a:lstStyle/>
+          <a:p>
+            <a:pPr rtl="0"/>
+            <a:r>
+              <a:rPr lang="zh-TW" altLang="en-US" dirty="0" smtClean="0">
+                <a:latin typeface="細明體" panose="02020509000000000000" pitchFamily="49" charset="-120"/>
+                <a:ea typeface="細明體" panose="02020509000000000000" pitchFamily="49" charset="-120"/>
+                <a:sym typeface="Salesforce Sans"/>
+              </a:rPr>
+              <a:t>新增投影片標題 </a:t>
+            </a:r>
+            <a:r>
+              <a:rPr lang="en-US" altLang="zh-TW" dirty="0" smtClean="0">
+                <a:latin typeface="細明體" panose="02020509000000000000" pitchFamily="49" charset="-120"/>
+                <a:ea typeface="細明體" panose="02020509000000000000" pitchFamily="49" charset="-120"/>
+                <a:sym typeface="Salesforce Sans"/>
+              </a:rPr>
+              <a:t>- 2</a:t>
+            </a:r>
+            <a:endParaRPr lang="zh-TW" altLang="en-US" dirty="0">
+              <a:latin typeface="細明體" panose="02020509000000000000" pitchFamily="49" charset="-120"/>
+              <a:ea typeface="細明體" panose="02020509000000000000" pitchFamily="49" charset="-120"/>
+              <a:sym typeface="Salesforce Sans"/>
+            </a:endParaRPr>
+          </a:p>
+        </p:txBody>
+      </p:sp>
+      <p:sp>
+        <p:nvSpPr>
+          <p:cNvPr id="3" name="文字預留位置 2"/>
+          <p:cNvSpPr>
+            <a:spLocks noGrp="1"/>
+          </p:cNvSpPr>
+          <p:nvPr>
+            <p:ph type="body" idx="1"/>
+          </p:nvPr>
+        </p:nvSpPr>
+        <p:spPr/>
+        <p:txBody>
+          <a:bodyPr rtlCol="0"/>
+          <a:lstStyle/>
+          <a:p>
+            <a:pPr rtl="0"/>
+            <a:endParaRPr lang="zh-TW" altLang="en-US" dirty="0">
+              <a:latin typeface="細明體" panose="02020509000000000000" pitchFamily="49" charset="-120"/>
+              <a:ea typeface="細明體" panose="02020509000000000000" pitchFamily="49" charset="-120"/>
+              <a:sym typeface="Salesforce Sans"/>
+            </a:endParaRPr>
+          </a:p>
+        </p:txBody>
+      </p:sp>
+      <p:sp>
+        <p:nvSpPr>
+          <p:cNvPr id="4" name="內容預留位置 3"/>
+          <p:cNvSpPr>
+            <a:spLocks noGrp="1"/>
+          </p:cNvSpPr>
+          <p:nvPr>
+            <p:ph sz="half" idx="2"/>
+          </p:nvPr>
+        </p:nvSpPr>
+        <p:spPr/>
+        <p:txBody>
+          <a:bodyPr rtlCol="0"/>
+          <a:lstStyle/>
+          <a:p>
+            <a:pPr rtl="0"/>
+            <a:endParaRPr lang="zh-TW" altLang="en-US" dirty="0">
+              <a:latin typeface="細明體" panose="02020509000000000000" pitchFamily="49" charset="-120"/>
+              <a:ea typeface="細明體" panose="02020509000000000000" pitchFamily="49" charset="-120"/>
+              <a:sym typeface="Salesforce Sans"/>
+            </a:endParaRPr>
+          </a:p>
+        </p:txBody>
+      </p:sp>
+      <p:sp>
+        <p:nvSpPr>
+          <p:cNvPr id="5" name="文字預留位置 4"/>
+          <p:cNvSpPr>
+            <a:spLocks noGrp="1"/>
+          </p:cNvSpPr>
+          <p:nvPr>
+            <p:ph type="body" sz="quarter" idx="3"/>
+          </p:nvPr>
+        </p:nvSpPr>
+        <p:spPr/>
+        <p:txBody>
+          <a:bodyPr rtlCol="0"/>
+          <a:lstStyle/>
+          <a:p>
+            <a:pPr rtl="0"/>
+            <a:endParaRPr lang="zh-TW" altLang="en-US" dirty="0">
+              <a:latin typeface="細明體" panose="02020509000000000000" pitchFamily="49" charset="-120"/>
+              <a:ea typeface="細明體" panose="02020509000000000000" pitchFamily="49" charset="-120"/>
+              <a:sym typeface="Salesforce Sans"/>
+            </a:endParaRPr>
+          </a:p>
+        </p:txBody>
+      </p:sp>
+      <p:sp>
+        <p:nvSpPr>
+          <p:cNvPr id="6" name="內容預留位置 5"/>
+          <p:cNvSpPr>
+            <a:spLocks noGrp="1"/>
+          </p:cNvSpPr>
+          <p:nvPr>
+            <p:ph sz="quarter" idx="4"/>
+          </p:nvPr>
+        </p:nvSpPr>
+        <p:spPr/>
+        <p:txBody>
+          <a:bodyPr rtlCol="0">
+            <a:normAutofit/>
+          </a:bodyPr>
+          <a:lstStyle/>
+          <a:p>
+            <a:pPr rtl="0"/>
+            <a:endParaRPr lang="zh-TW" altLang="en-US" dirty="0">
+              <a:latin typeface="細明體" panose="02020509000000000000" pitchFamily="49" charset="-120"/>
+              <a:ea typeface="細明體" panose="02020509000000000000" pitchFamily="49" charset="-120"/>
+              <a:sym typeface="Salesforce Sans"/>
+            </a:endParaRPr>
+          </a:p>
+        </p:txBody>
+      </p:sp>
     </p:spTree>
     <p:extLst>
       <p:ext uri="{BB962C8B-B14F-4D97-AF65-F5344CB8AC3E}">
-        <p14:creationId xmlns:p14="http://schemas.microsoft.com/office/powerpoint/2010/main" val="2623819822"/>
+        <p14:creationId xmlns:p14="http://schemas.microsoft.com/office/powerpoint/2010/main" val="4181297464"/>
       </p:ext>
     </p:extLst>
   </p:cSld>
@@ -10811,6 +10964,144 @@
                 <a:ea typeface="細明體" panose="02020509000000000000" pitchFamily="49" charset="-120"/>
                 <a:sym typeface="Salesforce Sans"/>
               </a:rPr>
+              <a:t>- 3</a:t>
+            </a:r>
+            <a:endParaRPr lang="zh-TW" altLang="en-US" dirty="0">
+              <a:latin typeface="細明體" panose="02020509000000000000" pitchFamily="49" charset="-120"/>
+              <a:ea typeface="細明體" panose="02020509000000000000" pitchFamily="49" charset="-120"/>
+              <a:sym typeface="Salesforce Sans"/>
+            </a:endParaRPr>
+          </a:p>
+        </p:txBody>
+      </p:sp>
+    </p:spTree>
+    <p:extLst>
+      <p:ext uri="{BB962C8B-B14F-4D97-AF65-F5344CB8AC3E}">
+        <p14:creationId xmlns:p14="http://schemas.microsoft.com/office/powerpoint/2010/main" val="3819877332"/>
+      </p:ext>
+    </p:extLst>
+  </p:cSld>
+  <p:clrMapOvr>
+    <a:masterClrMapping/>
+  </p:clrMapOvr>
+  <mc:AlternateContent xmlns:mc="http://schemas.openxmlformats.org/markup-compatibility/2006" xmlns:p14="http://schemas.microsoft.com/office/powerpoint/2010/main">
+    <mc:Choice Requires="p14">
+      <p:transition spd="med" p14:dur="700">
+        <p:fade/>
+      </p:transition>
+    </mc:Choice>
+    <mc:Fallback xmlns="">
+      <p:transition spd="med">
+        <p:fade/>
+      </p:transition>
+    </mc:Fallback>
+  </mc:AlternateContent>
+  <p:timing>
+    <p:tnLst>
+      <p:par>
+        <p:cTn id="1" dur="indefinite" restart="never" nodeType="tmRoot"/>
+      </p:par>
+    </p:tnLst>
+  </p:timing>
+</p:sld>
+</file>
+
+<file path=ppt/slides/slide14.xml><?xml version="1.0" encoding="utf-8"?>
+<p:sld xmlns:a="http://schemas.openxmlformats.org/drawingml/2006/main" xmlns:r="http://schemas.openxmlformats.org/officeDocument/2006/relationships" xmlns:p="http://schemas.openxmlformats.org/presentationml/2006/main">
+  <p:cSld>
+    <p:spTree>
+      <p:nvGrpSpPr>
+        <p:cNvPr id="1" name=""/>
+        <p:cNvGrpSpPr/>
+        <p:nvPr/>
+      </p:nvGrpSpPr>
+      <p:grpSpPr>
+        <a:xfrm>
+          <a:off x="0" y="0"/>
+          <a:ext cx="0" cy="0"/>
+          <a:chOff x="0" y="0"/>
+          <a:chExt cx="0" cy="0"/>
+        </a:xfrm>
+      </p:grpSpPr>
+    </p:spTree>
+    <p:extLst>
+      <p:ext uri="{BB962C8B-B14F-4D97-AF65-F5344CB8AC3E}">
+        <p14:creationId xmlns:p14="http://schemas.microsoft.com/office/powerpoint/2010/main" val="2623819822"/>
+      </p:ext>
+    </p:extLst>
+  </p:cSld>
+  <p:clrMapOvr>
+    <a:masterClrMapping/>
+  </p:clrMapOvr>
+  <mc:AlternateContent xmlns:mc="http://schemas.openxmlformats.org/markup-compatibility/2006" xmlns:p14="http://schemas.microsoft.com/office/powerpoint/2010/main">
+    <mc:Choice Requires="p14">
+      <p:transition spd="med" p14:dur="700">
+        <p:fade/>
+      </p:transition>
+    </mc:Choice>
+    <mc:Fallback xmlns="">
+      <p:transition spd="med">
+        <p:fade/>
+      </p:transition>
+    </mc:Fallback>
+  </mc:AlternateContent>
+  <p:timing>
+    <p:tnLst>
+      <p:par>
+        <p:cTn id="1" dur="indefinite" restart="never" nodeType="tmRoot"/>
+      </p:par>
+    </p:tnLst>
+  </p:timing>
+</p:sld>
+</file>
+
+<file path=ppt/slides/slide15.xml><?xml version="1.0" encoding="utf-8"?>
+<p:sld xmlns:a="http://schemas.openxmlformats.org/drawingml/2006/main" xmlns:r="http://schemas.openxmlformats.org/officeDocument/2006/relationships" xmlns:p="http://schemas.openxmlformats.org/presentationml/2006/main">
+  <p:cSld>
+    <p:spTree>
+      <p:nvGrpSpPr>
+        <p:cNvPr id="1" name=""/>
+        <p:cNvGrpSpPr/>
+        <p:nvPr/>
+      </p:nvGrpSpPr>
+      <p:grpSpPr>
+        <a:xfrm>
+          <a:off x="0" y="0"/>
+          <a:ext cx="0" cy="0"/>
+          <a:chOff x="0" y="0"/>
+          <a:chExt cx="0" cy="0"/>
+        </a:xfrm>
+      </p:grpSpPr>
+      <p:sp>
+        <p:nvSpPr>
+          <p:cNvPr id="2" name="標題 1"/>
+          <p:cNvSpPr>
+            <a:spLocks noGrp="1"/>
+          </p:cNvSpPr>
+          <p:nvPr>
+            <p:ph type="title"/>
+          </p:nvPr>
+        </p:nvSpPr>
+        <p:spPr/>
+        <p:txBody>
+          <a:bodyPr rtlCol="0"/>
+          <a:lstStyle/>
+          <a:p>
+            <a:pPr rtl="0"/>
+            <a:r>
+              <a:rPr lang="zh-TW" altLang="en-US" dirty="0" smtClean="0">
+                <a:latin typeface="細明體" panose="02020509000000000000" pitchFamily="49" charset="-120"/>
+                <a:ea typeface="細明體" panose="02020509000000000000" pitchFamily="49" charset="-120"/>
+                <a:sym typeface="Salesforce Sans"/>
+              </a:rPr>
+              <a:t>新增投影片標題 </a:t>
+            </a:r>
+            <a:r>
+              <a:rPr lang="en-US" altLang="zh-TW" dirty="0" smtClean="0">
+                <a:latin typeface="細明體" panose="02020509000000000000" pitchFamily="49" charset="-120"/>
+                <a:ea typeface="細明體" panose="02020509000000000000" pitchFamily="49" charset="-120"/>
+                <a:sym typeface="Salesforce Sans"/>
+              </a:rPr>
               <a:t>- 4</a:t>
             </a:r>
             <a:endParaRPr lang="zh-TW" altLang="en-US" dirty="0">
@@ -10901,7 +11192,7 @@
 </p:sld>
 </file>
 
-<file path=ppt/slides/slide14.xml><?xml version="1.0" encoding="utf-8"?>
+<file path=ppt/slides/slide16.xml><?xml version="1.0" encoding="utf-8"?>
 <p:sld xmlns:a="http://schemas.openxmlformats.org/drawingml/2006/main" xmlns:r="http://schemas.openxmlformats.org/officeDocument/2006/relationships" xmlns:p="http://schemas.openxmlformats.org/presentationml/2006/main">
   <p:cSld>
     <p:spTree>
@@ -11252,7 +11543,35 @@
                 <a:latin typeface="Salesforce Sans"/>
                 <a:sym typeface="Salesforce Sans"/>
               </a:rPr>
-              <a:t> 一人一半</a:t>
+              <a:t> 一人</a:t>
+            </a:r>
+            <a:r>
+              <a:rPr lang="zh-TW" altLang="en-US" dirty="0" smtClean="0">
+                <a:latin typeface="Salesforce Sans"/>
+                <a:sym typeface="Salesforce Sans"/>
+              </a:rPr>
+              <a:t>一半</a:t>
+            </a:r>
+            <a:endParaRPr lang="en-US" altLang="zh-TW" dirty="0" smtClean="0">
+              <a:latin typeface="Salesforce Sans"/>
+              <a:sym typeface="Salesforce Sans"/>
+            </a:endParaRPr>
+          </a:p>
+          <a:p>
+            <a:pPr rtl="0"/>
+            <a:r>
+              <a:rPr lang="en-US" altLang="zh-TW" dirty="0" err="1" smtClean="0">
+                <a:latin typeface="Salesforce Sans"/>
+                <a:sym typeface="Salesforce Sans"/>
+              </a:rPr>
+              <a:t>Fiestel</a:t>
+            </a:r>
+            <a:r>
+              <a:rPr lang="en-US" altLang="zh-TW" dirty="0" smtClean="0">
+                <a:latin typeface="Salesforce Sans"/>
+                <a:sym typeface="Salesforce Sans"/>
+              </a:rPr>
+              <a:t> type-3</a:t>
             </a:r>
             <a:endParaRPr lang="en-US" altLang="zh-TW" dirty="0" smtClean="0">
               <a:latin typeface="Salesforce Sans"/>
@@ -11333,6 +11652,96 @@
           <a:bodyPr/>
           <a:lstStyle/>
           <a:p>
+            <a:endParaRPr lang="zh-TW" altLang="en-US"/>
+          </a:p>
+        </p:txBody>
+      </p:sp>
+      <p:pic>
+        <p:nvPicPr>
+          <p:cNvPr id="4" name="內容版面配置區 3"/>
+          <p:cNvPicPr>
+            <a:picLocks noGrp="1" noChangeAspect="1"/>
+          </p:cNvPicPr>
+          <p:nvPr>
+            <p:ph idx="1"/>
+          </p:nvPr>
+        </p:nvPicPr>
+        <p:blipFill>
+          <a:blip r:embed="rId2">
+            <a:extLst>
+              <a:ext uri="{28A0092B-C50C-407E-A947-70E740481C1C}">
+                <a14:useLocalDpi xmlns:a14="http://schemas.microsoft.com/office/drawing/2010/main" val="0"/>
+              </a:ext>
+            </a:extLst>
+          </a:blip>
+          <a:stretch>
+            <a:fillRect/>
+          </a:stretch>
+        </p:blipFill>
+        <p:spPr>
+          <a:xfrm>
+            <a:off x="540966" y="1916832"/>
+            <a:ext cx="11106894" cy="3600400"/>
+          </a:xfrm>
+        </p:spPr>
+      </p:pic>
+    </p:spTree>
+    <p:extLst>
+      <p:ext uri="{BB962C8B-B14F-4D97-AF65-F5344CB8AC3E}">
+        <p14:creationId xmlns:p14="http://schemas.microsoft.com/office/powerpoint/2010/main" val="3320142320"/>
+      </p:ext>
+    </p:extLst>
+  </p:cSld>
+  <p:clrMapOvr>
+    <a:masterClrMapping/>
+  </p:clrMapOvr>
+  <mc:AlternateContent xmlns:mc="http://schemas.openxmlformats.org/markup-compatibility/2006">
+    <mc:Choice xmlns:p14="http://schemas.microsoft.com/office/powerpoint/2010/main" Requires="p14">
+      <p:transition spd="med" p14:dur="700">
+        <p:fade/>
+      </p:transition>
+    </mc:Choice>
+    <mc:Fallback>
+      <p:transition spd="med">
+        <p:fade/>
+      </p:transition>
+    </mc:Fallback>
+  </mc:AlternateContent>
+</p:sld>
+</file>
+
+<file path=ppt/slides/slide4.xml><?xml version="1.0" encoding="utf-8"?>
+<p:sld xmlns:a="http://schemas.openxmlformats.org/drawingml/2006/main" xmlns:r="http://schemas.openxmlformats.org/officeDocument/2006/relationships" xmlns:p="http://schemas.openxmlformats.org/presentationml/2006/main">
+  <p:cSld>
+    <p:spTree>
+      <p:nvGrpSpPr>
+        <p:cNvPr id="1" name=""/>
+        <p:cNvGrpSpPr/>
+        <p:nvPr/>
+      </p:nvGrpSpPr>
+      <p:grpSpPr>
+        <a:xfrm>
+          <a:off x="0" y="0"/>
+          <a:ext cx="0" cy="0"/>
+          <a:chOff x="0" y="0"/>
+          <a:chExt cx="0" cy="0"/>
+        </a:xfrm>
+      </p:grpSpPr>
+      <p:sp>
+        <p:nvSpPr>
+          <p:cNvPr id="2" name="標題 1"/>
+          <p:cNvSpPr>
+            <a:spLocks noGrp="1"/>
+          </p:cNvSpPr>
+          <p:nvPr>
+            <p:ph type="title"/>
+          </p:nvPr>
+        </p:nvSpPr>
+        <p:spPr/>
+        <p:txBody>
+          <a:bodyPr/>
+          <a:lstStyle/>
+          <a:p>
             <a:r>
               <a:rPr lang="en-US" altLang="zh-TW" dirty="0" smtClean="0"/>
               <a:t>MARS algorithm</a:t>
@@ -11452,13 +11861,13 @@
   <p:clrMapOvr>
     <a:masterClrMapping/>
   </p:clrMapOvr>
-  <mc:AlternateContent xmlns:mc="http://schemas.openxmlformats.org/markup-compatibility/2006">
-    <mc:Choice xmlns:p14="http://schemas.microsoft.com/office/powerpoint/2010/main" Requires="p14">
+  <mc:AlternateContent xmlns:mc="http://schemas.openxmlformats.org/markup-compatibility/2006" xmlns:p14="http://schemas.microsoft.com/office/powerpoint/2010/main">
+    <mc:Choice Requires="p14">
       <p:transition spd="med" p14:dur="700">
         <p:fade/>
       </p:transition>
     </mc:Choice>
-    <mc:Fallback>
+    <mc:Fallback xmlns="">
       <p:transition spd="med">
         <p:fade/>
       </p:transition>
@@ -11474,7 +11883,7 @@
 </p:sld>
 </file>
 
-<file path=ppt/slides/slide4.xml><?xml version="1.0" encoding="utf-8"?>
+<file path=ppt/slides/slide5.xml><?xml version="1.0" encoding="utf-8"?>
 <p:sld xmlns:a="http://schemas.openxmlformats.org/drawingml/2006/main" xmlns:r="http://schemas.openxmlformats.org/officeDocument/2006/relationships" xmlns:p="http://schemas.openxmlformats.org/presentationml/2006/main">
   <p:cSld>
     <p:spTree>
@@ -11583,13 +11992,13 @@
   <p:clrMapOvr>
     <a:masterClrMapping/>
   </p:clrMapOvr>
-  <mc:AlternateContent xmlns:mc="http://schemas.openxmlformats.org/markup-compatibility/2006">
-    <mc:Choice xmlns:p14="http://schemas.microsoft.com/office/powerpoint/2010/main" Requires="p14">
+  <mc:AlternateContent xmlns:mc="http://schemas.openxmlformats.org/markup-compatibility/2006" xmlns:p14="http://schemas.microsoft.com/office/powerpoint/2010/main">
+    <mc:Choice Requires="p14">
       <p:transition spd="med" p14:dur="700">
         <p:fade/>
       </p:transition>
     </mc:Choice>
-    <mc:Fallback>
+    <mc:Fallback xmlns="">
       <p:transition spd="med">
         <p:fade/>
       </p:transition>
@@ -11605,7 +12014,7 @@
 </p:sld>
 </file>
 
-<file path=ppt/slides/slide5.xml><?xml version="1.0" encoding="utf-8"?>
+<file path=ppt/slides/slide6.xml><?xml version="1.0" encoding="utf-8"?>
 <p:sld xmlns:a="http://schemas.openxmlformats.org/drawingml/2006/main" xmlns:r="http://schemas.openxmlformats.org/officeDocument/2006/relationships" xmlns:p="http://schemas.openxmlformats.org/presentationml/2006/main">
   <p:cSld>
     <p:spTree>
@@ -12078,7 +12487,139 @@
 </p:sld>
 </file>
 
-<file path=ppt/slides/slide6.xml><?xml version="1.0" encoding="utf-8"?>
+<file path=ppt/slides/slide7.xml><?xml version="1.0" encoding="utf-8"?>
+<p:sld xmlns:a="http://schemas.openxmlformats.org/drawingml/2006/main" xmlns:r="http://schemas.openxmlformats.org/officeDocument/2006/relationships" xmlns:p="http://schemas.openxmlformats.org/presentationml/2006/main">
+  <p:cSld>
+    <p:spTree>
+      <p:nvGrpSpPr>
+        <p:cNvPr id="1" name=""/>
+        <p:cNvGrpSpPr/>
+        <p:nvPr/>
+      </p:nvGrpSpPr>
+      <p:grpSpPr>
+        <a:xfrm>
+          <a:off x="0" y="0"/>
+          <a:ext cx="0" cy="0"/>
+          <a:chOff x="0" y="0"/>
+          <a:chExt cx="0" cy="0"/>
+        </a:xfrm>
+      </p:grpSpPr>
+      <p:pic>
+        <p:nvPicPr>
+          <p:cNvPr id="3" name="圖片 2"/>
+          <p:cNvPicPr>
+            <a:picLocks noChangeAspect="1"/>
+          </p:cNvPicPr>
+          <p:nvPr/>
+        </p:nvPicPr>
+        <p:blipFill>
+          <a:blip r:embed="rId2">
+            <a:extLst>
+              <a:ext uri="{28A0092B-C50C-407E-A947-70E740481C1C}">
+                <a14:useLocalDpi xmlns:a14="http://schemas.microsoft.com/office/drawing/2010/main" val="0"/>
+              </a:ext>
+            </a:extLst>
+          </a:blip>
+          <a:stretch>
+            <a:fillRect/>
+          </a:stretch>
+        </p:blipFill>
+        <p:spPr>
+          <a:xfrm>
+            <a:off x="5729680" y="1700808"/>
+            <a:ext cx="5240264" cy="4267200"/>
+          </a:xfrm>
+          <a:prstGeom prst="rect">
+            <a:avLst/>
+          </a:prstGeom>
+        </p:spPr>
+      </p:pic>
+      <p:sp>
+        <p:nvSpPr>
+          <p:cNvPr id="2" name="標題 1"/>
+          <p:cNvSpPr>
+            <a:spLocks noGrp="1"/>
+          </p:cNvSpPr>
+          <p:nvPr>
+            <p:ph type="title"/>
+          </p:nvPr>
+        </p:nvSpPr>
+        <p:spPr/>
+        <p:txBody>
+          <a:bodyPr/>
+          <a:lstStyle/>
+          <a:p>
+            <a:r>
+              <a:rPr lang="en-US" altLang="zh-TW" dirty="0"/>
+              <a:t>MARS algorithm</a:t>
+            </a:r>
+            <a:endParaRPr lang="zh-TW" altLang="en-US" dirty="0"/>
+          </a:p>
+        </p:txBody>
+      </p:sp>
+      <p:pic>
+        <p:nvPicPr>
+          <p:cNvPr id="8" name="圖片 7"/>
+          <p:cNvPicPr>
+            <a:picLocks noChangeAspect="1"/>
+          </p:cNvPicPr>
+          <p:nvPr/>
+        </p:nvPicPr>
+        <p:blipFill>
+          <a:blip r:embed="rId3">
+            <a:extLst>
+              <a:ext uri="{28A0092B-C50C-407E-A947-70E740481C1C}">
+                <a14:useLocalDpi xmlns:a14="http://schemas.microsoft.com/office/drawing/2010/main" val="0"/>
+              </a:ext>
+            </a:extLst>
+          </a:blip>
+          <a:stretch>
+            <a:fillRect/>
+          </a:stretch>
+        </p:blipFill>
+        <p:spPr>
+          <a:xfrm>
+            <a:off x="1125860" y="1988840"/>
+            <a:ext cx="4219575" cy="2880320"/>
+          </a:xfrm>
+          <a:prstGeom prst="rect">
+            <a:avLst/>
+          </a:prstGeom>
+        </p:spPr>
+      </p:pic>
+    </p:spTree>
+    <p:extLst>
+      <p:ext uri="{BB962C8B-B14F-4D97-AF65-F5344CB8AC3E}">
+        <p14:creationId xmlns:p14="http://schemas.microsoft.com/office/powerpoint/2010/main" val="3989480848"/>
+      </p:ext>
+    </p:extLst>
+  </p:cSld>
+  <p:clrMapOvr>
+    <a:masterClrMapping/>
+  </p:clrMapOvr>
+  <mc:AlternateContent xmlns:mc="http://schemas.openxmlformats.org/markup-compatibility/2006" xmlns:p14="http://schemas.microsoft.com/office/powerpoint/2010/main">
+    <mc:Choice Requires="p14">
+      <p:transition spd="med" p14:dur="700">
+        <p:fade/>
+      </p:transition>
+    </mc:Choice>
+    <mc:Fallback xmlns="">
+      <p:transition spd="med">
+        <p:fade/>
+      </p:transition>
+    </mc:Fallback>
+  </mc:AlternateContent>
+  <p:timing>
+    <p:tnLst>
+      <p:par>
+        <p:cTn id="1" dur="indefinite" restart="never" nodeType="tmRoot"/>
+      </p:par>
+    </p:tnLst>
+  </p:timing>
+</p:sld>
+</file>
+
+<file path=ppt/slides/slide8.xml><?xml version="1.0" encoding="utf-8"?>
 <p:sld xmlns:a="http://schemas.openxmlformats.org/drawingml/2006/main" xmlns:r="http://schemas.openxmlformats.org/officeDocument/2006/relationships" xmlns:p="http://schemas.openxmlformats.org/presentationml/2006/main">
   <p:cSld>
     <p:spTree>
@@ -12184,7 +12725,7 @@
 </p:sld>
 </file>
 
-<file path=ppt/slides/slide7.xml><?xml version="1.0" encoding="utf-8"?>
+<file path=ppt/slides/slide9.xml><?xml version="1.0" encoding="utf-8"?>
 <p:sld xmlns:a="http://schemas.openxmlformats.org/drawingml/2006/main" xmlns:r="http://schemas.openxmlformats.org/officeDocument/2006/relationships" xmlns:p="http://schemas.openxmlformats.org/presentationml/2006/main">
   <p:cSld>
     <p:spTree>
@@ -12262,21 +12803,21 @@
                 <a:gridCol w="1591204">
                   <a:extLst>
                     <a:ext uri="{9D8B030D-6E8A-4147-A177-3AD203B41FA5}">
-                      <a16:colId xmlns:a16="http://schemas.microsoft.com/office/drawing/2014/main" xmlns="" val="20000"/>
+                      <a16:colId xmlns="" xmlns:a16="http://schemas.microsoft.com/office/drawing/2014/main" val="20000"/>
                     </a:ext>
                   </a:extLst>
                 </a:gridCol>
                 <a:gridCol w="1591204">
                   <a:extLst>
                     <a:ext uri="{9D8B030D-6E8A-4147-A177-3AD203B41FA5}">
-                      <a16:colId xmlns:a16="http://schemas.microsoft.com/office/drawing/2014/main" xmlns="" val="20001"/>
+                      <a16:colId xmlns="" xmlns:a16="http://schemas.microsoft.com/office/drawing/2014/main" val="20001"/>
                     </a:ext>
                   </a:extLst>
                 </a:gridCol>
                 <a:gridCol w="1591204">
                   <a:extLst>
                     <a:ext uri="{9D8B030D-6E8A-4147-A177-3AD203B41FA5}">
-                      <a16:colId xmlns:a16="http://schemas.microsoft.com/office/drawing/2014/main" xmlns="" val="20002"/>
+                      <a16:colId xmlns="" xmlns:a16="http://schemas.microsoft.com/office/drawing/2014/main" val="20002"/>
                     </a:ext>
                   </a:extLst>
                 </a:gridCol>
@@ -12369,7 +12910,7 @@
                 </a:tc>
                 <a:extLst>
                   <a:ext uri="{0D108BD9-81ED-4DB2-BD59-A6C34878D82A}">
-                    <a16:rowId xmlns:a16="http://schemas.microsoft.com/office/drawing/2014/main" xmlns="" val="10000"/>
+                    <a16:rowId xmlns="" xmlns:a16="http://schemas.microsoft.com/office/drawing/2014/main" val="10000"/>
                   </a:ext>
                 </a:extLst>
               </a:tr>
@@ -12453,7 +12994,7 @@
                 </a:tc>
                 <a:extLst>
                   <a:ext uri="{0D108BD9-81ED-4DB2-BD59-A6C34878D82A}">
-                    <a16:rowId xmlns:a16="http://schemas.microsoft.com/office/drawing/2014/main" xmlns="" val="10001"/>
+                    <a16:rowId xmlns="" xmlns:a16="http://schemas.microsoft.com/office/drawing/2014/main" val="10001"/>
                   </a:ext>
                 </a:extLst>
               </a:tr>
@@ -12537,7 +13078,7 @@
                 </a:tc>
                 <a:extLst>
                   <a:ext uri="{0D108BD9-81ED-4DB2-BD59-A6C34878D82A}">
-                    <a16:rowId xmlns:a16="http://schemas.microsoft.com/office/drawing/2014/main" xmlns="" val="10002"/>
+                    <a16:rowId xmlns="" xmlns:a16="http://schemas.microsoft.com/office/drawing/2014/main" val="10002"/>
                   </a:ext>
                 </a:extLst>
               </a:tr>
@@ -12621,7 +13162,7 @@
                 </a:tc>
                 <a:extLst>
                   <a:ext uri="{0D108BD9-81ED-4DB2-BD59-A6C34878D82A}">
-                    <a16:rowId xmlns:a16="http://schemas.microsoft.com/office/drawing/2014/main" xmlns="" val="10003"/>
+                    <a16:rowId xmlns="" xmlns:a16="http://schemas.microsoft.com/office/drawing/2014/main" val="10003"/>
                   </a:ext>
                 </a:extLst>
               </a:tr>
@@ -12687,295 +13228,6 @@
     <p:extLst>
       <p:ext uri="{BB962C8B-B14F-4D97-AF65-F5344CB8AC3E}">
         <p14:creationId xmlns:p14="http://schemas.microsoft.com/office/powerpoint/2010/main" val="2908023704"/>
-      </p:ext>
-    </p:extLst>
-  </p:cSld>
-  <p:clrMapOvr>
-    <a:masterClrMapping/>
-  </p:clrMapOvr>
-  <mc:AlternateContent xmlns:mc="http://schemas.openxmlformats.org/markup-compatibility/2006" xmlns:p14="http://schemas.microsoft.com/office/powerpoint/2010/main">
-    <mc:Choice Requires="p14">
-      <p:transition spd="med" p14:dur="700">
-        <p:fade/>
-      </p:transition>
-    </mc:Choice>
-    <mc:Fallback xmlns="">
-      <p:transition spd="med">
-        <p:fade/>
-      </p:transition>
-    </mc:Fallback>
-  </mc:AlternateContent>
-  <p:timing>
-    <p:tnLst>
-      <p:par>
-        <p:cTn id="1" dur="indefinite" restart="never" nodeType="tmRoot"/>
-      </p:par>
-    </p:tnLst>
-  </p:timing>
-</p:sld>
-</file>
-
-<file path=ppt/slides/slide8.xml><?xml version="1.0" encoding="utf-8"?>
-<p:sld xmlns:a="http://schemas.openxmlformats.org/drawingml/2006/main" xmlns:r="http://schemas.openxmlformats.org/officeDocument/2006/relationships" xmlns:p="http://schemas.openxmlformats.org/presentationml/2006/main">
-  <p:cSld>
-    <p:spTree>
-      <p:nvGrpSpPr>
-        <p:cNvPr id="1" name=""/>
-        <p:cNvGrpSpPr/>
-        <p:nvPr/>
-      </p:nvGrpSpPr>
-      <p:grpSpPr>
-        <a:xfrm>
-          <a:off x="0" y="0"/>
-          <a:ext cx="0" cy="0"/>
-          <a:chOff x="0" y="0"/>
-          <a:chExt cx="0" cy="0"/>
-        </a:xfrm>
-      </p:grpSpPr>
-      <p:sp>
-        <p:nvSpPr>
-          <p:cNvPr id="2" name="標題 1"/>
-          <p:cNvSpPr>
-            <a:spLocks noGrp="1"/>
-          </p:cNvSpPr>
-          <p:nvPr>
-            <p:ph type="title"/>
-          </p:nvPr>
-        </p:nvSpPr>
-        <p:spPr/>
-        <p:txBody>
-          <a:bodyPr rtlCol="0"/>
-          <a:lstStyle/>
-          <a:p>
-            <a:pPr rtl="0"/>
-            <a:r>
-              <a:rPr lang="zh-TW" altLang="en-US" dirty="0" smtClean="0">
-                <a:latin typeface="細明體" panose="02020509000000000000" pitchFamily="49" charset="-120"/>
-                <a:ea typeface="細明體" panose="02020509000000000000" pitchFamily="49" charset="-120"/>
-                <a:sym typeface="Salesforce Sans"/>
-              </a:rPr>
-              <a:t>含 </a:t>
-            </a:r>
-            <a:r>
-              <a:rPr lang="en-US" altLang="zh-TW" dirty="0" smtClean="0">
-                <a:latin typeface="細明體" panose="02020509000000000000" pitchFamily="49" charset="-120"/>
-                <a:ea typeface="細明體" panose="02020509000000000000" pitchFamily="49" charset="-120"/>
-                <a:sym typeface="Salesforce Sans"/>
-              </a:rPr>
-              <a:t>SmartArt </a:t>
-            </a:r>
-            <a:r>
-              <a:rPr lang="zh-TW" altLang="en-US" dirty="0" smtClean="0">
-                <a:latin typeface="細明體" panose="02020509000000000000" pitchFamily="49" charset="-120"/>
-                <a:ea typeface="細明體" panose="02020509000000000000" pitchFamily="49" charset="-120"/>
-                <a:sym typeface="Salesforce Sans"/>
-              </a:rPr>
-              <a:t>的兩項內容版面配置</a:t>
-            </a:r>
-            <a:endParaRPr lang="zh-TW" altLang="en-US" dirty="0">
-              <a:latin typeface="細明體" panose="02020509000000000000" pitchFamily="49" charset="-120"/>
-              <a:ea typeface="細明體" panose="02020509000000000000" pitchFamily="49" charset="-120"/>
-              <a:sym typeface="Salesforce Sans"/>
-            </a:endParaRPr>
-          </a:p>
-        </p:txBody>
-      </p:sp>
-      <p:sp>
-        <p:nvSpPr>
-          <p:cNvPr id="10" name="內容預留位置 9"/>
-          <p:cNvSpPr>
-            <a:spLocks noGrp="1"/>
-          </p:cNvSpPr>
-          <p:nvPr>
-            <p:ph sz="half" idx="1"/>
-          </p:nvPr>
-        </p:nvSpPr>
-        <p:spPr/>
-        <p:txBody>
-          <a:bodyPr rtlCol="0"/>
-          <a:lstStyle/>
-          <a:p>
-            <a:pPr rtl="0"/>
-            <a:r>
-              <a:rPr lang="zh-TW" altLang="en-US" dirty="0" smtClean="0">
-                <a:latin typeface="細明體" panose="02020509000000000000" pitchFamily="49" charset="-120"/>
-                <a:ea typeface="細明體" panose="02020509000000000000" pitchFamily="49" charset="-120"/>
-                <a:sym typeface="Salesforce Sans"/>
-              </a:rPr>
-              <a:t>第一個項目符號</a:t>
-            </a:r>
-          </a:p>
-          <a:p>
-            <a:pPr rtl="0"/>
-            <a:r>
-              <a:rPr lang="zh-TW" altLang="en-US" dirty="0" smtClean="0">
-                <a:latin typeface="細明體" panose="02020509000000000000" pitchFamily="49" charset="-120"/>
-                <a:ea typeface="細明體" panose="02020509000000000000" pitchFamily="49" charset="-120"/>
-                <a:sym typeface="Salesforce Sans"/>
-              </a:rPr>
-              <a:t>第二個項目符號</a:t>
-            </a:r>
-          </a:p>
-          <a:p>
-            <a:pPr rtl="0"/>
-            <a:r>
-              <a:rPr lang="zh-TW" altLang="en-US" dirty="0" smtClean="0">
-                <a:latin typeface="細明體" panose="02020509000000000000" pitchFamily="49" charset="-120"/>
-                <a:ea typeface="細明體" panose="02020509000000000000" pitchFamily="49" charset="-120"/>
-                <a:sym typeface="Salesforce Sans"/>
-              </a:rPr>
-              <a:t>第三個項目符號</a:t>
-            </a:r>
-            <a:endParaRPr lang="zh-TW" altLang="en-US" dirty="0">
-              <a:latin typeface="細明體" panose="02020509000000000000" pitchFamily="49" charset="-120"/>
-              <a:ea typeface="細明體" panose="02020509000000000000" pitchFamily="49" charset="-120"/>
-              <a:sym typeface="Salesforce Sans"/>
-            </a:endParaRPr>
-          </a:p>
-        </p:txBody>
-      </p:sp>
-      <p:graphicFrame>
-        <p:nvGraphicFramePr>
-          <p:cNvPr id="9" name="內容預留位置 8" descr="由上至下依序顯示了 3 個群組的垂直方塊清單，每個群組下方都有各自的項目符號。"/>
-          <p:cNvGraphicFramePr>
-            <a:graphicFrameLocks noGrp="1"/>
-          </p:cNvGraphicFramePr>
-          <p:nvPr>
-            <p:ph sz="half" idx="2"/>
-            <p:extLst>
-              <p:ext uri="{D42A27DB-BD31-4B8C-83A1-F6EECF244321}">
-                <p14:modId xmlns:p14="http://schemas.microsoft.com/office/powerpoint/2010/main" val="2056830091"/>
-              </p:ext>
-            </p:extLst>
-          </p:nvPr>
-        </p:nvGraphicFramePr>
-        <p:xfrm>
-          <a:off x="6196013" y="1803400"/>
-          <a:ext cx="4773612" cy="4267200"/>
-        </p:xfrm>
-        <a:graphic>
-          <a:graphicData uri="http://schemas.openxmlformats.org/drawingml/2006/diagram">
-            <dgm:relIds xmlns:dgm="http://schemas.openxmlformats.org/drawingml/2006/diagram" xmlns:r="http://schemas.openxmlformats.org/officeDocument/2006/relationships" r:dm="rId3" r:lo="rId4" r:qs="rId5" r:cs="rId6"/>
-          </a:graphicData>
-        </a:graphic>
-      </p:graphicFrame>
-    </p:spTree>
-    <p:extLst>
-      <p:ext uri="{BB962C8B-B14F-4D97-AF65-F5344CB8AC3E}">
-        <p14:creationId xmlns:p14="http://schemas.microsoft.com/office/powerpoint/2010/main" val="3507259872"/>
-      </p:ext>
-    </p:extLst>
-  </p:cSld>
-  <p:clrMapOvr>
-    <a:masterClrMapping/>
-  </p:clrMapOvr>
-  <mc:AlternateContent xmlns:mc="http://schemas.openxmlformats.org/markup-compatibility/2006" xmlns:p14="http://schemas.microsoft.com/office/powerpoint/2010/main">
-    <mc:Choice Requires="p14">
-      <p:transition spd="med" p14:dur="700">
-        <p:fade/>
-      </p:transition>
-    </mc:Choice>
-    <mc:Fallback xmlns="">
-      <p:transition spd="med">
-        <p:fade/>
-      </p:transition>
-    </mc:Fallback>
-  </mc:AlternateContent>
-  <p:timing>
-    <p:tnLst>
-      <p:par>
-        <p:cTn id="1" dur="indefinite" restart="never" nodeType="tmRoot"/>
-      </p:par>
-    </p:tnLst>
-  </p:timing>
-</p:sld>
-</file>
-
-<file path=ppt/slides/slide9.xml><?xml version="1.0" encoding="utf-8"?>
-<p:sld xmlns:a="http://schemas.openxmlformats.org/drawingml/2006/main" xmlns:r="http://schemas.openxmlformats.org/officeDocument/2006/relationships" xmlns:p="http://schemas.openxmlformats.org/presentationml/2006/main">
-  <p:cSld>
-    <p:spTree>
-      <p:nvGrpSpPr>
-        <p:cNvPr id="1" name=""/>
-        <p:cNvGrpSpPr/>
-        <p:nvPr/>
-      </p:nvGrpSpPr>
-      <p:grpSpPr>
-        <a:xfrm>
-          <a:off x="0" y="0"/>
-          <a:ext cx="0" cy="0"/>
-          <a:chOff x="0" y="0"/>
-          <a:chExt cx="0" cy="0"/>
-        </a:xfrm>
-      </p:grpSpPr>
-      <p:sp>
-        <p:nvSpPr>
-          <p:cNvPr id="10" name="標題 9"/>
-          <p:cNvSpPr>
-            <a:spLocks noGrp="1"/>
-          </p:cNvSpPr>
-          <p:nvPr>
-            <p:ph type="title"/>
-          </p:nvPr>
-        </p:nvSpPr>
-        <p:spPr/>
-        <p:txBody>
-          <a:bodyPr rtlCol="0"/>
-          <a:lstStyle/>
-          <a:p>
-            <a:pPr rtl="0"/>
-            <a:r>
-              <a:rPr lang="zh-TW" altLang="en-US" dirty="0" smtClean="0">
-                <a:latin typeface="細明體" panose="02020509000000000000" pitchFamily="49" charset="-120"/>
-                <a:ea typeface="細明體" panose="02020509000000000000" pitchFamily="49" charset="-120"/>
-                <a:sym typeface="Salesforce Sans"/>
-              </a:rPr>
-              <a:t>新增投影片標題 </a:t>
-            </a:r>
-            <a:r>
-              <a:rPr lang="en-US" altLang="zh-TW" dirty="0" smtClean="0">
-                <a:latin typeface="細明體" panose="02020509000000000000" pitchFamily="49" charset="-120"/>
-                <a:ea typeface="細明體" panose="02020509000000000000" pitchFamily="49" charset="-120"/>
-                <a:sym typeface="Salesforce Sans"/>
-              </a:rPr>
-              <a:t>- 1</a:t>
-            </a:r>
-            <a:endParaRPr lang="zh-TW" altLang="en-US" dirty="0">
-              <a:latin typeface="細明體" panose="02020509000000000000" pitchFamily="49" charset="-120"/>
-              <a:ea typeface="細明體" panose="02020509000000000000" pitchFamily="49" charset="-120"/>
-              <a:sym typeface="Salesforce Sans"/>
-            </a:endParaRPr>
-          </a:p>
-        </p:txBody>
-      </p:sp>
-      <p:sp>
-        <p:nvSpPr>
-          <p:cNvPr id="11" name="文字預留位置 10"/>
-          <p:cNvSpPr>
-            <a:spLocks noGrp="1"/>
-          </p:cNvSpPr>
-          <p:nvPr>
-            <p:ph type="body" idx="1"/>
-          </p:nvPr>
-        </p:nvSpPr>
-        <p:spPr/>
-        <p:txBody>
-          <a:bodyPr rtlCol="0"/>
-          <a:lstStyle/>
-          <a:p>
-            <a:pPr rtl="0"/>
-            <a:endParaRPr lang="zh-TW" altLang="en-US" dirty="0">
-              <a:latin typeface="細明體" panose="02020509000000000000" pitchFamily="49" charset="-120"/>
-              <a:ea typeface="細明體" panose="02020509000000000000" pitchFamily="49" charset="-120"/>
-              <a:sym typeface="Salesforce Sans"/>
-            </a:endParaRPr>
-          </a:p>
-        </p:txBody>
-      </p:sp>
-    </p:spTree>
-    <p:extLst>
-      <p:ext uri="{BB962C8B-B14F-4D97-AF65-F5344CB8AC3E}">
-        <p14:creationId xmlns:p14="http://schemas.microsoft.com/office/powerpoint/2010/main" val="1039241209"/>
       </p:ext>
     </p:extLst>
   </p:cSld>
@@ -13901,15 +14153,6 @@
 </file>
 
 <file path=customXml/item2.xml><?xml version="1.0" encoding="utf-8"?>
-<?mso-contentType ?>
-<FormTemplates xmlns="http://schemas.microsoft.com/sharepoint/v3/contenttype/forms">
-  <Display>DocumentLibraryForm</Display>
-  <Edit>AssetEditForm</Edit>
-  <New>DocumentLibraryForm</New>
-</FormTemplates>
-</file>
-
-<file path=customXml/item3.xml><?xml version="1.0" encoding="utf-8"?>
 <ct:contentTypeSchema xmlns:ct="http://schemas.microsoft.com/office/2006/metadata/contentType" xmlns:ma="http://schemas.microsoft.com/office/2006/metadata/properties/metaAttributes" ct:_="" ma:_="" ma:contentTypeName="TemplateFile" ma:contentTypeID="0x0101006EDDDB5EE6D98C44930B742096920B300400F5B6D36B3EF94B4E9A635CDF2A18F5B8" ma:contentTypeVersion="72" ma:contentTypeDescription="Create a new document." ma:contentTypeScope="" ma:versionID="a23e56308344d904b51738559c3d67c9">
   <xsd:schema xmlns:xsd="http://www.w3.org/2001/XMLSchema" xmlns:xs="http://www.w3.org/2001/XMLSchema" xmlns:p="http://schemas.microsoft.com/office/2006/metadata/properties" xmlns:ns2="4873beb7-5857-4685-be1f-d57550cc96cc" targetNamespace="http://schemas.microsoft.com/office/2006/metadata/properties" ma:root="true" ma:fieldsID="cd0908cc4600e77bf5da051303e00c8d" ns2:_="">
     <xsd:import namespace="4873beb7-5857-4685-be1f-d57550cc96cc"/>
@@ -14949,6 +15192,15 @@
 </ct:contentTypeSchema>
 </file>
 
+<file path=customXml/item3.xml><?xml version="1.0" encoding="utf-8"?>
+<?mso-contentType ?>
+<FormTemplates xmlns="http://schemas.microsoft.com/sharepoint/v3/contenttype/forms">
+  <Display>DocumentLibraryForm</Display>
+  <Edit>AssetEditForm</Edit>
+  <New>DocumentLibraryForm</New>
+</FormTemplates>
+</file>
+
 <file path=customXml/itemProps1.xml><?xml version="1.0" encoding="utf-8"?>
 <ds:datastoreItem xmlns:ds="http://schemas.openxmlformats.org/officeDocument/2006/customXml" ds:itemID="{4ED80E12-3BE9-4746-820E-FFB249F467F2}">
   <ds:schemaRefs>
@@ -14966,14 +15218,6 @@
 </file>
 
 <file path=customXml/itemProps2.xml><?xml version="1.0" encoding="utf-8"?>
-<ds:datastoreItem xmlns:ds="http://schemas.openxmlformats.org/officeDocument/2006/customXml" ds:itemID="{8D003AC8-209A-4321-A17C-1B7A20643390}">
-  <ds:schemaRefs>
-    <ds:schemaRef ds:uri="http://schemas.microsoft.com/sharepoint/v3/contenttype/forms"/>
-  </ds:schemaRefs>
-</ds:datastoreItem>
-</file>
-
-<file path=customXml/itemProps3.xml><?xml version="1.0" encoding="utf-8"?>
 <ds:datastoreItem xmlns:ds="http://schemas.openxmlformats.org/officeDocument/2006/customXml" ds:itemID="{83ED4759-CFDD-43F0-817C-11D9197192BA}">
   <ds:schemaRefs>
     <ds:schemaRef ds:uri="http://schemas.microsoft.com/office/2006/metadata/contentType"/>
@@ -14989,4 +15233,12 @@
     <ds:schemaRef ds:uri="http://schemas.microsoft.com/internal/obd"/>
   </ds:schemaRefs>
 </ds:datastoreItem>
+</file>
+
+<file path=customXml/itemProps3.xml><?xml version="1.0" encoding="utf-8"?>
+<ds:datastoreItem xmlns:ds="http://schemas.openxmlformats.org/officeDocument/2006/customXml" ds:itemID="{8D003AC8-209A-4321-A17C-1B7A20643390}">
+  <ds:schemaRefs>
+    <ds:schemaRef ds:uri="http://schemas.microsoft.com/sharepoint/v3/contenttype/forms"/>
+  </ds:schemaRefs>
+</ds:datastoreItem>
 </file>
--- a/報告.pptx
+++ b/報告.pptx
@@ -5,10 +5,10 @@
     <p:sldMasterId id="2147483756" r:id="rId4"/>
   </p:sldMasterIdLst>
   <p:notesMasterIdLst>
-    <p:notesMasterId r:id="rId21"/>
+    <p:notesMasterId r:id="rId19"/>
   </p:notesMasterIdLst>
   <p:handoutMasterIdLst>
-    <p:handoutMasterId r:id="rId22"/>
+    <p:handoutMasterId r:id="rId20"/>
   </p:handoutMasterIdLst>
   <p:sldIdLst>
     <p:sldId id="267" r:id="rId5"/>
@@ -18,15 +18,13 @@
     <p:sldId id="284" r:id="rId9"/>
     <p:sldId id="285" r:id="rId10"/>
     <p:sldId id="286" r:id="rId11"/>
-    <p:sldId id="279" r:id="rId12"/>
-    <p:sldId id="280" r:id="rId13"/>
-    <p:sldId id="281" r:id="rId14"/>
+    <p:sldId id="288" r:id="rId12"/>
+    <p:sldId id="289" r:id="rId13"/>
+    <p:sldId id="290" r:id="rId14"/>
     <p:sldId id="269" r:id="rId15"/>
     <p:sldId id="271" r:id="rId16"/>
     <p:sldId id="272" r:id="rId17"/>
-    <p:sldId id="273" r:id="rId18"/>
-    <p:sldId id="282" r:id="rId19"/>
-    <p:sldId id="277" r:id="rId20"/>
+    <p:sldId id="291" r:id="rId18"/>
   </p:sldIdLst>
   <p:sldSz cx="12188825" cy="6858000"/>
   <p:notesSz cx="6858000" cy="9144000"/>
@@ -158,4304 +156,6 @@
 </p:presentation>
 </file>
 
-<file path=ppt/charts/chart1.xml><?xml version="1.0" encoding="utf-8"?>
-<c:chartSpace xmlns:c="http://schemas.openxmlformats.org/drawingml/2006/chart" xmlns:a="http://schemas.openxmlformats.org/drawingml/2006/main" xmlns:r="http://schemas.openxmlformats.org/officeDocument/2006/relationships">
-  <c:date1904 val="0"/>
-  <c:lang val="zh-TW"/>
-  <c:roundedCorners val="0"/>
-  <mc:AlternateContent xmlns:mc="http://schemas.openxmlformats.org/markup-compatibility/2006">
-    <mc:Choice xmlns:c14="http://schemas.microsoft.com/office/drawing/2007/8/2/chart" Requires="c14">
-      <c14:style val="102"/>
-    </mc:Choice>
-    <mc:Fallback>
-      <c:style val="2"/>
-    </mc:Fallback>
-  </mc:AlternateContent>
-  <c:chart>
-    <c:autoTitleDeleted val="1"/>
-    <c:plotArea>
-      <c:layout/>
-      <c:barChart>
-        <c:barDir val="col"/>
-        <c:grouping val="clustered"/>
-        <c:varyColors val="0"/>
-        <c:ser>
-          <c:idx val="0"/>
-          <c:order val="0"/>
-          <c:tx>
-            <c:strRef>
-              <c:f>Sheet1!$B$1</c:f>
-              <c:strCache>
-                <c:ptCount val="1"/>
-                <c:pt idx="0">
-                  <c:v>數列 1</c:v>
-                </c:pt>
-              </c:strCache>
-            </c:strRef>
-          </c:tx>
-          <c:spPr>
-            <a:solidFill>
-              <a:schemeClr val="accent1"/>
-            </a:solidFill>
-            <a:ln>
-              <a:noFill/>
-            </a:ln>
-            <a:effectLst/>
-          </c:spPr>
-          <c:invertIfNegative val="0"/>
-          <c:cat>
-            <c:strRef>
-              <c:f>Sheet1!$A$2:$A$5</c:f>
-              <c:strCache>
-                <c:ptCount val="4"/>
-                <c:pt idx="0">
-                  <c:v>類別 1</c:v>
-                </c:pt>
-                <c:pt idx="1">
-                  <c:v>類別 2</c:v>
-                </c:pt>
-                <c:pt idx="2">
-                  <c:v>類別 3</c:v>
-                </c:pt>
-                <c:pt idx="3">
-                  <c:v>類別 4</c:v>
-                </c:pt>
-              </c:strCache>
-            </c:strRef>
-          </c:cat>
-          <c:val>
-            <c:numRef>
-              <c:f>Sheet1!$B$2:$B$5</c:f>
-              <c:numCache>
-                <c:formatCode>General</c:formatCode>
-                <c:ptCount val="4"/>
-                <c:pt idx="0">
-                  <c:v>4.3</c:v>
-                </c:pt>
-                <c:pt idx="1">
-                  <c:v>2.5</c:v>
-                </c:pt>
-                <c:pt idx="2">
-                  <c:v>3.5</c:v>
-                </c:pt>
-                <c:pt idx="3">
-                  <c:v>4.5</c:v>
-                </c:pt>
-              </c:numCache>
-            </c:numRef>
-          </c:val>
-          <c:extLst xmlns:c16r2="http://schemas.microsoft.com/office/drawing/2015/06/chart">
-            <c:ext xmlns:c16="http://schemas.microsoft.com/office/drawing/2014/chart" uri="{C3380CC4-5D6E-409C-BE32-E72D297353CC}">
-              <c16:uniqueId val="{00000000-3514-4EFA-8242-05C3FB47F50E}"/>
-            </c:ext>
-          </c:extLst>
-        </c:ser>
-        <c:ser>
-          <c:idx val="1"/>
-          <c:order val="1"/>
-          <c:tx>
-            <c:strRef>
-              <c:f>Sheet1!$C$1</c:f>
-              <c:strCache>
-                <c:ptCount val="1"/>
-                <c:pt idx="0">
-                  <c:v>數列 2</c:v>
-                </c:pt>
-              </c:strCache>
-            </c:strRef>
-          </c:tx>
-          <c:spPr>
-            <a:solidFill>
-              <a:schemeClr val="accent2"/>
-            </a:solidFill>
-            <a:ln>
-              <a:noFill/>
-            </a:ln>
-            <a:effectLst/>
-          </c:spPr>
-          <c:invertIfNegative val="0"/>
-          <c:cat>
-            <c:strRef>
-              <c:f>Sheet1!$A$2:$A$5</c:f>
-              <c:strCache>
-                <c:ptCount val="4"/>
-                <c:pt idx="0">
-                  <c:v>類別 1</c:v>
-                </c:pt>
-                <c:pt idx="1">
-                  <c:v>類別 2</c:v>
-                </c:pt>
-                <c:pt idx="2">
-                  <c:v>類別 3</c:v>
-                </c:pt>
-                <c:pt idx="3">
-                  <c:v>類別 4</c:v>
-                </c:pt>
-              </c:strCache>
-            </c:strRef>
-          </c:cat>
-          <c:val>
-            <c:numRef>
-              <c:f>Sheet1!$C$2:$C$5</c:f>
-              <c:numCache>
-                <c:formatCode>General</c:formatCode>
-                <c:ptCount val="4"/>
-                <c:pt idx="0">
-                  <c:v>2.4</c:v>
-                </c:pt>
-                <c:pt idx="1">
-                  <c:v>4.4000000000000004</c:v>
-                </c:pt>
-                <c:pt idx="2">
-                  <c:v>1.8</c:v>
-                </c:pt>
-                <c:pt idx="3">
-                  <c:v>2.8</c:v>
-                </c:pt>
-              </c:numCache>
-            </c:numRef>
-          </c:val>
-          <c:extLst xmlns:c16r2="http://schemas.microsoft.com/office/drawing/2015/06/chart">
-            <c:ext xmlns:c16="http://schemas.microsoft.com/office/drawing/2014/chart" uri="{C3380CC4-5D6E-409C-BE32-E72D297353CC}">
-              <c16:uniqueId val="{00000001-3514-4EFA-8242-05C3FB47F50E}"/>
-            </c:ext>
-          </c:extLst>
-        </c:ser>
-        <c:ser>
-          <c:idx val="2"/>
-          <c:order val="2"/>
-          <c:tx>
-            <c:strRef>
-              <c:f>Sheet1!$D$1</c:f>
-              <c:strCache>
-                <c:ptCount val="1"/>
-                <c:pt idx="0">
-                  <c:v>數列 3</c:v>
-                </c:pt>
-              </c:strCache>
-            </c:strRef>
-          </c:tx>
-          <c:spPr>
-            <a:solidFill>
-              <a:schemeClr val="accent3"/>
-            </a:solidFill>
-            <a:ln>
-              <a:noFill/>
-            </a:ln>
-            <a:effectLst/>
-          </c:spPr>
-          <c:invertIfNegative val="0"/>
-          <c:cat>
-            <c:strRef>
-              <c:f>Sheet1!$A$2:$A$5</c:f>
-              <c:strCache>
-                <c:ptCount val="4"/>
-                <c:pt idx="0">
-                  <c:v>類別 1</c:v>
-                </c:pt>
-                <c:pt idx="1">
-                  <c:v>類別 2</c:v>
-                </c:pt>
-                <c:pt idx="2">
-                  <c:v>類別 3</c:v>
-                </c:pt>
-                <c:pt idx="3">
-                  <c:v>類別 4</c:v>
-                </c:pt>
-              </c:strCache>
-            </c:strRef>
-          </c:cat>
-          <c:val>
-            <c:numRef>
-              <c:f>Sheet1!$D$2:$D$5</c:f>
-              <c:numCache>
-                <c:formatCode>General</c:formatCode>
-                <c:ptCount val="4"/>
-                <c:pt idx="0">
-                  <c:v>2</c:v>
-                </c:pt>
-                <c:pt idx="1">
-                  <c:v>2</c:v>
-                </c:pt>
-                <c:pt idx="2">
-                  <c:v>3</c:v>
-                </c:pt>
-                <c:pt idx="3">
-                  <c:v>5</c:v>
-                </c:pt>
-              </c:numCache>
-            </c:numRef>
-          </c:val>
-          <c:extLst xmlns:c16r2="http://schemas.microsoft.com/office/drawing/2015/06/chart">
-            <c:ext xmlns:c16="http://schemas.microsoft.com/office/drawing/2014/chart" uri="{C3380CC4-5D6E-409C-BE32-E72D297353CC}">
-              <c16:uniqueId val="{00000002-3514-4EFA-8242-05C3FB47F50E}"/>
-            </c:ext>
-          </c:extLst>
-        </c:ser>
-        <c:dLbls>
-          <c:showLegendKey val="0"/>
-          <c:showVal val="0"/>
-          <c:showCatName val="0"/>
-          <c:showSerName val="0"/>
-          <c:showPercent val="0"/>
-          <c:showBubbleSize val="0"/>
-        </c:dLbls>
-        <c:gapWidth val="199"/>
-        <c:axId val="-1804337376"/>
-        <c:axId val="-1804336832"/>
-      </c:barChart>
-      <c:catAx>
-        <c:axId val="-1804337376"/>
-        <c:scaling>
-          <c:orientation val="minMax"/>
-        </c:scaling>
-        <c:delete val="0"/>
-        <c:axPos val="b"/>
-        <c:numFmt formatCode="General" sourceLinked="1"/>
-        <c:majorTickMark val="none"/>
-        <c:minorTickMark val="none"/>
-        <c:tickLblPos val="nextTo"/>
-        <c:spPr>
-          <a:noFill/>
-          <a:ln w="9525" cap="flat" cmpd="sng" algn="ctr">
-            <a:solidFill>
-              <a:schemeClr val="tx1">
-                <a:lumMod val="15000"/>
-                <a:lumOff val="85000"/>
-              </a:schemeClr>
-            </a:solidFill>
-            <a:round/>
-          </a:ln>
-          <a:effectLst/>
-        </c:spPr>
-        <c:txPr>
-          <a:bodyPr rot="-60000000" spcFirstLastPara="1" vertOverflow="ellipsis" vert="horz" wrap="square" anchor="ctr" anchorCtr="1"/>
-          <a:lstStyle/>
-          <a:p>
-            <a:pPr>
-              <a:defRPr sz="1197" b="0" i="0" u="none" strike="noStrike" kern="1200" cap="none" spc="0" normalizeH="0" baseline="0">
-                <a:solidFill>
-                  <a:schemeClr val="tx1">
-                    <a:lumMod val="65000"/>
-                    <a:lumOff val="35000"/>
-                  </a:schemeClr>
-                </a:solidFill>
-                <a:latin typeface="細明體" panose="02020509000000000000" pitchFamily="49" charset="-120"/>
-                <a:ea typeface="細明體" panose="02020509000000000000" pitchFamily="49" charset="-120"/>
-                <a:cs typeface="+mn-cs"/>
-              </a:defRPr>
-            </a:pPr>
-            <a:endParaRPr lang="zh-TW"/>
-          </a:p>
-        </c:txPr>
-        <c:crossAx val="-1804336832"/>
-        <c:crosses val="autoZero"/>
-        <c:auto val="1"/>
-        <c:lblAlgn val="ctr"/>
-        <c:lblOffset val="100"/>
-        <c:noMultiLvlLbl val="0"/>
-      </c:catAx>
-      <c:valAx>
-        <c:axId val="-1804336832"/>
-        <c:scaling>
-          <c:orientation val="minMax"/>
-        </c:scaling>
-        <c:delete val="0"/>
-        <c:axPos val="l"/>
-        <c:majorGridlines>
-          <c:spPr>
-            <a:ln w="9525" cap="flat" cmpd="sng" algn="ctr">
-              <a:solidFill>
-                <a:schemeClr val="tx1">
-                  <a:lumMod val="15000"/>
-                  <a:lumOff val="85000"/>
-                </a:schemeClr>
-              </a:solidFill>
-              <a:round/>
-            </a:ln>
-            <a:effectLst/>
-          </c:spPr>
-        </c:majorGridlines>
-        <c:minorGridlines>
-          <c:spPr>
-            <a:ln w="9525" cap="flat" cmpd="sng" algn="ctr">
-              <a:solidFill>
-                <a:schemeClr val="tx1">
-                  <a:lumMod val="5000"/>
-                  <a:lumOff val="95000"/>
-                </a:schemeClr>
-              </a:solidFill>
-              <a:round/>
-            </a:ln>
-            <a:effectLst/>
-          </c:spPr>
-        </c:minorGridlines>
-        <c:numFmt formatCode="General" sourceLinked="1"/>
-        <c:majorTickMark val="none"/>
-        <c:minorTickMark val="none"/>
-        <c:tickLblPos val="nextTo"/>
-        <c:spPr>
-          <a:noFill/>
-          <a:ln>
-            <a:noFill/>
-          </a:ln>
-          <a:effectLst/>
-        </c:spPr>
-        <c:txPr>
-          <a:bodyPr rot="-60000000" spcFirstLastPara="1" vertOverflow="ellipsis" vert="horz" wrap="square" anchor="ctr" anchorCtr="1"/>
-          <a:lstStyle/>
-          <a:p>
-            <a:pPr>
-              <a:defRPr sz="1197" b="0" i="0" u="none" strike="noStrike" kern="1200" baseline="0">
-                <a:solidFill>
-                  <a:schemeClr val="tx1">
-                    <a:lumMod val="65000"/>
-                    <a:lumOff val="35000"/>
-                  </a:schemeClr>
-                </a:solidFill>
-                <a:latin typeface="細明體" panose="02020509000000000000" pitchFamily="49" charset="-120"/>
-                <a:ea typeface="細明體" panose="02020509000000000000" pitchFamily="49" charset="-120"/>
-                <a:cs typeface="+mn-cs"/>
-              </a:defRPr>
-            </a:pPr>
-            <a:endParaRPr lang="zh-TW"/>
-          </a:p>
-        </c:txPr>
-        <c:crossAx val="-1804337376"/>
-        <c:crosses val="autoZero"/>
-        <c:crossBetween val="between"/>
-      </c:valAx>
-      <c:spPr>
-        <a:noFill/>
-        <a:ln>
-          <a:noFill/>
-        </a:ln>
-        <a:effectLst/>
-      </c:spPr>
-    </c:plotArea>
-    <c:legend>
-      <c:legendPos val="t"/>
-      <c:layout/>
-      <c:overlay val="0"/>
-      <c:spPr>
-        <a:noFill/>
-        <a:ln>
-          <a:noFill/>
-        </a:ln>
-        <a:effectLst/>
-      </c:spPr>
-      <c:txPr>
-        <a:bodyPr rot="0" spcFirstLastPara="1" vertOverflow="ellipsis" vert="horz" wrap="square" anchor="ctr" anchorCtr="1"/>
-        <a:lstStyle/>
-        <a:p>
-          <a:pPr>
-            <a:defRPr sz="1197" b="0" i="0" u="none" strike="noStrike" kern="1200" baseline="0">
-              <a:solidFill>
-                <a:schemeClr val="tx1">
-                  <a:lumMod val="65000"/>
-                  <a:lumOff val="35000"/>
-                </a:schemeClr>
-              </a:solidFill>
-              <a:latin typeface="細明體" panose="02020509000000000000" pitchFamily="49" charset="-120"/>
-              <a:ea typeface="細明體" panose="02020509000000000000" pitchFamily="49" charset="-120"/>
-              <a:cs typeface="+mn-cs"/>
-            </a:defRPr>
-          </a:pPr>
-          <a:endParaRPr lang="zh-TW"/>
-        </a:p>
-      </c:txPr>
-    </c:legend>
-    <c:plotVisOnly val="1"/>
-    <c:dispBlanksAs val="gap"/>
-    <c:showDLblsOverMax val="0"/>
-  </c:chart>
-  <c:spPr>
-    <a:noFill/>
-    <a:ln>
-      <a:noFill/>
-    </a:ln>
-    <a:effectLst/>
-  </c:spPr>
-  <c:txPr>
-    <a:bodyPr/>
-    <a:lstStyle/>
-    <a:p>
-      <a:pPr>
-        <a:defRPr/>
-      </a:pPr>
-      <a:endParaRPr lang="zh-TW"/>
-    </a:p>
-  </c:txPr>
-  <c:externalData r:id="rId3">
-    <c:autoUpdate val="0"/>
-  </c:externalData>
-</c:chartSpace>
-</file>
-
-<file path=ppt/charts/colors1.xml><?xml version="1.0" encoding="utf-8"?>
-<cs:colorStyle xmlns:cs="http://schemas.microsoft.com/office/drawing/2012/chartStyle" xmlns:a="http://schemas.openxmlformats.org/drawingml/2006/main" meth="cycle" id="10">
-  <a:schemeClr val="accent1"/>
-  <a:schemeClr val="accent2"/>
-  <a:schemeClr val="accent3"/>
-  <a:schemeClr val="accent4"/>
-  <a:schemeClr val="accent5"/>
-  <a:schemeClr val="accent6"/>
-  <cs:variation/>
-  <cs:variation>
-    <a:lumMod val="60000"/>
-  </cs:variation>
-  <cs:variation>
-    <a:lumMod val="80000"/>
-    <a:lumOff val="20000"/>
-  </cs:variation>
-  <cs:variation>
-    <a:lumMod val="80000"/>
-  </cs:variation>
-  <cs:variation>
-    <a:lumMod val="60000"/>
-    <a:lumOff val="40000"/>
-  </cs:variation>
-  <cs:variation>
-    <a:lumMod val="50000"/>
-  </cs:variation>
-  <cs:variation>
-    <a:lumMod val="70000"/>
-    <a:lumOff val="30000"/>
-  </cs:variation>
-  <cs:variation>
-    <a:lumMod val="70000"/>
-  </cs:variation>
-  <cs:variation>
-    <a:lumMod val="50000"/>
-    <a:lumOff val="50000"/>
-  </cs:variation>
-</cs:colorStyle>
-</file>
-
-<file path=ppt/charts/style1.xml><?xml version="1.0" encoding="utf-8"?>
-<cs:chartStyle xmlns:cs="http://schemas.microsoft.com/office/drawing/2012/chartStyle" xmlns:a="http://schemas.openxmlformats.org/drawingml/2006/main" id="212">
-  <cs:axisTitle>
-    <cs:lnRef idx="0"/>
-    <cs:fillRef idx="0"/>
-    <cs:effectRef idx="0"/>
-    <cs:fontRef idx="minor">
-      <a:schemeClr val="tx1">
-        <a:lumMod val="65000"/>
-        <a:lumOff val="35000"/>
-      </a:schemeClr>
-    </cs:fontRef>
-    <cs:defRPr sz="1197" kern="1200" cap="all"/>
-  </cs:axisTitle>
-  <cs:categoryAxis>
-    <cs:lnRef idx="0"/>
-    <cs:fillRef idx="0"/>
-    <cs:effectRef idx="0"/>
-    <cs:fontRef idx="minor">
-      <a:schemeClr val="tx1">
-        <a:lumMod val="65000"/>
-        <a:lumOff val="35000"/>
-      </a:schemeClr>
-    </cs:fontRef>
-    <cs:spPr>
-      <a:ln w="9525" cap="flat" cmpd="sng" algn="ctr">
-        <a:solidFill>
-          <a:schemeClr val="tx1">
-            <a:lumMod val="15000"/>
-            <a:lumOff val="85000"/>
-          </a:schemeClr>
-        </a:solidFill>
-        <a:round/>
-      </a:ln>
-    </cs:spPr>
-    <cs:defRPr sz="1197" b="0" kern="1200" cap="none" spc="0" normalizeH="0" baseline="0"/>
-  </cs:categoryAxis>
-  <cs:chartArea mods="allowNoFillOverride allowNoLineOverride">
-    <cs:lnRef idx="0"/>
-    <cs:fillRef idx="0"/>
-    <cs:effectRef idx="0"/>
-    <cs:fontRef idx="minor">
-      <a:schemeClr val="dk1"/>
-    </cs:fontRef>
-    <cs:spPr>
-      <a:solidFill>
-        <a:schemeClr val="bg1"/>
-      </a:solidFill>
-      <a:ln w="9525" cap="flat" cmpd="sng" algn="ctr">
-        <a:solidFill>
-          <a:schemeClr val="tx1">
-            <a:lumMod val="15000"/>
-            <a:lumOff val="85000"/>
-          </a:schemeClr>
-        </a:solidFill>
-        <a:round/>
-      </a:ln>
-    </cs:spPr>
-    <cs:defRPr sz="1197" kern="1200"/>
-  </cs:chartArea>
-  <cs:dataLabel>
-    <cs:lnRef idx="0"/>
-    <cs:fillRef idx="0"/>
-    <cs:effectRef idx="0"/>
-    <cs:fontRef idx="minor">
-      <a:schemeClr val="tx1">
-        <a:lumMod val="75000"/>
-        <a:lumOff val="25000"/>
-      </a:schemeClr>
-    </cs:fontRef>
-    <cs:defRPr sz="1197" kern="1200"/>
-  </cs:dataLabel>
-  <cs:dataLabelCallout>
-    <cs:lnRef idx="0"/>
-    <cs:fillRef idx="0"/>
-    <cs:effectRef idx="0"/>
-    <cs:fontRef idx="minor">
-      <a:schemeClr val="dk1">
-        <a:lumMod val="75000"/>
-        <a:lumOff val="25000"/>
-      </a:schemeClr>
-    </cs:fontRef>
-    <cs:spPr>
-      <a:solidFill>
-        <a:schemeClr val="dk1">
-          <a:lumMod val="15000"/>
-          <a:lumOff val="85000"/>
-        </a:schemeClr>
-      </a:solidFill>
-    </cs:spPr>
-    <cs:defRPr sz="1197" kern="1200"/>
-  </cs:dataLabelCallout>
-  <cs:dataPoint>
-    <cs:lnRef idx="0"/>
-    <cs:fillRef idx="0">
-      <cs:styleClr val="auto"/>
-    </cs:fillRef>
-    <cs:effectRef idx="0"/>
-    <cs:fontRef idx="minor">
-      <a:schemeClr val="dk1"/>
-    </cs:fontRef>
-    <cs:spPr>
-      <a:solidFill>
-        <a:schemeClr val="phClr"/>
-      </a:solidFill>
-    </cs:spPr>
-  </cs:dataPoint>
-  <cs:dataPoint3D>
-    <cs:lnRef idx="0"/>
-    <cs:fillRef idx="0">
-      <cs:styleClr val="auto"/>
-    </cs:fillRef>
-    <cs:effectRef idx="0"/>
-    <cs:fontRef idx="minor">
-      <a:schemeClr val="dk1"/>
-    </cs:fontRef>
-    <cs:spPr>
-      <a:solidFill>
-        <a:schemeClr val="phClr"/>
-      </a:solidFill>
-    </cs:spPr>
-  </cs:dataPoint3D>
-  <cs:dataPointLine>
-    <cs:lnRef idx="0">
-      <cs:styleClr val="auto"/>
-    </cs:lnRef>
-    <cs:fillRef idx="0"/>
-    <cs:effectRef idx="0"/>
-    <cs:fontRef idx="minor">
-      <a:schemeClr val="dk1"/>
-    </cs:fontRef>
-    <cs:spPr>
-      <a:ln w="38100" cap="rnd">
-        <a:solidFill>
-          <a:schemeClr val="phClr"/>
-        </a:solidFill>
-        <a:round/>
-      </a:ln>
-    </cs:spPr>
-  </cs:dataPointLine>
-  <cs:dataPointMarker>
-    <cs:lnRef idx="0"/>
-    <cs:fillRef idx="0">
-      <cs:styleClr val="auto"/>
-    </cs:fillRef>
-    <cs:effectRef idx="0"/>
-    <cs:fontRef idx="minor">
-      <a:schemeClr val="dk1"/>
-    </cs:fontRef>
-    <cs:spPr>
-      <a:solidFill>
-        <a:schemeClr val="phClr"/>
-      </a:solidFill>
-    </cs:spPr>
-  </cs:dataPointMarker>
-  <cs:dataPointMarkerLayout symbol="circle" size="8"/>
-  <cs:dataPointWireframe>
-    <cs:lnRef idx="0">
-      <cs:styleClr val="auto"/>
-    </cs:lnRef>
-    <cs:fillRef idx="0"/>
-    <cs:effectRef idx="0"/>
-    <cs:fontRef idx="minor">
-      <a:schemeClr val="dk1"/>
-    </cs:fontRef>
-    <cs:spPr>
-      <a:ln w="9525" cap="rnd">
-        <a:solidFill>
-          <a:schemeClr val="phClr"/>
-        </a:solidFill>
-        <a:round/>
-      </a:ln>
-    </cs:spPr>
-  </cs:dataPointWireframe>
-  <cs:dataTable>
-    <cs:lnRef idx="0"/>
-    <cs:fillRef idx="0"/>
-    <cs:effectRef idx="0"/>
-    <cs:fontRef idx="minor">
-      <a:schemeClr val="tx1">
-        <a:lumMod val="65000"/>
-        <a:lumOff val="35000"/>
-      </a:schemeClr>
-    </cs:fontRef>
-    <cs:spPr>
-      <a:ln w="9525">
-        <a:solidFill>
-          <a:schemeClr val="tx1">
-            <a:lumMod val="15000"/>
-            <a:lumOff val="85000"/>
-          </a:schemeClr>
-        </a:solidFill>
-      </a:ln>
-    </cs:spPr>
-    <cs:defRPr sz="1197" kern="1200"/>
-  </cs:dataTable>
-  <cs:downBar>
-    <cs:lnRef idx="0"/>
-    <cs:fillRef idx="0"/>
-    <cs:effectRef idx="0"/>
-    <cs:fontRef idx="minor">
-      <a:schemeClr val="dk1"/>
-    </cs:fontRef>
-    <cs:spPr>
-      <a:solidFill>
-        <a:schemeClr val="dk1">
-          <a:lumMod val="75000"/>
-          <a:lumOff val="25000"/>
-        </a:schemeClr>
-      </a:solidFill>
-      <a:ln w="9525">
-        <a:solidFill>
-          <a:schemeClr val="tx1">
-            <a:lumMod val="50000"/>
-            <a:lumOff val="50000"/>
-          </a:schemeClr>
-        </a:solidFill>
-      </a:ln>
-    </cs:spPr>
-  </cs:downBar>
-  <cs:dropLine>
-    <cs:lnRef idx="0"/>
-    <cs:fillRef idx="0"/>
-    <cs:effectRef idx="0"/>
-    <cs:fontRef idx="minor">
-      <a:schemeClr val="dk1"/>
-    </cs:fontRef>
-    <cs:spPr>
-      <a:ln w="9525">
-        <a:solidFill>
-          <a:schemeClr val="tx1">
-            <a:lumMod val="50000"/>
-            <a:lumOff val="50000"/>
-          </a:schemeClr>
-        </a:solidFill>
-        <a:prstDash val="dash"/>
-      </a:ln>
-    </cs:spPr>
-  </cs:dropLine>
-  <cs:errorBar>
-    <cs:lnRef idx="0"/>
-    <cs:fillRef idx="0"/>
-    <cs:effectRef idx="0"/>
-    <cs:fontRef idx="minor">
-      <a:schemeClr val="dk1"/>
-    </cs:fontRef>
-    <cs:spPr>
-      <a:ln w="9525">
-        <a:solidFill>
-          <a:schemeClr val="tx1">
-            <a:lumMod val="50000"/>
-            <a:lumOff val="50000"/>
-          </a:schemeClr>
-        </a:solidFill>
-        <a:round/>
-      </a:ln>
-    </cs:spPr>
-  </cs:errorBar>
-  <cs:floor>
-    <cs:lnRef idx="0"/>
-    <cs:fillRef idx="0"/>
-    <cs:effectRef idx="0"/>
-    <cs:fontRef idx="minor">
-      <a:schemeClr val="dk1"/>
-    </cs:fontRef>
-  </cs:floor>
-  <cs:gridlineMajor>
-    <cs:lnRef idx="0"/>
-    <cs:fillRef idx="0"/>
-    <cs:effectRef idx="0"/>
-    <cs:fontRef idx="minor">
-      <a:schemeClr val="dk1"/>
-    </cs:fontRef>
-    <cs:spPr>
-      <a:ln w="9525" cap="flat" cmpd="sng" algn="ctr">
-        <a:solidFill>
-          <a:schemeClr val="tx1">
-            <a:lumMod val="15000"/>
-            <a:lumOff val="85000"/>
-          </a:schemeClr>
-        </a:solidFill>
-        <a:round/>
-      </a:ln>
-    </cs:spPr>
-  </cs:gridlineMajor>
-  <cs:gridlineMinor>
-    <cs:lnRef idx="0"/>
-    <cs:fillRef idx="0"/>
-    <cs:effectRef idx="0"/>
-    <cs:fontRef idx="minor">
-      <a:schemeClr val="dk1"/>
-    </cs:fontRef>
-    <cs:spPr>
-      <a:ln w="9525" cap="flat" cmpd="sng" algn="ctr">
-        <a:solidFill>
-          <a:schemeClr val="tx1">
-            <a:lumMod val="5000"/>
-            <a:lumOff val="95000"/>
-          </a:schemeClr>
-        </a:solidFill>
-        <a:round/>
-      </a:ln>
-    </cs:spPr>
-  </cs:gridlineMinor>
-  <cs:hiLoLine>
-    <cs:lnRef idx="0"/>
-    <cs:fillRef idx="0"/>
-    <cs:effectRef idx="0"/>
-    <cs:fontRef idx="minor">
-      <a:schemeClr val="dk1"/>
-    </cs:fontRef>
-    <cs:spPr>
-      <a:ln w="9525">
-        <a:solidFill>
-          <a:schemeClr val="tx1">
-            <a:lumMod val="50000"/>
-            <a:lumOff val="50000"/>
-          </a:schemeClr>
-        </a:solidFill>
-        <a:prstDash val="dash"/>
-      </a:ln>
-    </cs:spPr>
-  </cs:hiLoLine>
-  <cs:leaderLine>
-    <cs:lnRef idx="0"/>
-    <cs:fillRef idx="0"/>
-    <cs:effectRef idx="0"/>
-    <cs:fontRef idx="minor">
-      <a:schemeClr val="dk1"/>
-    </cs:fontRef>
-    <cs:spPr>
-      <a:ln w="9525">
-        <a:solidFill>
-          <a:schemeClr val="tx1">
-            <a:lumMod val="35000"/>
-            <a:lumOff val="65000"/>
-          </a:schemeClr>
-        </a:solidFill>
-      </a:ln>
-    </cs:spPr>
-  </cs:leaderLine>
-  <cs:legend>
-    <cs:lnRef idx="0"/>
-    <cs:fillRef idx="0"/>
-    <cs:effectRef idx="0"/>
-    <cs:fontRef idx="minor">
-      <a:schemeClr val="tx1">
-        <a:lumMod val="65000"/>
-        <a:lumOff val="35000"/>
-      </a:schemeClr>
-    </cs:fontRef>
-    <cs:defRPr sz="1197" kern="1200"/>
-  </cs:legend>
-  <cs:plotArea mods="allowNoFillOverride allowNoLineOverride">
-    <cs:lnRef idx="0"/>
-    <cs:fillRef idx="0"/>
-    <cs:effectRef idx="0"/>
-    <cs:fontRef idx="minor">
-      <a:schemeClr val="dk1"/>
-    </cs:fontRef>
-  </cs:plotArea>
-  <cs:plotArea3D mods="allowNoFillOverride allowNoLineOverride">
-    <cs:lnRef idx="0"/>
-    <cs:fillRef idx="0"/>
-    <cs:effectRef idx="0"/>
-    <cs:fontRef idx="minor">
-      <a:schemeClr val="dk1"/>
-    </cs:fontRef>
-  </cs:plotArea3D>
-  <cs:seriesAxis>
-    <cs:lnRef idx="0"/>
-    <cs:fillRef idx="0"/>
-    <cs:effectRef idx="0"/>
-    <cs:fontRef idx="minor">
-      <a:schemeClr val="tx1">
-        <a:lumMod val="65000"/>
-        <a:lumOff val="35000"/>
-      </a:schemeClr>
-    </cs:fontRef>
-    <cs:spPr>
-      <a:ln w="9525" cap="flat" cmpd="sng" algn="ctr">
-        <a:solidFill>
-          <a:schemeClr val="tx1">
-            <a:lumMod val="15000"/>
-            <a:lumOff val="85000"/>
-          </a:schemeClr>
-        </a:solidFill>
-        <a:round/>
-      </a:ln>
-    </cs:spPr>
-    <cs:defRPr sz="1197" kern="1200"/>
-  </cs:seriesAxis>
-  <cs:seriesLine>
-    <cs:lnRef idx="0"/>
-    <cs:fillRef idx="0"/>
-    <cs:effectRef idx="0"/>
-    <cs:fontRef idx="minor">
-      <a:schemeClr val="dk1"/>
-    </cs:fontRef>
-    <cs:spPr>
-      <a:ln w="9525">
-        <a:solidFill>
-          <a:schemeClr val="tx1">
-            <a:lumMod val="35000"/>
-            <a:lumOff val="65000"/>
-          </a:schemeClr>
-        </a:solidFill>
-        <a:round/>
-      </a:ln>
-    </cs:spPr>
-  </cs:seriesLine>
-  <cs:title>
-    <cs:lnRef idx="0"/>
-    <cs:fillRef idx="0"/>
-    <cs:effectRef idx="0"/>
-    <cs:fontRef idx="major">
-      <a:schemeClr val="tx1">
-        <a:lumMod val="65000"/>
-        <a:lumOff val="35000"/>
-      </a:schemeClr>
-    </cs:fontRef>
-    <cs:defRPr sz="2200" b="0" kern="1200" cap="none" spc="0" normalizeH="0" baseline="0"/>
-  </cs:title>
-  <cs:trendline>
-    <cs:lnRef idx="0">
-      <cs:styleClr val="auto"/>
-    </cs:lnRef>
-    <cs:fillRef idx="0"/>
-    <cs:effectRef idx="0"/>
-    <cs:fontRef idx="minor">
-      <a:schemeClr val="dk1"/>
-    </cs:fontRef>
-    <cs:spPr>
-      <a:ln w="19050" cap="rnd">
-        <a:solidFill>
-          <a:schemeClr val="phClr"/>
-        </a:solidFill>
-        <a:round/>
-      </a:ln>
-    </cs:spPr>
-  </cs:trendline>
-  <cs:trendlineLabel>
-    <cs:lnRef idx="0"/>
-    <cs:fillRef idx="0"/>
-    <cs:effectRef idx="0"/>
-    <cs:fontRef idx="minor">
-      <a:schemeClr val="tx1">
-        <a:lumMod val="65000"/>
-        <a:lumOff val="35000"/>
-      </a:schemeClr>
-    </cs:fontRef>
-    <cs:defRPr sz="1197" kern="1200"/>
-  </cs:trendlineLabel>
-  <cs:upBar>
-    <cs:lnRef idx="0"/>
-    <cs:fillRef idx="0"/>
-    <cs:effectRef idx="0"/>
-    <cs:fontRef idx="minor">
-      <a:schemeClr val="dk1"/>
-    </cs:fontRef>
-    <cs:spPr>
-      <a:solidFill>
-        <a:schemeClr val="lt1"/>
-      </a:solidFill>
-      <a:ln w="9525">
-        <a:solidFill>
-          <a:schemeClr val="tx1">
-            <a:lumMod val="50000"/>
-            <a:lumOff val="50000"/>
-          </a:schemeClr>
-        </a:solidFill>
-      </a:ln>
-    </cs:spPr>
-  </cs:upBar>
-  <cs:valueAxis>
-    <cs:lnRef idx="0"/>
-    <cs:fillRef idx="0"/>
-    <cs:effectRef idx="0"/>
-    <cs:fontRef idx="minor">
-      <a:schemeClr val="tx1">
-        <a:lumMod val="65000"/>
-        <a:lumOff val="35000"/>
-      </a:schemeClr>
-    </cs:fontRef>
-    <cs:defRPr sz="1197" kern="1200"/>
-  </cs:valueAxis>
-  <cs:wall>
-    <cs:lnRef idx="0"/>
-    <cs:fillRef idx="0"/>
-    <cs:effectRef idx="0"/>
-    <cs:fontRef idx="minor">
-      <a:schemeClr val="dk1"/>
-    </cs:fontRef>
-  </cs:wall>
-</cs:chartStyle>
-</file>
-
-<file path=ppt/diagrams/colors1.xml><?xml version="1.0" encoding="utf-8"?>
-<dgm:colorsDef xmlns:dgm="http://schemas.openxmlformats.org/drawingml/2006/diagram" xmlns:a="http://schemas.openxmlformats.org/drawingml/2006/main" uniqueId="urn:microsoft.com/office/officeart/2005/8/colors/colorful3">
-  <dgm:title val=""/>
-  <dgm:desc val=""/>
-  <dgm:catLst>
-    <dgm:cat type="colorful" pri="10300"/>
-  </dgm:catLst>
-  <dgm:styleLbl name="node0">
-    <dgm:fillClrLst meth="repeat">
-      <a:schemeClr val="accent2"/>
-    </dgm:fillClrLst>
-    <dgm:linClrLst meth="repeat">
-      <a:schemeClr val="lt1"/>
-    </dgm:linClrLst>
-    <dgm:effectClrLst/>
-    <dgm:txLinClrLst/>
-    <dgm:txFillClrLst/>
-    <dgm:txEffectClrLst/>
-  </dgm:styleLbl>
-  <dgm:styleLbl name="node1">
-    <dgm:fillClrLst>
-      <a:schemeClr val="accent3"/>
-      <a:schemeClr val="accent4"/>
-    </dgm:fillClrLst>
-    <dgm:linClrLst meth="repeat">
-      <a:schemeClr val="lt1"/>
-    </dgm:linClrLst>
-    <dgm:effectClrLst/>
-    <dgm:txLinClrLst/>
-    <dgm:txFillClrLst/>
-    <dgm:txEffectClrLst/>
-  </dgm:styleLbl>
-  <dgm:styleLbl name="alignNode1">
-    <dgm:fillClrLst>
-      <a:schemeClr val="accent3"/>
-      <a:schemeClr val="accent4"/>
-    </dgm:fillClrLst>
-    <dgm:linClrLst>
-      <a:schemeClr val="accent3"/>
-      <a:schemeClr val="accent4"/>
-    </dgm:linClrLst>
-    <dgm:effectClrLst/>
-    <dgm:txLinClrLst/>
-    <dgm:txFillClrLst/>
-    <dgm:txEffectClrLst/>
-  </dgm:styleLbl>
-  <dgm:styleLbl name="lnNode1">
-    <dgm:fillClrLst>
-      <a:schemeClr val="accent3"/>
-      <a:schemeClr val="accent4"/>
-    </dgm:fillClrLst>
-    <dgm:linClrLst meth="repeat">
-      <a:schemeClr val="lt1"/>
-    </dgm:linClrLst>
-    <dgm:effectClrLst/>
-    <dgm:txLinClrLst/>
-    <dgm:txFillClrLst/>
-    <dgm:txEffectClrLst/>
-  </dgm:styleLbl>
-  <dgm:styleLbl name="vennNode1">
-    <dgm:fillClrLst>
-      <a:schemeClr val="accent3">
-        <a:alpha val="50000"/>
-      </a:schemeClr>
-      <a:schemeClr val="accent4">
-        <a:alpha val="50000"/>
-      </a:schemeClr>
-    </dgm:fillClrLst>
-    <dgm:linClrLst meth="repeat">
-      <a:schemeClr val="lt1"/>
-    </dgm:linClrLst>
-    <dgm:effectClrLst/>
-    <dgm:txLinClrLst/>
-    <dgm:txFillClrLst/>
-    <dgm:txEffectClrLst/>
-  </dgm:styleLbl>
-  <dgm:styleLbl name="node2">
-    <dgm:fillClrLst>
-      <a:schemeClr val="accent4"/>
-    </dgm:fillClrLst>
-    <dgm:linClrLst meth="repeat">
-      <a:schemeClr val="lt1"/>
-    </dgm:linClrLst>
-    <dgm:effectClrLst/>
-    <dgm:txLinClrLst/>
-    <dgm:txFillClrLst/>
-    <dgm:txEffectClrLst/>
-  </dgm:styleLbl>
-  <dgm:styleLbl name="node3">
-    <dgm:fillClrLst>
-      <a:schemeClr val="accent5"/>
-    </dgm:fillClrLst>
-    <dgm:linClrLst meth="repeat">
-      <a:schemeClr val="lt1"/>
-    </dgm:linClrLst>
-    <dgm:effectClrLst/>
-    <dgm:txLinClrLst/>
-    <dgm:txFillClrLst/>
-    <dgm:txEffectClrLst/>
-  </dgm:styleLbl>
-  <dgm:styleLbl name="node4">
-    <dgm:fillClrLst>
-      <a:schemeClr val="accent6"/>
-    </dgm:fillClrLst>
-    <dgm:linClrLst meth="repeat">
-      <a:schemeClr val="lt1"/>
-    </dgm:linClrLst>
-    <dgm:effectClrLst/>
-    <dgm:txLinClrLst/>
-    <dgm:txFillClrLst/>
-    <dgm:txEffectClrLst/>
-  </dgm:styleLbl>
-  <dgm:styleLbl name="fgImgPlace1">
-    <dgm:fillClrLst>
-      <a:schemeClr val="accent3">
-        <a:tint val="50000"/>
-      </a:schemeClr>
-      <a:schemeClr val="accent4">
-        <a:tint val="50000"/>
-      </a:schemeClr>
-    </dgm:fillClrLst>
-    <dgm:linClrLst meth="repeat">
-      <a:schemeClr val="lt1"/>
-    </dgm:linClrLst>
-    <dgm:effectClrLst/>
-    <dgm:txLinClrLst/>
-    <dgm:txFillClrLst meth="repeat">
-      <a:schemeClr val="lt1"/>
-    </dgm:txFillClrLst>
-    <dgm:txEffectClrLst/>
-  </dgm:styleLbl>
-  <dgm:styleLbl name="alignImgPlace1">
-    <dgm:fillClrLst>
-      <a:schemeClr val="accent3">
-        <a:tint val="50000"/>
-      </a:schemeClr>
-      <a:schemeClr val="accent4">
-        <a:tint val="20000"/>
-      </a:schemeClr>
-    </dgm:fillClrLst>
-    <dgm:linClrLst meth="repeat">
-      <a:schemeClr val="lt1"/>
-    </dgm:linClrLst>
-    <dgm:effectClrLst/>
-    <dgm:txLinClrLst/>
-    <dgm:txFillClrLst meth="repeat">
-      <a:schemeClr val="lt1"/>
-    </dgm:txFillClrLst>
-    <dgm:txEffectClrLst/>
-  </dgm:styleLbl>
-  <dgm:styleLbl name="bgImgPlace1">
-    <dgm:fillClrLst>
-      <a:schemeClr val="accent3">
-        <a:tint val="50000"/>
-      </a:schemeClr>
-      <a:schemeClr val="accent4">
-        <a:tint val="20000"/>
-      </a:schemeClr>
-    </dgm:fillClrLst>
-    <dgm:linClrLst meth="repeat">
-      <a:schemeClr val="lt1"/>
-    </dgm:linClrLst>
-    <dgm:effectClrLst/>
-    <dgm:txLinClrLst/>
-    <dgm:txFillClrLst meth="repeat">
-      <a:schemeClr val="lt1"/>
-    </dgm:txFillClrLst>
-    <dgm:txEffectClrLst/>
-  </dgm:styleLbl>
-  <dgm:styleLbl name="sibTrans2D1">
-    <dgm:fillClrLst>
-      <a:schemeClr val="accent3"/>
-      <a:schemeClr val="accent4"/>
-    </dgm:fillClrLst>
-    <dgm:linClrLst meth="repeat">
-      <a:schemeClr val="lt1"/>
-    </dgm:linClrLst>
-    <dgm:effectClrLst/>
-    <dgm:txLinClrLst/>
-    <dgm:txFillClrLst/>
-    <dgm:txEffectClrLst/>
-  </dgm:styleLbl>
-  <dgm:styleLbl name="fgSibTrans2D1">
-    <dgm:fillClrLst>
-      <a:schemeClr val="accent3"/>
-      <a:schemeClr val="accent4"/>
-    </dgm:fillClrLst>
-    <dgm:linClrLst meth="repeat">
-      <a:schemeClr val="lt1"/>
-    </dgm:linClrLst>
-    <dgm:effectClrLst/>
-    <dgm:txLinClrLst/>
-    <dgm:txFillClrLst meth="repeat">
-      <a:schemeClr val="lt1"/>
-    </dgm:txFillClrLst>
-    <dgm:txEffectClrLst/>
-  </dgm:styleLbl>
-  <dgm:styleLbl name="bgSibTrans2D1">
-    <dgm:fillClrLst>
-      <a:schemeClr val="accent3"/>
-      <a:schemeClr val="accent4"/>
-    </dgm:fillClrLst>
-    <dgm:linClrLst meth="repeat">
-      <a:schemeClr val="lt1"/>
-    </dgm:linClrLst>
-    <dgm:effectClrLst/>
-    <dgm:txLinClrLst/>
-    <dgm:txFillClrLst meth="repeat">
-      <a:schemeClr val="lt1"/>
-    </dgm:txFillClrLst>
-    <dgm:txEffectClrLst/>
-  </dgm:styleLbl>
-  <dgm:styleLbl name="sibTrans1D1">
-    <dgm:fillClrLst/>
-    <dgm:linClrLst>
-      <a:schemeClr val="accent3"/>
-      <a:schemeClr val="accent4"/>
-    </dgm:linClrLst>
-    <dgm:effectClrLst/>
-    <dgm:txLinClrLst/>
-    <dgm:txFillClrLst meth="repeat">
-      <a:schemeClr val="tx1"/>
-    </dgm:txFillClrLst>
-    <dgm:txEffectClrLst/>
-  </dgm:styleLbl>
-  <dgm:styleLbl name="callout">
-    <dgm:fillClrLst meth="repeat">
-      <a:schemeClr val="accent3"/>
-    </dgm:fillClrLst>
-    <dgm:linClrLst meth="repeat">
-      <a:schemeClr val="accent3">
-        <a:tint val="50000"/>
-      </a:schemeClr>
-    </dgm:linClrLst>
-    <dgm:effectClrLst/>
-    <dgm:txLinClrLst/>
-    <dgm:txFillClrLst meth="repeat">
-      <a:schemeClr val="tx1"/>
-    </dgm:txFillClrLst>
-    <dgm:txEffectClrLst/>
-  </dgm:styleLbl>
-  <dgm:styleLbl name="asst0">
-    <dgm:fillClrLst meth="repeat">
-      <a:schemeClr val="accent3"/>
-    </dgm:fillClrLst>
-    <dgm:linClrLst meth="repeat">
-      <a:schemeClr val="lt1">
-        <a:shade val="80000"/>
-      </a:schemeClr>
-    </dgm:linClrLst>
-    <dgm:effectClrLst/>
-    <dgm:txLinClrLst/>
-    <dgm:txFillClrLst/>
-    <dgm:txEffectClrLst/>
-  </dgm:styleLbl>
-  <dgm:styleLbl name="asst1">
-    <dgm:fillClrLst meth="repeat">
-      <a:schemeClr val="accent4"/>
-    </dgm:fillClrLst>
-    <dgm:linClrLst meth="repeat">
-      <a:schemeClr val="lt1">
-        <a:shade val="80000"/>
-      </a:schemeClr>
-    </dgm:linClrLst>
-    <dgm:effectClrLst/>
-    <dgm:txLinClrLst/>
-    <dgm:txFillClrLst/>
-    <dgm:txEffectClrLst/>
-  </dgm:styleLbl>
-  <dgm:styleLbl name="asst2">
-    <dgm:fillClrLst>
-      <a:schemeClr val="accent5"/>
-    </dgm:fillClrLst>
-    <dgm:linClrLst meth="repeat">
-      <a:schemeClr val="lt1"/>
-    </dgm:linClrLst>
-    <dgm:effectClrLst/>
-    <dgm:txLinClrLst/>
-    <dgm:txFillClrLst/>
-    <dgm:txEffectClrLst/>
-  </dgm:styleLbl>
-  <dgm:styleLbl name="asst3">
-    <dgm:fillClrLst>
-      <a:schemeClr val="accent6"/>
-    </dgm:fillClrLst>
-    <dgm:linClrLst meth="repeat">
-      <a:schemeClr val="lt1"/>
-    </dgm:linClrLst>
-    <dgm:effectClrLst/>
-    <dgm:txLinClrLst/>
-    <dgm:txFillClrLst/>
-    <dgm:txEffectClrLst/>
-  </dgm:styleLbl>
-  <dgm:styleLbl name="asst4">
-    <dgm:fillClrLst>
-      <a:schemeClr val="accent1"/>
-    </dgm:fillClrLst>
-    <dgm:linClrLst meth="repeat">
-      <a:schemeClr val="lt1"/>
-    </dgm:linClrLst>
-    <dgm:effectClrLst/>
-    <dgm:txLinClrLst/>
-    <dgm:txFillClrLst/>
-    <dgm:txEffectClrLst/>
-  </dgm:styleLbl>
-  <dgm:styleLbl name="parChTrans2D1">
-    <dgm:fillClrLst meth="repeat">
-      <a:schemeClr val="accent2"/>
-    </dgm:fillClrLst>
-    <dgm:linClrLst meth="repeat">
-      <a:schemeClr val="lt1"/>
-    </dgm:linClrLst>
-    <dgm:effectClrLst/>
-    <dgm:txLinClrLst/>
-    <dgm:txFillClrLst meth="repeat">
-      <a:schemeClr val="lt1"/>
-    </dgm:txFillClrLst>
-    <dgm:txEffectClrLst/>
-  </dgm:styleLbl>
-  <dgm:styleLbl name="parChTrans2D2">
-    <dgm:fillClrLst meth="repeat">
-      <a:schemeClr val="accent3"/>
-    </dgm:fillClrLst>
-    <dgm:linClrLst meth="repeat">
-      <a:schemeClr val="lt1"/>
-    </dgm:linClrLst>
-    <dgm:effectClrLst/>
-    <dgm:txLinClrLst/>
-    <dgm:txFillClrLst/>
-    <dgm:txEffectClrLst/>
-  </dgm:styleLbl>
-  <dgm:styleLbl name="parChTrans2D3">
-    <dgm:fillClrLst meth="repeat">
-      <a:schemeClr val="accent4"/>
-    </dgm:fillClrLst>
-    <dgm:linClrLst meth="repeat">
-      <a:schemeClr val="lt1"/>
-    </dgm:linClrLst>
-    <dgm:effectClrLst/>
-    <dgm:txLinClrLst/>
-    <dgm:txFillClrLst/>
-    <dgm:txEffectClrLst/>
-  </dgm:styleLbl>
-  <dgm:styleLbl name="parChTrans2D4">
-    <dgm:fillClrLst meth="repeat">
-      <a:schemeClr val="accent5"/>
-    </dgm:fillClrLst>
-    <dgm:linClrLst meth="repeat">
-      <a:schemeClr val="lt1"/>
-    </dgm:linClrLst>
-    <dgm:effectClrLst/>
-    <dgm:txLinClrLst/>
-    <dgm:txFillClrLst meth="repeat">
-      <a:schemeClr val="lt1"/>
-    </dgm:txFillClrLst>
-    <dgm:txEffectClrLst/>
-  </dgm:styleLbl>
-  <dgm:styleLbl name="parChTrans1D1">
-    <dgm:fillClrLst meth="repeat">
-      <a:schemeClr val="accent3"/>
-    </dgm:fillClrLst>
-    <dgm:linClrLst meth="repeat">
-      <a:schemeClr val="accent3"/>
-    </dgm:linClrLst>
-    <dgm:effectClrLst/>
-    <dgm:txLinClrLst/>
-    <dgm:txFillClrLst meth="repeat">
-      <a:schemeClr val="tx1"/>
-    </dgm:txFillClrLst>
-    <dgm:txEffectClrLst/>
-  </dgm:styleLbl>
-  <dgm:styleLbl name="parChTrans1D2">
-    <dgm:fillClrLst meth="repeat">
-      <a:schemeClr val="accent2">
-        <a:tint val="90000"/>
-      </a:schemeClr>
-    </dgm:fillClrLst>
-    <dgm:linClrLst meth="repeat">
-      <a:schemeClr val="accent4"/>
-    </dgm:linClrLst>
-    <dgm:effectClrLst/>
-    <dgm:txLinClrLst/>
-    <dgm:txFillClrLst meth="repeat">
-      <a:schemeClr val="tx1"/>
-    </dgm:txFillClrLst>
-    <dgm:txEffectClrLst/>
-  </dgm:styleLbl>
-  <dgm:styleLbl name="parChTrans1D3">
-    <dgm:fillClrLst meth="repeat">
-      <a:schemeClr val="accent2">
-        <a:tint val="70000"/>
-      </a:schemeClr>
-    </dgm:fillClrLst>
-    <dgm:linClrLst meth="repeat">
-      <a:schemeClr val="accent5"/>
-    </dgm:linClrLst>
-    <dgm:effectClrLst/>
-    <dgm:txLinClrLst/>
-    <dgm:txFillClrLst meth="repeat">
-      <a:schemeClr val="tx1"/>
-    </dgm:txFillClrLst>
-    <dgm:txEffectClrLst/>
-  </dgm:styleLbl>
-  <dgm:styleLbl name="parChTrans1D4">
-    <dgm:fillClrLst meth="repeat">
-      <a:schemeClr val="accent6">
-        <a:tint val="50000"/>
-      </a:schemeClr>
-    </dgm:fillClrLst>
-    <dgm:linClrLst meth="repeat">
-      <a:schemeClr val="accent6"/>
-    </dgm:linClrLst>
-    <dgm:effectClrLst/>
-    <dgm:txLinClrLst/>
-    <dgm:txFillClrLst meth="repeat">
-      <a:schemeClr val="tx1"/>
-    </dgm:txFillClrLst>
-    <dgm:txEffectClrLst/>
-  </dgm:styleLbl>
-  <dgm:styleLbl name="fgAcc1">
-    <dgm:fillClrLst meth="repeat">
-      <a:schemeClr val="lt1">
-        <a:alpha val="90000"/>
-      </a:schemeClr>
-    </dgm:fillClrLst>
-    <dgm:linClrLst>
-      <a:schemeClr val="accent3"/>
-      <a:schemeClr val="accent4"/>
-    </dgm:linClrLst>
-    <dgm:effectClrLst/>
-    <dgm:txLinClrLst/>
-    <dgm:txFillClrLst meth="repeat">
-      <a:schemeClr val="dk1"/>
-    </dgm:txFillClrLst>
-    <dgm:txEffectClrLst/>
-  </dgm:styleLbl>
-  <dgm:styleLbl name="conFgAcc1">
-    <dgm:fillClrLst meth="repeat">
-      <a:schemeClr val="lt1">
-        <a:alpha val="90000"/>
-      </a:schemeClr>
-    </dgm:fillClrLst>
-    <dgm:linClrLst>
-      <a:schemeClr val="accent3"/>
-      <a:schemeClr val="accent4"/>
-    </dgm:linClrLst>
-    <dgm:effectClrLst/>
-    <dgm:txLinClrLst/>
-    <dgm:txFillClrLst meth="repeat">
-      <a:schemeClr val="dk1"/>
-    </dgm:txFillClrLst>
-    <dgm:txEffectClrLst/>
-  </dgm:styleLbl>
-  <dgm:styleLbl name="alignAcc1">
-    <dgm:fillClrLst meth="repeat">
-      <a:schemeClr val="lt1">
-        <a:alpha val="90000"/>
-      </a:schemeClr>
-    </dgm:fillClrLst>
-    <dgm:linClrLst>
-      <a:schemeClr val="accent3"/>
-      <a:schemeClr val="accent4"/>
-    </dgm:linClrLst>
-    <dgm:effectClrLst/>
-    <dgm:txLinClrLst/>
-    <dgm:txFillClrLst meth="repeat">
-      <a:schemeClr val="dk1"/>
-    </dgm:txFillClrLst>
-    <dgm:txEffectClrLst/>
-  </dgm:styleLbl>
-  <dgm:styleLbl name="trAlignAcc1">
-    <dgm:fillClrLst meth="repeat">
-      <a:schemeClr val="lt1">
-        <a:alpha val="40000"/>
-      </a:schemeClr>
-    </dgm:fillClrLst>
-    <dgm:linClrLst meth="repeat">
-      <a:schemeClr val="accent2"/>
-    </dgm:linClrLst>
-    <dgm:effectClrLst/>
-    <dgm:txLinClrLst/>
-    <dgm:txFillClrLst meth="repeat">
-      <a:schemeClr val="dk1"/>
-    </dgm:txFillClrLst>
-    <dgm:txEffectClrLst/>
-  </dgm:styleLbl>
-  <dgm:styleLbl name="bgAcc1">
-    <dgm:fillClrLst meth="repeat">
-      <a:schemeClr val="lt1">
-        <a:alpha val="90000"/>
-      </a:schemeClr>
-    </dgm:fillClrLst>
-    <dgm:linClrLst>
-      <a:schemeClr val="accent3"/>
-      <a:schemeClr val="accent4"/>
-    </dgm:linClrLst>
-    <dgm:effectClrLst/>
-    <dgm:txLinClrLst/>
-    <dgm:txFillClrLst meth="repeat">
-      <a:schemeClr val="dk1"/>
-    </dgm:txFillClrLst>
-    <dgm:txEffectClrLst/>
-  </dgm:styleLbl>
-  <dgm:styleLbl name="solidFgAcc1">
-    <dgm:fillClrLst meth="repeat">
-      <a:schemeClr val="lt1"/>
-    </dgm:fillClrLst>
-    <dgm:linClrLst>
-      <a:schemeClr val="accent3"/>
-      <a:schemeClr val="accent4"/>
-    </dgm:linClrLst>
-    <dgm:effectClrLst/>
-    <dgm:txLinClrLst/>
-    <dgm:txFillClrLst meth="repeat">
-      <a:schemeClr val="dk1"/>
-    </dgm:txFillClrLst>
-    <dgm:txEffectClrLst/>
-  </dgm:styleLbl>
-  <dgm:styleLbl name="solidAlignAcc1">
-    <dgm:fillClrLst meth="repeat">
-      <a:schemeClr val="lt1"/>
-    </dgm:fillClrLst>
-    <dgm:linClrLst>
-      <a:schemeClr val="accent3"/>
-      <a:schemeClr val="accent4"/>
-    </dgm:linClrLst>
-    <dgm:effectClrLst/>
-    <dgm:txLinClrLst/>
-    <dgm:txFillClrLst meth="repeat">
-      <a:schemeClr val="dk1"/>
-    </dgm:txFillClrLst>
-    <dgm:txEffectClrLst/>
-  </dgm:styleLbl>
-  <dgm:styleLbl name="solidBgAcc1">
-    <dgm:fillClrLst meth="repeat">
-      <a:schemeClr val="lt1"/>
-    </dgm:fillClrLst>
-    <dgm:linClrLst>
-      <a:schemeClr val="accent3"/>
-      <a:schemeClr val="accent4"/>
-    </dgm:linClrLst>
-    <dgm:effectClrLst/>
-    <dgm:txLinClrLst/>
-    <dgm:txFillClrLst meth="repeat">
-      <a:schemeClr val="dk1"/>
-    </dgm:txFillClrLst>
-    <dgm:txEffectClrLst/>
-  </dgm:styleLbl>
-  <dgm:styleLbl name="fgAccFollowNode1">
-    <dgm:fillClrLst>
-      <a:schemeClr val="accent3">
-        <a:tint val="40000"/>
-        <a:alpha val="90000"/>
-      </a:schemeClr>
-      <a:schemeClr val="accent4">
-        <a:tint val="40000"/>
-        <a:alpha val="90000"/>
-      </a:schemeClr>
-    </dgm:fillClrLst>
-    <dgm:linClrLst>
-      <a:schemeClr val="accent3">
-        <a:tint val="40000"/>
-        <a:alpha val="90000"/>
-      </a:schemeClr>
-      <a:schemeClr val="accent4">
-        <a:tint val="40000"/>
-        <a:alpha val="90000"/>
-      </a:schemeClr>
-    </dgm:linClrLst>
-    <dgm:effectClrLst/>
-    <dgm:txLinClrLst/>
-    <dgm:txFillClrLst meth="repeat">
-      <a:schemeClr val="dk1"/>
-    </dgm:txFillClrLst>
-    <dgm:txEffectClrLst/>
-  </dgm:styleLbl>
-  <dgm:styleLbl name="alignAccFollowNode1">
-    <dgm:fillClrLst>
-      <a:schemeClr val="accent3">
-        <a:tint val="40000"/>
-        <a:alpha val="90000"/>
-      </a:schemeClr>
-      <a:schemeClr val="accent4">
-        <a:tint val="40000"/>
-        <a:alpha val="90000"/>
-      </a:schemeClr>
-    </dgm:fillClrLst>
-    <dgm:linClrLst>
-      <a:schemeClr val="accent3">
-        <a:tint val="40000"/>
-        <a:alpha val="90000"/>
-      </a:schemeClr>
-      <a:schemeClr val="accent4">
-        <a:tint val="40000"/>
-        <a:alpha val="90000"/>
-      </a:schemeClr>
-    </dgm:linClrLst>
-    <dgm:effectClrLst/>
-    <dgm:txLinClrLst/>
-    <dgm:txFillClrLst meth="repeat">
-      <a:schemeClr val="dk1"/>
-    </dgm:txFillClrLst>
-    <dgm:txEffectClrLst/>
-  </dgm:styleLbl>
-  <dgm:styleLbl name="bgAccFollowNode1">
-    <dgm:fillClrLst>
-      <a:schemeClr val="accent3">
-        <a:tint val="40000"/>
-        <a:alpha val="90000"/>
-      </a:schemeClr>
-      <a:schemeClr val="accent4">
-        <a:tint val="40000"/>
-        <a:alpha val="90000"/>
-      </a:schemeClr>
-    </dgm:fillClrLst>
-    <dgm:linClrLst>
-      <a:schemeClr val="accent3">
-        <a:tint val="40000"/>
-        <a:alpha val="90000"/>
-      </a:schemeClr>
-      <a:schemeClr val="accent4">
-        <a:tint val="40000"/>
-        <a:alpha val="90000"/>
-      </a:schemeClr>
-    </dgm:linClrLst>
-    <dgm:effectClrLst/>
-    <dgm:txLinClrLst/>
-    <dgm:txFillClrLst meth="repeat">
-      <a:schemeClr val="dk1"/>
-    </dgm:txFillClrLst>
-    <dgm:txEffectClrLst/>
-  </dgm:styleLbl>
-  <dgm:styleLbl name="fgAcc0">
-    <dgm:fillClrLst meth="repeat">
-      <a:schemeClr val="lt1">
-        <a:alpha val="90000"/>
-      </a:schemeClr>
-    </dgm:fillClrLst>
-    <dgm:linClrLst>
-      <a:schemeClr val="accent2"/>
-    </dgm:linClrLst>
-    <dgm:effectClrLst/>
-    <dgm:txLinClrLst/>
-    <dgm:txFillClrLst meth="repeat">
-      <a:schemeClr val="dk1"/>
-    </dgm:txFillClrLst>
-    <dgm:txEffectClrLst/>
-  </dgm:styleLbl>
-  <dgm:styleLbl name="fgAcc2">
-    <dgm:fillClrLst meth="repeat">
-      <a:schemeClr val="lt1">
-        <a:alpha val="90000"/>
-      </a:schemeClr>
-    </dgm:fillClrLst>
-    <dgm:linClrLst>
-      <a:schemeClr val="accent4"/>
-    </dgm:linClrLst>
-    <dgm:effectClrLst/>
-    <dgm:txLinClrLst/>
-    <dgm:txFillClrLst meth="repeat">
-      <a:schemeClr val="dk1"/>
-    </dgm:txFillClrLst>
-    <dgm:txEffectClrLst/>
-  </dgm:styleLbl>
-  <dgm:styleLbl name="fgAcc3">
-    <dgm:fillClrLst meth="repeat">
-      <a:schemeClr val="lt1">
-        <a:alpha val="90000"/>
-      </a:schemeClr>
-    </dgm:fillClrLst>
-    <dgm:linClrLst>
-      <a:schemeClr val="accent5"/>
-    </dgm:linClrLst>
-    <dgm:effectClrLst/>
-    <dgm:txLinClrLst/>
-    <dgm:txFillClrLst meth="repeat">
-      <a:schemeClr val="dk1"/>
-    </dgm:txFillClrLst>
-    <dgm:txEffectClrLst/>
-  </dgm:styleLbl>
-  <dgm:styleLbl name="fgAcc4">
-    <dgm:fillClrLst meth="repeat">
-      <a:schemeClr val="lt1">
-        <a:alpha val="90000"/>
-      </a:schemeClr>
-    </dgm:fillClrLst>
-    <dgm:linClrLst>
-      <a:schemeClr val="accent6"/>
-    </dgm:linClrLst>
-    <dgm:effectClrLst/>
-    <dgm:txLinClrLst/>
-    <dgm:txFillClrLst meth="repeat">
-      <a:schemeClr val="dk1"/>
-    </dgm:txFillClrLst>
-    <dgm:txEffectClrLst/>
-  </dgm:styleLbl>
-  <dgm:styleLbl name="bgShp">
-    <dgm:fillClrLst meth="repeat">
-      <a:schemeClr val="accent3">
-        <a:tint val="40000"/>
-      </a:schemeClr>
-    </dgm:fillClrLst>
-    <dgm:linClrLst meth="repeat">
-      <a:schemeClr val="dk1"/>
-    </dgm:linClrLst>
-    <dgm:effectClrLst/>
-    <dgm:txLinClrLst/>
-    <dgm:txFillClrLst meth="repeat">
-      <a:schemeClr val="dk1"/>
-    </dgm:txFillClrLst>
-    <dgm:txEffectClrLst/>
-  </dgm:styleLbl>
-  <dgm:styleLbl name="dkBgShp">
-    <dgm:fillClrLst meth="repeat">
-      <a:schemeClr val="accent3">
-        <a:shade val="90000"/>
-      </a:schemeClr>
-    </dgm:fillClrLst>
-    <dgm:linClrLst meth="repeat">
-      <a:schemeClr val="dk1"/>
-    </dgm:linClrLst>
-    <dgm:effectClrLst/>
-    <dgm:txLinClrLst/>
-    <dgm:txFillClrLst meth="repeat">
-      <a:schemeClr val="lt1"/>
-    </dgm:txFillClrLst>
-    <dgm:txEffectClrLst/>
-  </dgm:styleLbl>
-  <dgm:styleLbl name="trBgShp">
-    <dgm:fillClrLst meth="repeat">
-      <a:schemeClr val="accent2">
-        <a:tint val="50000"/>
-        <a:alpha val="40000"/>
-      </a:schemeClr>
-    </dgm:fillClrLst>
-    <dgm:linClrLst meth="repeat">
-      <a:schemeClr val="accent3"/>
-    </dgm:linClrLst>
-    <dgm:effectClrLst/>
-    <dgm:txLinClrLst/>
-    <dgm:txFillClrLst meth="repeat">
-      <a:schemeClr val="lt1"/>
-    </dgm:txFillClrLst>
-    <dgm:txEffectClrLst/>
-  </dgm:styleLbl>
-  <dgm:styleLbl name="fgShp">
-    <dgm:fillClrLst meth="repeat">
-      <a:schemeClr val="accent3">
-        <a:tint val="40000"/>
-      </a:schemeClr>
-    </dgm:fillClrLst>
-    <dgm:linClrLst meth="repeat">
-      <a:schemeClr val="lt1"/>
-    </dgm:linClrLst>
-    <dgm:effectClrLst/>
-    <dgm:txLinClrLst/>
-    <dgm:txFillClrLst meth="repeat">
-      <a:schemeClr val="dk1"/>
-    </dgm:txFillClrLst>
-    <dgm:txEffectClrLst/>
-  </dgm:styleLbl>
-  <dgm:styleLbl name="revTx">
-    <dgm:fillClrLst meth="repeat">
-      <a:schemeClr val="lt1">
-        <a:alpha val="0"/>
-      </a:schemeClr>
-    </dgm:fillClrLst>
-    <dgm:linClrLst meth="repeat">
-      <a:schemeClr val="dk1">
-        <a:alpha val="0"/>
-      </a:schemeClr>
-    </dgm:linClrLst>
-    <dgm:effectClrLst/>
-    <dgm:txLinClrLst/>
-    <dgm:txFillClrLst meth="repeat">
-      <a:schemeClr val="tx1"/>
-    </dgm:txFillClrLst>
-    <dgm:txEffectClrLst/>
-  </dgm:styleLbl>
-</dgm:colorsDef>
-</file>
-
-<file path=ppt/diagrams/data1.xml><?xml version="1.0" encoding="utf-8"?>
-<dgm:dataModel xmlns:dgm="http://schemas.openxmlformats.org/drawingml/2006/diagram" xmlns:a="http://schemas.openxmlformats.org/drawingml/2006/main">
-  <dgm:ptLst>
-    <dgm:pt modelId="{3F442EA2-39BA-4C9A-AD59-755D4917D532}" type="doc">
-      <dgm:prSet loTypeId="urn:microsoft.com/office/officeart/2005/8/layout/list1" loCatId="list" qsTypeId="urn:microsoft.com/office/officeart/2005/8/quickstyle/simple1" qsCatId="simple" csTypeId="urn:microsoft.com/office/officeart/2005/8/colors/colorful3" csCatId="colorful" phldr="1"/>
-      <dgm:spPr/>
-      <dgm:t>
-        <a:bodyPr rtlCol="0"/>
-        <a:lstStyle/>
-        <a:p>
-          <a:pPr rtl="0"/>
-          <a:endParaRPr lang="en-US"/>
-        </a:p>
-      </dgm:t>
-    </dgm:pt>
-    <dgm:pt modelId="{4DF9FE7B-F642-4898-A360-D4E3814E1A3D}">
-      <dgm:prSet phldrT="[Text]"/>
-      <dgm:spPr/>
-      <dgm:t>
-        <a:bodyPr rtlCol="0"/>
-        <a:lstStyle/>
-        <a:p>
-          <a:pPr rtl="0"/>
-          <a:r>
-            <a:rPr lang="zh-TW" altLang="en-US" noProof="0" dirty="0">
-              <a:latin typeface="細明體" panose="02020509000000000000" pitchFamily="49" charset="-120"/>
-              <a:ea typeface="細明體" panose="02020509000000000000" pitchFamily="49" charset="-120"/>
-            </a:rPr>
-            <a:t>群組 </a:t>
-          </a:r>
-          <a:r>
-            <a:rPr lang="en-US" altLang="zh-TW" noProof="0" dirty="0">
-              <a:latin typeface="細明體" panose="02020509000000000000" pitchFamily="49" charset="-120"/>
-              <a:ea typeface="細明體" panose="02020509000000000000" pitchFamily="49" charset="-120"/>
-            </a:rPr>
-            <a:t>A</a:t>
-          </a:r>
-          <a:endParaRPr lang="zh-TW" altLang="en-US" noProof="0" dirty="0">
-            <a:latin typeface="細明體" panose="02020509000000000000" pitchFamily="49" charset="-120"/>
-            <a:ea typeface="細明體" panose="02020509000000000000" pitchFamily="49" charset="-120"/>
-          </a:endParaRPr>
-        </a:p>
-      </dgm:t>
-    </dgm:pt>
-    <dgm:pt modelId="{1C10F06D-860A-4604-A7AD-02E614FE3976}" type="parTrans" cxnId="{EBD8BE8D-6018-43E2-B081-034BB5656EB6}">
-      <dgm:prSet/>
-      <dgm:spPr/>
-      <dgm:t>
-        <a:bodyPr rtlCol="0"/>
-        <a:lstStyle/>
-        <a:p>
-          <a:pPr rtl="0"/>
-          <a:endParaRPr lang="en-US"/>
-        </a:p>
-      </dgm:t>
-    </dgm:pt>
-    <dgm:pt modelId="{43C18EFF-81FC-4D70-8C6B-E95FF3730413}" type="sibTrans" cxnId="{EBD8BE8D-6018-43E2-B081-034BB5656EB6}">
-      <dgm:prSet/>
-      <dgm:spPr/>
-      <dgm:t>
-        <a:bodyPr rtlCol="0"/>
-        <a:lstStyle/>
-        <a:p>
-          <a:pPr rtl="0"/>
-          <a:endParaRPr lang="en-US"/>
-        </a:p>
-      </dgm:t>
-    </dgm:pt>
-    <dgm:pt modelId="{EFF2750D-B4B3-474C-8B62-8B638DC31F7E}">
-      <dgm:prSet phldrT="[Text]"/>
-      <dgm:spPr/>
-      <dgm:t>
-        <a:bodyPr rtlCol="0"/>
-        <a:lstStyle/>
-        <a:p>
-          <a:pPr rtl="0"/>
-          <a:r>
-            <a:rPr lang="zh-TW" altLang="en-US" noProof="0" dirty="0" smtClean="0">
-              <a:latin typeface="細明體" panose="02020509000000000000" pitchFamily="49" charset="-120"/>
-              <a:ea typeface="細明體" panose="02020509000000000000" pitchFamily="49" charset="-120"/>
-            </a:rPr>
-            <a:t>工作 </a:t>
-          </a:r>
-          <a:r>
-            <a:rPr lang="en-US" altLang="zh-TW" noProof="0" dirty="0" smtClean="0">
-              <a:latin typeface="細明體" panose="02020509000000000000" pitchFamily="49" charset="-120"/>
-              <a:ea typeface="細明體" panose="02020509000000000000" pitchFamily="49" charset="-120"/>
-            </a:rPr>
-            <a:t>1</a:t>
-          </a:r>
-          <a:endParaRPr lang="en-US" altLang="zh-TW" noProof="0" dirty="0">
-            <a:latin typeface="細明體" panose="02020509000000000000" pitchFamily="49" charset="-120"/>
-            <a:ea typeface="細明體" panose="02020509000000000000" pitchFamily="49" charset="-120"/>
-          </a:endParaRPr>
-        </a:p>
-      </dgm:t>
-    </dgm:pt>
-    <dgm:pt modelId="{AEBC78E6-CDDC-4C8F-A157-3C51E907FACD}" type="parTrans" cxnId="{A058DDA2-48CA-4E5B-B389-F71A59C262B0}">
-      <dgm:prSet/>
-      <dgm:spPr/>
-      <dgm:t>
-        <a:bodyPr rtlCol="0"/>
-        <a:lstStyle/>
-        <a:p>
-          <a:pPr rtl="0"/>
-          <a:endParaRPr lang="en-US"/>
-        </a:p>
-      </dgm:t>
-    </dgm:pt>
-    <dgm:pt modelId="{75C067D7-FCD2-4969-8F27-4BBDA88E75ED}" type="sibTrans" cxnId="{A058DDA2-48CA-4E5B-B389-F71A59C262B0}">
-      <dgm:prSet/>
-      <dgm:spPr/>
-      <dgm:t>
-        <a:bodyPr rtlCol="0"/>
-        <a:lstStyle/>
-        <a:p>
-          <a:pPr rtl="0"/>
-          <a:endParaRPr lang="en-US"/>
-        </a:p>
-      </dgm:t>
-    </dgm:pt>
-    <dgm:pt modelId="{789CD6DB-3A68-4A41-90BD-4F0CBB3617D1}">
-      <dgm:prSet phldrT="[Text]"/>
-      <dgm:spPr/>
-      <dgm:t>
-        <a:bodyPr rtlCol="0"/>
-        <a:lstStyle/>
-        <a:p>
-          <a:pPr rtl="0"/>
-          <a:r>
-            <a:rPr lang="zh-TW" altLang="en-US" noProof="0" dirty="0" smtClean="0">
-              <a:latin typeface="細明體" panose="02020509000000000000" pitchFamily="49" charset="-120"/>
-              <a:ea typeface="細明體" panose="02020509000000000000" pitchFamily="49" charset="-120"/>
-            </a:rPr>
-            <a:t>工作 </a:t>
-          </a:r>
-          <a:r>
-            <a:rPr lang="en-US" altLang="zh-TW" noProof="0" dirty="0" smtClean="0">
-              <a:latin typeface="細明體" panose="02020509000000000000" pitchFamily="49" charset="-120"/>
-              <a:ea typeface="細明體" panose="02020509000000000000" pitchFamily="49" charset="-120"/>
-            </a:rPr>
-            <a:t>2</a:t>
-          </a:r>
-          <a:endParaRPr lang="en-US" altLang="zh-TW" noProof="0" dirty="0">
-            <a:latin typeface="細明體" panose="02020509000000000000" pitchFamily="49" charset="-120"/>
-            <a:ea typeface="細明體" panose="02020509000000000000" pitchFamily="49" charset="-120"/>
-          </a:endParaRPr>
-        </a:p>
-      </dgm:t>
-    </dgm:pt>
-    <dgm:pt modelId="{C0BEB5FF-8DFB-40B9-A228-C0C6097DDDC4}" type="parTrans" cxnId="{62C10234-45D3-426A-8820-4C0D1D8CBA21}">
-      <dgm:prSet/>
-      <dgm:spPr/>
-      <dgm:t>
-        <a:bodyPr rtlCol="0"/>
-        <a:lstStyle/>
-        <a:p>
-          <a:pPr rtl="0"/>
-          <a:endParaRPr lang="en-US"/>
-        </a:p>
-      </dgm:t>
-    </dgm:pt>
-    <dgm:pt modelId="{1A702531-A59F-4EE2-8246-E2EB0955D8B1}" type="sibTrans" cxnId="{62C10234-45D3-426A-8820-4C0D1D8CBA21}">
-      <dgm:prSet/>
-      <dgm:spPr/>
-      <dgm:t>
-        <a:bodyPr rtlCol="0"/>
-        <a:lstStyle/>
-        <a:p>
-          <a:pPr rtl="0"/>
-          <a:endParaRPr lang="en-US"/>
-        </a:p>
-      </dgm:t>
-    </dgm:pt>
-    <dgm:pt modelId="{3929B1E1-4BC4-4C73-ABE8-27CEF96A3652}">
-      <dgm:prSet phldrT="[Text]"/>
-      <dgm:spPr/>
-      <dgm:t>
-        <a:bodyPr rtlCol="0"/>
-        <a:lstStyle/>
-        <a:p>
-          <a:pPr rtl="0"/>
-          <a:r>
-            <a:rPr lang="zh-TW" altLang="en-US" noProof="0" dirty="0" smtClean="0">
-              <a:latin typeface="細明體" panose="02020509000000000000" pitchFamily="49" charset="-120"/>
-              <a:ea typeface="細明體" panose="02020509000000000000" pitchFamily="49" charset="-120"/>
-            </a:rPr>
-            <a:t>群組 </a:t>
-          </a:r>
-          <a:r>
-            <a:rPr lang="en-US" altLang="zh-TW" noProof="0" dirty="0" smtClean="0">
-              <a:latin typeface="細明體" panose="02020509000000000000" pitchFamily="49" charset="-120"/>
-              <a:ea typeface="細明體" panose="02020509000000000000" pitchFamily="49" charset="-120"/>
-            </a:rPr>
-            <a:t>B</a:t>
-          </a:r>
-          <a:endParaRPr lang="en-US" altLang="zh-TW" noProof="0" dirty="0">
-            <a:latin typeface="細明體" panose="02020509000000000000" pitchFamily="49" charset="-120"/>
-            <a:ea typeface="細明體" panose="02020509000000000000" pitchFamily="49" charset="-120"/>
-          </a:endParaRPr>
-        </a:p>
-      </dgm:t>
-    </dgm:pt>
-    <dgm:pt modelId="{F356CC76-9117-4B79-A270-BBBAFD3E9C79}" type="parTrans" cxnId="{1339090C-9A95-4C05-841C-FA3AF987601B}">
-      <dgm:prSet/>
-      <dgm:spPr/>
-      <dgm:t>
-        <a:bodyPr rtlCol="0"/>
-        <a:lstStyle/>
-        <a:p>
-          <a:pPr rtl="0"/>
-          <a:endParaRPr lang="en-US"/>
-        </a:p>
-      </dgm:t>
-    </dgm:pt>
-    <dgm:pt modelId="{19BA0C22-38BB-4E9F-89D5-0FF5FF9F12CE}" type="sibTrans" cxnId="{1339090C-9A95-4C05-841C-FA3AF987601B}">
-      <dgm:prSet/>
-      <dgm:spPr/>
-      <dgm:t>
-        <a:bodyPr rtlCol="0"/>
-        <a:lstStyle/>
-        <a:p>
-          <a:pPr rtl="0"/>
-          <a:endParaRPr lang="en-US"/>
-        </a:p>
-      </dgm:t>
-    </dgm:pt>
-    <dgm:pt modelId="{99E0600D-9954-43F4-8926-13B8777FAAA1}">
-      <dgm:prSet phldrT="[Text]"/>
-      <dgm:spPr/>
-      <dgm:t>
-        <a:bodyPr rtlCol="0"/>
-        <a:lstStyle/>
-        <a:p>
-          <a:pPr rtl="0"/>
-          <a:r>
-            <a:rPr lang="zh-TW" altLang="en-US" noProof="0" dirty="0" smtClean="0">
-              <a:latin typeface="細明體" panose="02020509000000000000" pitchFamily="49" charset="-120"/>
-              <a:ea typeface="細明體" panose="02020509000000000000" pitchFamily="49" charset="-120"/>
-            </a:rPr>
-            <a:t>工作 </a:t>
-          </a:r>
-          <a:r>
-            <a:rPr lang="en-US" altLang="zh-TW" noProof="0" dirty="0" smtClean="0">
-              <a:latin typeface="細明體" panose="02020509000000000000" pitchFamily="49" charset="-120"/>
-              <a:ea typeface="細明體" panose="02020509000000000000" pitchFamily="49" charset="-120"/>
-            </a:rPr>
-            <a:t>1</a:t>
-          </a:r>
-          <a:endParaRPr lang="en-US" altLang="zh-TW" noProof="0" dirty="0">
-            <a:latin typeface="細明體" panose="02020509000000000000" pitchFamily="49" charset="-120"/>
-            <a:ea typeface="細明體" panose="02020509000000000000" pitchFamily="49" charset="-120"/>
-          </a:endParaRPr>
-        </a:p>
-      </dgm:t>
-    </dgm:pt>
-    <dgm:pt modelId="{BE23F476-2C5C-42ED-BF2B-CD5FC7ADDDF6}" type="parTrans" cxnId="{09FCCB9D-A30A-4326-970E-26252D39327F}">
-      <dgm:prSet/>
-      <dgm:spPr/>
-      <dgm:t>
-        <a:bodyPr rtlCol="0"/>
-        <a:lstStyle/>
-        <a:p>
-          <a:pPr rtl="0"/>
-          <a:endParaRPr lang="en-US"/>
-        </a:p>
-      </dgm:t>
-    </dgm:pt>
-    <dgm:pt modelId="{C44937DC-4907-4769-AA8B-1B3E7391D7B0}" type="sibTrans" cxnId="{09FCCB9D-A30A-4326-970E-26252D39327F}">
-      <dgm:prSet/>
-      <dgm:spPr/>
-      <dgm:t>
-        <a:bodyPr rtlCol="0"/>
-        <a:lstStyle/>
-        <a:p>
-          <a:pPr rtl="0"/>
-          <a:endParaRPr lang="en-US"/>
-        </a:p>
-      </dgm:t>
-    </dgm:pt>
-    <dgm:pt modelId="{0791135C-9DAB-47F6-BE9C-A3E56A2DDA50}">
-      <dgm:prSet phldrT="[Text]"/>
-      <dgm:spPr/>
-      <dgm:t>
-        <a:bodyPr rtlCol="0"/>
-        <a:lstStyle/>
-        <a:p>
-          <a:pPr rtl="0"/>
-          <a:r>
-            <a:rPr lang="zh-TW" altLang="en-US" noProof="0" dirty="0" smtClean="0">
-              <a:latin typeface="細明體" panose="02020509000000000000" pitchFamily="49" charset="-120"/>
-              <a:ea typeface="細明體" panose="02020509000000000000" pitchFamily="49" charset="-120"/>
-            </a:rPr>
-            <a:t>工作 </a:t>
-          </a:r>
-          <a:r>
-            <a:rPr lang="en-US" altLang="zh-TW" noProof="0" dirty="0" smtClean="0">
-              <a:latin typeface="細明體" panose="02020509000000000000" pitchFamily="49" charset="-120"/>
-              <a:ea typeface="細明體" panose="02020509000000000000" pitchFamily="49" charset="-120"/>
-            </a:rPr>
-            <a:t>2</a:t>
-          </a:r>
-          <a:endParaRPr lang="en-US" altLang="zh-TW" noProof="0" dirty="0">
-            <a:latin typeface="細明體" panose="02020509000000000000" pitchFamily="49" charset="-120"/>
-            <a:ea typeface="細明體" panose="02020509000000000000" pitchFamily="49" charset="-120"/>
-          </a:endParaRPr>
-        </a:p>
-      </dgm:t>
-    </dgm:pt>
-    <dgm:pt modelId="{D6057E63-9793-4991-97C1-30FC405E95A5}" type="parTrans" cxnId="{B3B26E9A-58E5-497B-BD59-F5567958C609}">
-      <dgm:prSet/>
-      <dgm:spPr/>
-      <dgm:t>
-        <a:bodyPr rtlCol="0"/>
-        <a:lstStyle/>
-        <a:p>
-          <a:pPr rtl="0"/>
-          <a:endParaRPr lang="en-US"/>
-        </a:p>
-      </dgm:t>
-    </dgm:pt>
-    <dgm:pt modelId="{B670C2A7-83CB-4F4C-BC19-A3A7C066A822}" type="sibTrans" cxnId="{B3B26E9A-58E5-497B-BD59-F5567958C609}">
-      <dgm:prSet/>
-      <dgm:spPr/>
-      <dgm:t>
-        <a:bodyPr rtlCol="0"/>
-        <a:lstStyle/>
-        <a:p>
-          <a:pPr rtl="0"/>
-          <a:endParaRPr lang="en-US"/>
-        </a:p>
-      </dgm:t>
-    </dgm:pt>
-    <dgm:pt modelId="{60CDF8D0-D4FC-4467-A51E-79C5A58B0B2C}">
-      <dgm:prSet phldrT="[Text]"/>
-      <dgm:spPr/>
-      <dgm:t>
-        <a:bodyPr rtlCol="0"/>
-        <a:lstStyle/>
-        <a:p>
-          <a:pPr rtl="0"/>
-          <a:r>
-            <a:rPr lang="zh-TW" altLang="en-US" noProof="0" dirty="0" smtClean="0">
-              <a:latin typeface="細明體" panose="02020509000000000000" pitchFamily="49" charset="-120"/>
-              <a:ea typeface="細明體" panose="02020509000000000000" pitchFamily="49" charset="-120"/>
-            </a:rPr>
-            <a:t>群組 </a:t>
-          </a:r>
-          <a:r>
-            <a:rPr lang="en-US" altLang="zh-TW" noProof="0" dirty="0" smtClean="0">
-              <a:latin typeface="細明體" panose="02020509000000000000" pitchFamily="49" charset="-120"/>
-              <a:ea typeface="細明體" panose="02020509000000000000" pitchFamily="49" charset="-120"/>
-            </a:rPr>
-            <a:t>C</a:t>
-          </a:r>
-          <a:endParaRPr lang="en-US" altLang="zh-TW" noProof="0" dirty="0">
-            <a:latin typeface="細明體" panose="02020509000000000000" pitchFamily="49" charset="-120"/>
-            <a:ea typeface="細明體" panose="02020509000000000000" pitchFamily="49" charset="-120"/>
-          </a:endParaRPr>
-        </a:p>
-      </dgm:t>
-    </dgm:pt>
-    <dgm:pt modelId="{E12A269F-AB82-486A-9077-80F2BBBE48C2}" type="parTrans" cxnId="{2BA65DEC-E719-4ED3-8135-48349D42DD04}">
-      <dgm:prSet/>
-      <dgm:spPr/>
-      <dgm:t>
-        <a:bodyPr rtlCol="0"/>
-        <a:lstStyle/>
-        <a:p>
-          <a:pPr rtl="0"/>
-          <a:endParaRPr lang="en-US"/>
-        </a:p>
-      </dgm:t>
-    </dgm:pt>
-    <dgm:pt modelId="{3F7FD59D-A716-4310-A89A-AB6F740D9FFF}" type="sibTrans" cxnId="{2BA65DEC-E719-4ED3-8135-48349D42DD04}">
-      <dgm:prSet/>
-      <dgm:spPr/>
-      <dgm:t>
-        <a:bodyPr rtlCol="0"/>
-        <a:lstStyle/>
-        <a:p>
-          <a:pPr rtl="0"/>
-          <a:endParaRPr lang="en-US"/>
-        </a:p>
-      </dgm:t>
-    </dgm:pt>
-    <dgm:pt modelId="{50629C12-7464-4473-ADEF-1A284F8A9957}">
-      <dgm:prSet phldrT="[Text]"/>
-      <dgm:spPr/>
-      <dgm:t>
-        <a:bodyPr rtlCol="0"/>
-        <a:lstStyle/>
-        <a:p>
-          <a:pPr rtl="0"/>
-          <a:r>
-            <a:rPr lang="zh-TW" altLang="en-US" noProof="0" dirty="0" smtClean="0">
-              <a:latin typeface="細明體" panose="02020509000000000000" pitchFamily="49" charset="-120"/>
-              <a:ea typeface="細明體" panose="02020509000000000000" pitchFamily="49" charset="-120"/>
-            </a:rPr>
-            <a:t>工作 </a:t>
-          </a:r>
-          <a:r>
-            <a:rPr lang="en-US" altLang="zh-TW" noProof="0" dirty="0" smtClean="0">
-              <a:latin typeface="細明體" panose="02020509000000000000" pitchFamily="49" charset="-120"/>
-              <a:ea typeface="細明體" panose="02020509000000000000" pitchFamily="49" charset="-120"/>
-            </a:rPr>
-            <a:t>1</a:t>
-          </a:r>
-          <a:endParaRPr lang="en-US" altLang="zh-TW" noProof="0" dirty="0">
-            <a:latin typeface="細明體" panose="02020509000000000000" pitchFamily="49" charset="-120"/>
-            <a:ea typeface="細明體" panose="02020509000000000000" pitchFamily="49" charset="-120"/>
-          </a:endParaRPr>
-        </a:p>
-      </dgm:t>
-    </dgm:pt>
-    <dgm:pt modelId="{9D1CB46C-0CFA-4B27-9224-267431FBD094}" type="parTrans" cxnId="{1D32FCC9-657C-4348-9C0D-52115D559FEB}">
-      <dgm:prSet/>
-      <dgm:spPr/>
-      <dgm:t>
-        <a:bodyPr rtlCol="0"/>
-        <a:lstStyle/>
-        <a:p>
-          <a:pPr rtl="0"/>
-          <a:endParaRPr lang="en-US"/>
-        </a:p>
-      </dgm:t>
-    </dgm:pt>
-    <dgm:pt modelId="{4576BCC5-0598-4332-A2E7-87AC3ADD4EB8}" type="sibTrans" cxnId="{1D32FCC9-657C-4348-9C0D-52115D559FEB}">
-      <dgm:prSet/>
-      <dgm:spPr/>
-      <dgm:t>
-        <a:bodyPr rtlCol="0"/>
-        <a:lstStyle/>
-        <a:p>
-          <a:pPr rtl="0"/>
-          <a:endParaRPr lang="en-US"/>
-        </a:p>
-      </dgm:t>
-    </dgm:pt>
-    <dgm:pt modelId="{E6A445EE-D086-4B01-B491-D67950A5A065}" type="pres">
-      <dgm:prSet presAssocID="{3F442EA2-39BA-4C9A-AD59-755D4917D532}" presName="linear" presStyleCnt="0">
-        <dgm:presLayoutVars>
-          <dgm:dir/>
-          <dgm:animLvl val="lvl"/>
-          <dgm:resizeHandles val="exact"/>
-        </dgm:presLayoutVars>
-      </dgm:prSet>
-      <dgm:spPr/>
-      <dgm:t>
-        <a:bodyPr/>
-        <a:lstStyle/>
-        <a:p>
-          <a:endParaRPr lang="zh-TW" altLang="en-US"/>
-        </a:p>
-      </dgm:t>
-    </dgm:pt>
-    <dgm:pt modelId="{6D3A9625-D3EB-4CA1-AB05-34452283708A}" type="pres">
-      <dgm:prSet presAssocID="{4DF9FE7B-F642-4898-A360-D4E3814E1A3D}" presName="parentLin" presStyleCnt="0"/>
-      <dgm:spPr/>
-    </dgm:pt>
-    <dgm:pt modelId="{7E290D25-335D-4339-A8E8-B036E46B5EB5}" type="pres">
-      <dgm:prSet presAssocID="{4DF9FE7B-F642-4898-A360-D4E3814E1A3D}" presName="parentLeftMargin" presStyleLbl="node1" presStyleIdx="0" presStyleCnt="3"/>
-      <dgm:spPr/>
-      <dgm:t>
-        <a:bodyPr/>
-        <a:lstStyle/>
-        <a:p>
-          <a:endParaRPr lang="zh-TW" altLang="en-US"/>
-        </a:p>
-      </dgm:t>
-    </dgm:pt>
-    <dgm:pt modelId="{674922F1-7266-4681-AD4F-1C618A5FFF23}" type="pres">
-      <dgm:prSet presAssocID="{4DF9FE7B-F642-4898-A360-D4E3814E1A3D}" presName="parentText" presStyleLbl="node1" presStyleIdx="0" presStyleCnt="3">
-        <dgm:presLayoutVars>
-          <dgm:chMax val="0"/>
-          <dgm:bulletEnabled val="1"/>
-        </dgm:presLayoutVars>
-      </dgm:prSet>
-      <dgm:spPr/>
-      <dgm:t>
-        <a:bodyPr/>
-        <a:lstStyle/>
-        <a:p>
-          <a:endParaRPr lang="zh-TW" altLang="en-US"/>
-        </a:p>
-      </dgm:t>
-    </dgm:pt>
-    <dgm:pt modelId="{96C29850-0672-4B77-B5DE-2E1563038631}" type="pres">
-      <dgm:prSet presAssocID="{4DF9FE7B-F642-4898-A360-D4E3814E1A3D}" presName="negativeSpace" presStyleCnt="0"/>
-      <dgm:spPr/>
-    </dgm:pt>
-    <dgm:pt modelId="{80259B02-529C-422B-91BE-D70198BA9F6C}" type="pres">
-      <dgm:prSet presAssocID="{4DF9FE7B-F642-4898-A360-D4E3814E1A3D}" presName="childText" presStyleLbl="conFgAcc1" presStyleIdx="0" presStyleCnt="3">
-        <dgm:presLayoutVars>
-          <dgm:bulletEnabled val="1"/>
-        </dgm:presLayoutVars>
-      </dgm:prSet>
-      <dgm:spPr/>
-      <dgm:t>
-        <a:bodyPr/>
-        <a:lstStyle/>
-        <a:p>
-          <a:endParaRPr lang="zh-TW" altLang="en-US"/>
-        </a:p>
-      </dgm:t>
-    </dgm:pt>
-    <dgm:pt modelId="{E53EFB4E-D3DB-42E1-82AC-148F7D29254F}" type="pres">
-      <dgm:prSet presAssocID="{43C18EFF-81FC-4D70-8C6B-E95FF3730413}" presName="spaceBetweenRectangles" presStyleCnt="0"/>
-      <dgm:spPr/>
-    </dgm:pt>
-    <dgm:pt modelId="{07AC1C38-F728-4390-9C76-57A49ED97DBB}" type="pres">
-      <dgm:prSet presAssocID="{3929B1E1-4BC4-4C73-ABE8-27CEF96A3652}" presName="parentLin" presStyleCnt="0"/>
-      <dgm:spPr/>
-    </dgm:pt>
-    <dgm:pt modelId="{D0037F0D-DB9A-4BA4-97B4-D939B26E14DA}" type="pres">
-      <dgm:prSet presAssocID="{3929B1E1-4BC4-4C73-ABE8-27CEF96A3652}" presName="parentLeftMargin" presStyleLbl="node1" presStyleIdx="0" presStyleCnt="3"/>
-      <dgm:spPr/>
-      <dgm:t>
-        <a:bodyPr/>
-        <a:lstStyle/>
-        <a:p>
-          <a:endParaRPr lang="zh-TW" altLang="en-US"/>
-        </a:p>
-      </dgm:t>
-    </dgm:pt>
-    <dgm:pt modelId="{21EEBBE2-729F-4D85-8CAE-C2B30FF126D2}" type="pres">
-      <dgm:prSet presAssocID="{3929B1E1-4BC4-4C73-ABE8-27CEF96A3652}" presName="parentText" presStyleLbl="node1" presStyleIdx="1" presStyleCnt="3">
-        <dgm:presLayoutVars>
-          <dgm:chMax val="0"/>
-          <dgm:bulletEnabled val="1"/>
-        </dgm:presLayoutVars>
-      </dgm:prSet>
-      <dgm:spPr/>
-      <dgm:t>
-        <a:bodyPr/>
-        <a:lstStyle/>
-        <a:p>
-          <a:endParaRPr lang="zh-TW" altLang="en-US"/>
-        </a:p>
-      </dgm:t>
-    </dgm:pt>
-    <dgm:pt modelId="{AACB3FAF-C320-430D-84D4-71BA6D1761D1}" type="pres">
-      <dgm:prSet presAssocID="{3929B1E1-4BC4-4C73-ABE8-27CEF96A3652}" presName="negativeSpace" presStyleCnt="0"/>
-      <dgm:spPr/>
-    </dgm:pt>
-    <dgm:pt modelId="{5282638F-EFF2-4770-BB1A-21455422E45D}" type="pres">
-      <dgm:prSet presAssocID="{3929B1E1-4BC4-4C73-ABE8-27CEF96A3652}" presName="childText" presStyleLbl="conFgAcc1" presStyleIdx="1" presStyleCnt="3">
-        <dgm:presLayoutVars>
-          <dgm:bulletEnabled val="1"/>
-        </dgm:presLayoutVars>
-      </dgm:prSet>
-      <dgm:spPr/>
-      <dgm:t>
-        <a:bodyPr/>
-        <a:lstStyle/>
-        <a:p>
-          <a:endParaRPr lang="zh-TW" altLang="en-US"/>
-        </a:p>
-      </dgm:t>
-    </dgm:pt>
-    <dgm:pt modelId="{8CE827AA-77D8-4146-A665-00110A17769E}" type="pres">
-      <dgm:prSet presAssocID="{19BA0C22-38BB-4E9F-89D5-0FF5FF9F12CE}" presName="spaceBetweenRectangles" presStyleCnt="0"/>
-      <dgm:spPr/>
-    </dgm:pt>
-    <dgm:pt modelId="{34C9EE47-81AF-461E-8292-AB107AA0D367}" type="pres">
-      <dgm:prSet presAssocID="{60CDF8D0-D4FC-4467-A51E-79C5A58B0B2C}" presName="parentLin" presStyleCnt="0"/>
-      <dgm:spPr/>
-    </dgm:pt>
-    <dgm:pt modelId="{864CB39B-29F9-473D-90E5-0686D86E278F}" type="pres">
-      <dgm:prSet presAssocID="{60CDF8D0-D4FC-4467-A51E-79C5A58B0B2C}" presName="parentLeftMargin" presStyleLbl="node1" presStyleIdx="1" presStyleCnt="3"/>
-      <dgm:spPr/>
-      <dgm:t>
-        <a:bodyPr/>
-        <a:lstStyle/>
-        <a:p>
-          <a:endParaRPr lang="zh-TW" altLang="en-US"/>
-        </a:p>
-      </dgm:t>
-    </dgm:pt>
-    <dgm:pt modelId="{5B203A22-00AF-46E7-9415-C6DAFD7E01CC}" type="pres">
-      <dgm:prSet presAssocID="{60CDF8D0-D4FC-4467-A51E-79C5A58B0B2C}" presName="parentText" presStyleLbl="node1" presStyleIdx="2" presStyleCnt="3">
-        <dgm:presLayoutVars>
-          <dgm:chMax val="0"/>
-          <dgm:bulletEnabled val="1"/>
-        </dgm:presLayoutVars>
-      </dgm:prSet>
-      <dgm:spPr/>
-      <dgm:t>
-        <a:bodyPr/>
-        <a:lstStyle/>
-        <a:p>
-          <a:endParaRPr lang="zh-TW" altLang="en-US"/>
-        </a:p>
-      </dgm:t>
-    </dgm:pt>
-    <dgm:pt modelId="{DF9C1F84-81DE-4E5D-9537-C2D1A211B8B6}" type="pres">
-      <dgm:prSet presAssocID="{60CDF8D0-D4FC-4467-A51E-79C5A58B0B2C}" presName="negativeSpace" presStyleCnt="0"/>
-      <dgm:spPr/>
-    </dgm:pt>
-    <dgm:pt modelId="{964E6811-5072-4466-B721-689C35A65029}" type="pres">
-      <dgm:prSet presAssocID="{60CDF8D0-D4FC-4467-A51E-79C5A58B0B2C}" presName="childText" presStyleLbl="conFgAcc1" presStyleIdx="2" presStyleCnt="3">
-        <dgm:presLayoutVars>
-          <dgm:bulletEnabled val="1"/>
-        </dgm:presLayoutVars>
-      </dgm:prSet>
-      <dgm:spPr/>
-      <dgm:t>
-        <a:bodyPr/>
-        <a:lstStyle/>
-        <a:p>
-          <a:endParaRPr lang="zh-TW" altLang="en-US"/>
-        </a:p>
-      </dgm:t>
-    </dgm:pt>
-  </dgm:ptLst>
-  <dgm:cxnLst>
-    <dgm:cxn modelId="{3F41141F-3FE3-4E69-BA1B-B1022C76134F}" type="presOf" srcId="{0791135C-9DAB-47F6-BE9C-A3E56A2DDA50}" destId="{5282638F-EFF2-4770-BB1A-21455422E45D}" srcOrd="0" destOrd="1" presId="urn:microsoft.com/office/officeart/2005/8/layout/list1"/>
-    <dgm:cxn modelId="{9F679DC2-6B0E-43AA-A414-29A0BEBDE7EB}" type="presOf" srcId="{50629C12-7464-4473-ADEF-1A284F8A9957}" destId="{964E6811-5072-4466-B721-689C35A65029}" srcOrd="0" destOrd="0" presId="urn:microsoft.com/office/officeart/2005/8/layout/list1"/>
-    <dgm:cxn modelId="{1D32FCC9-657C-4348-9C0D-52115D559FEB}" srcId="{60CDF8D0-D4FC-4467-A51E-79C5A58B0B2C}" destId="{50629C12-7464-4473-ADEF-1A284F8A9957}" srcOrd="0" destOrd="0" parTransId="{9D1CB46C-0CFA-4B27-9224-267431FBD094}" sibTransId="{4576BCC5-0598-4332-A2E7-87AC3ADD4EB8}"/>
-    <dgm:cxn modelId="{FC3C0DB7-9FD1-4688-8024-16D6F63718C0}" type="presOf" srcId="{99E0600D-9954-43F4-8926-13B8777FAAA1}" destId="{5282638F-EFF2-4770-BB1A-21455422E45D}" srcOrd="0" destOrd="0" presId="urn:microsoft.com/office/officeart/2005/8/layout/list1"/>
-    <dgm:cxn modelId="{3E379D5E-3519-4604-8C91-9AEBC1B5DA6A}" type="presOf" srcId="{60CDF8D0-D4FC-4467-A51E-79C5A58B0B2C}" destId="{864CB39B-29F9-473D-90E5-0686D86E278F}" srcOrd="0" destOrd="0" presId="urn:microsoft.com/office/officeart/2005/8/layout/list1"/>
-    <dgm:cxn modelId="{D777451D-9818-431F-B600-33C7C8A40A98}" type="presOf" srcId="{3929B1E1-4BC4-4C73-ABE8-27CEF96A3652}" destId="{21EEBBE2-729F-4D85-8CAE-C2B30FF126D2}" srcOrd="1" destOrd="0" presId="urn:microsoft.com/office/officeart/2005/8/layout/list1"/>
-    <dgm:cxn modelId="{2BA65DEC-E719-4ED3-8135-48349D42DD04}" srcId="{3F442EA2-39BA-4C9A-AD59-755D4917D532}" destId="{60CDF8D0-D4FC-4467-A51E-79C5A58B0B2C}" srcOrd="2" destOrd="0" parTransId="{E12A269F-AB82-486A-9077-80F2BBBE48C2}" sibTransId="{3F7FD59D-A716-4310-A89A-AB6F740D9FFF}"/>
-    <dgm:cxn modelId="{1339090C-9A95-4C05-841C-FA3AF987601B}" srcId="{3F442EA2-39BA-4C9A-AD59-755D4917D532}" destId="{3929B1E1-4BC4-4C73-ABE8-27CEF96A3652}" srcOrd="1" destOrd="0" parTransId="{F356CC76-9117-4B79-A270-BBBAFD3E9C79}" sibTransId="{19BA0C22-38BB-4E9F-89D5-0FF5FF9F12CE}"/>
-    <dgm:cxn modelId="{F7E95423-786D-404D-8158-68B1C89303BF}" type="presOf" srcId="{4DF9FE7B-F642-4898-A360-D4E3814E1A3D}" destId="{7E290D25-335D-4339-A8E8-B036E46B5EB5}" srcOrd="0" destOrd="0" presId="urn:microsoft.com/office/officeart/2005/8/layout/list1"/>
-    <dgm:cxn modelId="{3A76F5FD-AC51-43D5-A60D-6EA2DBBDF0F6}" type="presOf" srcId="{4DF9FE7B-F642-4898-A360-D4E3814E1A3D}" destId="{674922F1-7266-4681-AD4F-1C618A5FFF23}" srcOrd="1" destOrd="0" presId="urn:microsoft.com/office/officeart/2005/8/layout/list1"/>
-    <dgm:cxn modelId="{B3B26E9A-58E5-497B-BD59-F5567958C609}" srcId="{3929B1E1-4BC4-4C73-ABE8-27CEF96A3652}" destId="{0791135C-9DAB-47F6-BE9C-A3E56A2DDA50}" srcOrd="1" destOrd="0" parTransId="{D6057E63-9793-4991-97C1-30FC405E95A5}" sibTransId="{B670C2A7-83CB-4F4C-BC19-A3A7C066A822}"/>
-    <dgm:cxn modelId="{E694B157-BB09-40E7-9144-6278540E0676}" type="presOf" srcId="{789CD6DB-3A68-4A41-90BD-4F0CBB3617D1}" destId="{80259B02-529C-422B-91BE-D70198BA9F6C}" srcOrd="0" destOrd="1" presId="urn:microsoft.com/office/officeart/2005/8/layout/list1"/>
-    <dgm:cxn modelId="{E12E128A-D14B-4DAD-B3C2-4C2D815371A8}" type="presOf" srcId="{3929B1E1-4BC4-4C73-ABE8-27CEF96A3652}" destId="{D0037F0D-DB9A-4BA4-97B4-D939B26E14DA}" srcOrd="0" destOrd="0" presId="urn:microsoft.com/office/officeart/2005/8/layout/list1"/>
-    <dgm:cxn modelId="{EBD8BE8D-6018-43E2-B081-034BB5656EB6}" srcId="{3F442EA2-39BA-4C9A-AD59-755D4917D532}" destId="{4DF9FE7B-F642-4898-A360-D4E3814E1A3D}" srcOrd="0" destOrd="0" parTransId="{1C10F06D-860A-4604-A7AD-02E614FE3976}" sibTransId="{43C18EFF-81FC-4D70-8C6B-E95FF3730413}"/>
-    <dgm:cxn modelId="{62C10234-45D3-426A-8820-4C0D1D8CBA21}" srcId="{4DF9FE7B-F642-4898-A360-D4E3814E1A3D}" destId="{789CD6DB-3A68-4A41-90BD-4F0CBB3617D1}" srcOrd="1" destOrd="0" parTransId="{C0BEB5FF-8DFB-40B9-A228-C0C6097DDDC4}" sibTransId="{1A702531-A59F-4EE2-8246-E2EB0955D8B1}"/>
-    <dgm:cxn modelId="{133AB3BA-08EC-432D-814B-0243B8AEAE27}" type="presOf" srcId="{3F442EA2-39BA-4C9A-AD59-755D4917D532}" destId="{E6A445EE-D086-4B01-B491-D67950A5A065}" srcOrd="0" destOrd="0" presId="urn:microsoft.com/office/officeart/2005/8/layout/list1"/>
-    <dgm:cxn modelId="{91E8EE10-A24D-4E72-918C-DFE8B8A56CE9}" type="presOf" srcId="{EFF2750D-B4B3-474C-8B62-8B638DC31F7E}" destId="{80259B02-529C-422B-91BE-D70198BA9F6C}" srcOrd="0" destOrd="0" presId="urn:microsoft.com/office/officeart/2005/8/layout/list1"/>
-    <dgm:cxn modelId="{A058DDA2-48CA-4E5B-B389-F71A59C262B0}" srcId="{4DF9FE7B-F642-4898-A360-D4E3814E1A3D}" destId="{EFF2750D-B4B3-474C-8B62-8B638DC31F7E}" srcOrd="0" destOrd="0" parTransId="{AEBC78E6-CDDC-4C8F-A157-3C51E907FACD}" sibTransId="{75C067D7-FCD2-4969-8F27-4BBDA88E75ED}"/>
-    <dgm:cxn modelId="{EF39DC10-C489-4F29-BCDA-31D69D3CEE27}" type="presOf" srcId="{60CDF8D0-D4FC-4467-A51E-79C5A58B0B2C}" destId="{5B203A22-00AF-46E7-9415-C6DAFD7E01CC}" srcOrd="1" destOrd="0" presId="urn:microsoft.com/office/officeart/2005/8/layout/list1"/>
-    <dgm:cxn modelId="{09FCCB9D-A30A-4326-970E-26252D39327F}" srcId="{3929B1E1-4BC4-4C73-ABE8-27CEF96A3652}" destId="{99E0600D-9954-43F4-8926-13B8777FAAA1}" srcOrd="0" destOrd="0" parTransId="{BE23F476-2C5C-42ED-BF2B-CD5FC7ADDDF6}" sibTransId="{C44937DC-4907-4769-AA8B-1B3E7391D7B0}"/>
-    <dgm:cxn modelId="{7C96F733-1FEB-4464-AFE2-A6FFE050E7F5}" type="presParOf" srcId="{E6A445EE-D086-4B01-B491-D67950A5A065}" destId="{6D3A9625-D3EB-4CA1-AB05-34452283708A}" srcOrd="0" destOrd="0" presId="urn:microsoft.com/office/officeart/2005/8/layout/list1"/>
-    <dgm:cxn modelId="{52625C28-CB81-4E22-A0FD-8E29373E6B1B}" type="presParOf" srcId="{6D3A9625-D3EB-4CA1-AB05-34452283708A}" destId="{7E290D25-335D-4339-A8E8-B036E46B5EB5}" srcOrd="0" destOrd="0" presId="urn:microsoft.com/office/officeart/2005/8/layout/list1"/>
-    <dgm:cxn modelId="{B0C612E2-3EE1-400E-AE2C-6D7A4CC4C27B}" type="presParOf" srcId="{6D3A9625-D3EB-4CA1-AB05-34452283708A}" destId="{674922F1-7266-4681-AD4F-1C618A5FFF23}" srcOrd="1" destOrd="0" presId="urn:microsoft.com/office/officeart/2005/8/layout/list1"/>
-    <dgm:cxn modelId="{4744E578-4CB5-48E8-A0C6-86520C5FA672}" type="presParOf" srcId="{E6A445EE-D086-4B01-B491-D67950A5A065}" destId="{96C29850-0672-4B77-B5DE-2E1563038631}" srcOrd="1" destOrd="0" presId="urn:microsoft.com/office/officeart/2005/8/layout/list1"/>
-    <dgm:cxn modelId="{9B31D144-B860-4AE0-AA2A-C3C20A8603D5}" type="presParOf" srcId="{E6A445EE-D086-4B01-B491-D67950A5A065}" destId="{80259B02-529C-422B-91BE-D70198BA9F6C}" srcOrd="2" destOrd="0" presId="urn:microsoft.com/office/officeart/2005/8/layout/list1"/>
-    <dgm:cxn modelId="{7C89F48A-EAC4-44E9-B2C3-D6045323FD07}" type="presParOf" srcId="{E6A445EE-D086-4B01-B491-D67950A5A065}" destId="{E53EFB4E-D3DB-42E1-82AC-148F7D29254F}" srcOrd="3" destOrd="0" presId="urn:microsoft.com/office/officeart/2005/8/layout/list1"/>
-    <dgm:cxn modelId="{BD05F436-0254-432E-8B09-A17511FE268A}" type="presParOf" srcId="{E6A445EE-D086-4B01-B491-D67950A5A065}" destId="{07AC1C38-F728-4390-9C76-57A49ED97DBB}" srcOrd="4" destOrd="0" presId="urn:microsoft.com/office/officeart/2005/8/layout/list1"/>
-    <dgm:cxn modelId="{C0A0D860-DA07-4CBB-91A5-F43E0D04FCF4}" type="presParOf" srcId="{07AC1C38-F728-4390-9C76-57A49ED97DBB}" destId="{D0037F0D-DB9A-4BA4-97B4-D939B26E14DA}" srcOrd="0" destOrd="0" presId="urn:microsoft.com/office/officeart/2005/8/layout/list1"/>
-    <dgm:cxn modelId="{7E09DDEB-EE25-4606-A71C-7D9B4BBA2CC8}" type="presParOf" srcId="{07AC1C38-F728-4390-9C76-57A49ED97DBB}" destId="{21EEBBE2-729F-4D85-8CAE-C2B30FF126D2}" srcOrd="1" destOrd="0" presId="urn:microsoft.com/office/officeart/2005/8/layout/list1"/>
-    <dgm:cxn modelId="{16B4A5AA-CD57-4E81-BD9D-EA0185BCFB1E}" type="presParOf" srcId="{E6A445EE-D086-4B01-B491-D67950A5A065}" destId="{AACB3FAF-C320-430D-84D4-71BA6D1761D1}" srcOrd="5" destOrd="0" presId="urn:microsoft.com/office/officeart/2005/8/layout/list1"/>
-    <dgm:cxn modelId="{87A76DD9-C373-44C0-9414-15DC155EA76E}" type="presParOf" srcId="{E6A445EE-D086-4B01-B491-D67950A5A065}" destId="{5282638F-EFF2-4770-BB1A-21455422E45D}" srcOrd="6" destOrd="0" presId="urn:microsoft.com/office/officeart/2005/8/layout/list1"/>
-    <dgm:cxn modelId="{0755B841-50A5-42EE-A8F3-8B0D460B67BC}" type="presParOf" srcId="{E6A445EE-D086-4B01-B491-D67950A5A065}" destId="{8CE827AA-77D8-4146-A665-00110A17769E}" srcOrd="7" destOrd="0" presId="urn:microsoft.com/office/officeart/2005/8/layout/list1"/>
-    <dgm:cxn modelId="{07113AD3-C775-48C9-830E-576F0EE07749}" type="presParOf" srcId="{E6A445EE-D086-4B01-B491-D67950A5A065}" destId="{34C9EE47-81AF-461E-8292-AB107AA0D367}" srcOrd="8" destOrd="0" presId="urn:microsoft.com/office/officeart/2005/8/layout/list1"/>
-    <dgm:cxn modelId="{4B7DC143-6BA8-45DE-B0C7-421B9E9D50BD}" type="presParOf" srcId="{34C9EE47-81AF-461E-8292-AB107AA0D367}" destId="{864CB39B-29F9-473D-90E5-0686D86E278F}" srcOrd="0" destOrd="0" presId="urn:microsoft.com/office/officeart/2005/8/layout/list1"/>
-    <dgm:cxn modelId="{5D8F5A1E-4827-449A-B310-63F6F8A02B3B}" type="presParOf" srcId="{34C9EE47-81AF-461E-8292-AB107AA0D367}" destId="{5B203A22-00AF-46E7-9415-C6DAFD7E01CC}" srcOrd="1" destOrd="0" presId="urn:microsoft.com/office/officeart/2005/8/layout/list1"/>
-    <dgm:cxn modelId="{1F844143-3020-41F3-A2B1-36CB25F670B9}" type="presParOf" srcId="{E6A445EE-D086-4B01-B491-D67950A5A065}" destId="{DF9C1F84-81DE-4E5D-9537-C2D1A211B8B6}" srcOrd="9" destOrd="0" presId="urn:microsoft.com/office/officeart/2005/8/layout/list1"/>
-    <dgm:cxn modelId="{361E8493-E05B-46F9-A5FF-F03C8BA97CD5}" type="presParOf" srcId="{E6A445EE-D086-4B01-B491-D67950A5A065}" destId="{964E6811-5072-4466-B721-689C35A65029}" srcOrd="10" destOrd="0" presId="urn:microsoft.com/office/officeart/2005/8/layout/list1"/>
-  </dgm:cxnLst>
-  <dgm:bg/>
-  <dgm:whole/>
-  <dgm:extLst>
-    <a:ext uri="http://schemas.microsoft.com/office/drawing/2008/diagram">
-      <dsp:dataModelExt xmlns:dsp="http://schemas.microsoft.com/office/drawing/2008/diagram" relId="rId7" minVer="http://schemas.openxmlformats.org/drawingml/2006/diagram"/>
-    </a:ext>
-  </dgm:extLst>
-</dgm:dataModel>
-</file>
-
-<file path=ppt/diagrams/drawing1.xml><?xml version="1.0" encoding="utf-8"?>
-<dsp:drawing xmlns:dgm="http://schemas.openxmlformats.org/drawingml/2006/diagram" xmlns:dsp="http://schemas.microsoft.com/office/drawing/2008/diagram" xmlns:a="http://schemas.openxmlformats.org/drawingml/2006/main">
-  <dsp:spTree>
-    <dsp:nvGrpSpPr>
-      <dsp:cNvPr id="0" name=""/>
-      <dsp:cNvGrpSpPr/>
-    </dsp:nvGrpSpPr>
-    <dsp:grpSpPr/>
-    <dsp:sp modelId="{80259B02-529C-422B-91BE-D70198BA9F6C}">
-      <dsp:nvSpPr>
-        <dsp:cNvPr id="0" name=""/>
-        <dsp:cNvSpPr/>
-      </dsp:nvSpPr>
-      <dsp:spPr>
-        <a:xfrm>
-          <a:off x="0" y="312236"/>
-          <a:ext cx="4773612" cy="1167075"/>
-        </a:xfrm>
-        <a:prstGeom prst="rect">
-          <a:avLst/>
-        </a:prstGeom>
-        <a:solidFill>
-          <a:schemeClr val="lt1">
-            <a:alpha val="90000"/>
-            <a:hueOff val="0"/>
-            <a:satOff val="0"/>
-            <a:lumOff val="0"/>
-            <a:alphaOff val="0"/>
-          </a:schemeClr>
-        </a:solidFill>
-        <a:ln w="12700" cap="flat" cmpd="sng" algn="ctr">
-          <a:solidFill>
-            <a:schemeClr val="accent3">
-              <a:hueOff val="0"/>
-              <a:satOff val="0"/>
-              <a:lumOff val="0"/>
-              <a:alphaOff val="0"/>
-            </a:schemeClr>
-          </a:solidFill>
-          <a:prstDash val="solid"/>
-          <a:miter lim="800000"/>
-        </a:ln>
-        <a:effectLst/>
-      </dsp:spPr>
-      <dsp:style>
-        <a:lnRef idx="2">
-          <a:scrgbClr r="0" g="0" b="0"/>
-        </a:lnRef>
-        <a:fillRef idx="1">
-          <a:scrgbClr r="0" g="0" b="0"/>
-        </a:fillRef>
-        <a:effectRef idx="0">
-          <a:scrgbClr r="0" g="0" b="0"/>
-        </a:effectRef>
-        <a:fontRef idx="minor"/>
-      </dsp:style>
-      <dsp:txBody>
-        <a:bodyPr spcFirstLastPara="0" vert="horz" wrap="square" lIns="370485" tIns="395732" rIns="370485" bIns="135128" numCol="1" spcCol="1270" rtlCol="0" anchor="t" anchorCtr="0">
-          <a:noAutofit/>
-        </a:bodyPr>
-        <a:lstStyle/>
-        <a:p>
-          <a:pPr marL="171450" lvl="1" indent="-171450" algn="l" defTabSz="844550" rtl="0">
-            <a:lnSpc>
-              <a:spcPct val="90000"/>
-            </a:lnSpc>
-            <a:spcBef>
-              <a:spcPct val="0"/>
-            </a:spcBef>
-            <a:spcAft>
-              <a:spcPct val="15000"/>
-            </a:spcAft>
-            <a:buChar char="••"/>
-          </a:pPr>
-          <a:r>
-            <a:rPr lang="zh-TW" altLang="en-US" sz="1900" kern="1200" noProof="0" dirty="0" smtClean="0">
-              <a:latin typeface="細明體" panose="02020509000000000000" pitchFamily="49" charset="-120"/>
-              <a:ea typeface="細明體" panose="02020509000000000000" pitchFamily="49" charset="-120"/>
-            </a:rPr>
-            <a:t>工作 </a:t>
-          </a:r>
-          <a:r>
-            <a:rPr lang="en-US" altLang="zh-TW" sz="1900" kern="1200" noProof="0" dirty="0" smtClean="0">
-              <a:latin typeface="細明體" panose="02020509000000000000" pitchFamily="49" charset="-120"/>
-              <a:ea typeface="細明體" panose="02020509000000000000" pitchFamily="49" charset="-120"/>
-            </a:rPr>
-            <a:t>1</a:t>
-          </a:r>
-          <a:endParaRPr lang="en-US" altLang="zh-TW" sz="1900" kern="1200" noProof="0" dirty="0">
-            <a:latin typeface="細明體" panose="02020509000000000000" pitchFamily="49" charset="-120"/>
-            <a:ea typeface="細明體" panose="02020509000000000000" pitchFamily="49" charset="-120"/>
-          </a:endParaRPr>
-        </a:p>
-        <a:p>
-          <a:pPr marL="171450" lvl="1" indent="-171450" algn="l" defTabSz="844550" rtl="0">
-            <a:lnSpc>
-              <a:spcPct val="90000"/>
-            </a:lnSpc>
-            <a:spcBef>
-              <a:spcPct val="0"/>
-            </a:spcBef>
-            <a:spcAft>
-              <a:spcPct val="15000"/>
-            </a:spcAft>
-            <a:buChar char="••"/>
-          </a:pPr>
-          <a:r>
-            <a:rPr lang="zh-TW" altLang="en-US" sz="1900" kern="1200" noProof="0" dirty="0" smtClean="0">
-              <a:latin typeface="細明體" panose="02020509000000000000" pitchFamily="49" charset="-120"/>
-              <a:ea typeface="細明體" panose="02020509000000000000" pitchFamily="49" charset="-120"/>
-            </a:rPr>
-            <a:t>工作 </a:t>
-          </a:r>
-          <a:r>
-            <a:rPr lang="en-US" altLang="zh-TW" sz="1900" kern="1200" noProof="0" dirty="0" smtClean="0">
-              <a:latin typeface="細明體" panose="02020509000000000000" pitchFamily="49" charset="-120"/>
-              <a:ea typeface="細明體" panose="02020509000000000000" pitchFamily="49" charset="-120"/>
-            </a:rPr>
-            <a:t>2</a:t>
-          </a:r>
-          <a:endParaRPr lang="en-US" altLang="zh-TW" sz="1900" kern="1200" noProof="0" dirty="0">
-            <a:latin typeface="細明體" panose="02020509000000000000" pitchFamily="49" charset="-120"/>
-            <a:ea typeface="細明體" panose="02020509000000000000" pitchFamily="49" charset="-120"/>
-          </a:endParaRPr>
-        </a:p>
-      </dsp:txBody>
-      <dsp:txXfrm>
-        <a:off x="0" y="312236"/>
-        <a:ext cx="4773612" cy="1167075"/>
-      </dsp:txXfrm>
-    </dsp:sp>
-    <dsp:sp modelId="{674922F1-7266-4681-AD4F-1C618A5FFF23}">
-      <dsp:nvSpPr>
-        <dsp:cNvPr id="0" name=""/>
-        <dsp:cNvSpPr/>
-      </dsp:nvSpPr>
-      <dsp:spPr>
-        <a:xfrm>
-          <a:off x="238680" y="31796"/>
-          <a:ext cx="3341528" cy="560880"/>
-        </a:xfrm>
-        <a:prstGeom prst="roundRect">
-          <a:avLst/>
-        </a:prstGeom>
-        <a:solidFill>
-          <a:schemeClr val="accent3">
-            <a:hueOff val="0"/>
-            <a:satOff val="0"/>
-            <a:lumOff val="0"/>
-            <a:alphaOff val="0"/>
-          </a:schemeClr>
-        </a:solidFill>
-        <a:ln w="12700" cap="flat" cmpd="sng" algn="ctr">
-          <a:solidFill>
-            <a:schemeClr val="lt1">
-              <a:hueOff val="0"/>
-              <a:satOff val="0"/>
-              <a:lumOff val="0"/>
-              <a:alphaOff val="0"/>
-            </a:schemeClr>
-          </a:solidFill>
-          <a:prstDash val="solid"/>
-          <a:miter lim="800000"/>
-        </a:ln>
-        <a:effectLst/>
-      </dsp:spPr>
-      <dsp:style>
-        <a:lnRef idx="2">
-          <a:scrgbClr r="0" g="0" b="0"/>
-        </a:lnRef>
-        <a:fillRef idx="1">
-          <a:scrgbClr r="0" g="0" b="0"/>
-        </a:fillRef>
-        <a:effectRef idx="0">
-          <a:scrgbClr r="0" g="0" b="0"/>
-        </a:effectRef>
-        <a:fontRef idx="minor">
-          <a:schemeClr val="lt1"/>
-        </a:fontRef>
-      </dsp:style>
-      <dsp:txBody>
-        <a:bodyPr spcFirstLastPara="0" vert="horz" wrap="square" lIns="126302" tIns="0" rIns="126302" bIns="0" numCol="1" spcCol="1270" rtlCol="0" anchor="ctr" anchorCtr="0">
-          <a:noAutofit/>
-        </a:bodyPr>
-        <a:lstStyle/>
-        <a:p>
-          <a:pPr lvl="0" algn="l" defTabSz="844550" rtl="0">
-            <a:lnSpc>
-              <a:spcPct val="90000"/>
-            </a:lnSpc>
-            <a:spcBef>
-              <a:spcPct val="0"/>
-            </a:spcBef>
-            <a:spcAft>
-              <a:spcPct val="35000"/>
-            </a:spcAft>
-          </a:pPr>
-          <a:r>
-            <a:rPr lang="zh-TW" altLang="en-US" sz="1900" kern="1200" noProof="0" dirty="0">
-              <a:latin typeface="細明體" panose="02020509000000000000" pitchFamily="49" charset="-120"/>
-              <a:ea typeface="細明體" panose="02020509000000000000" pitchFamily="49" charset="-120"/>
-            </a:rPr>
-            <a:t>群組 </a:t>
-          </a:r>
-          <a:r>
-            <a:rPr lang="en-US" altLang="zh-TW" sz="1900" kern="1200" noProof="0" dirty="0">
-              <a:latin typeface="細明體" panose="02020509000000000000" pitchFamily="49" charset="-120"/>
-              <a:ea typeface="細明體" panose="02020509000000000000" pitchFamily="49" charset="-120"/>
-            </a:rPr>
-            <a:t>A</a:t>
-          </a:r>
-          <a:endParaRPr lang="zh-TW" altLang="en-US" sz="1900" kern="1200" noProof="0" dirty="0">
-            <a:latin typeface="細明體" panose="02020509000000000000" pitchFamily="49" charset="-120"/>
-            <a:ea typeface="細明體" panose="02020509000000000000" pitchFamily="49" charset="-120"/>
-          </a:endParaRPr>
-        </a:p>
-      </dsp:txBody>
-      <dsp:txXfrm>
-        <a:off x="266060" y="59176"/>
-        <a:ext cx="3286768" cy="506120"/>
-      </dsp:txXfrm>
-    </dsp:sp>
-    <dsp:sp modelId="{5282638F-EFF2-4770-BB1A-21455422E45D}">
-      <dsp:nvSpPr>
-        <dsp:cNvPr id="0" name=""/>
-        <dsp:cNvSpPr/>
-      </dsp:nvSpPr>
-      <dsp:spPr>
-        <a:xfrm>
-          <a:off x="0" y="1862351"/>
-          <a:ext cx="4773612" cy="1167075"/>
-        </a:xfrm>
-        <a:prstGeom prst="rect">
-          <a:avLst/>
-        </a:prstGeom>
-        <a:solidFill>
-          <a:schemeClr val="lt1">
-            <a:alpha val="90000"/>
-            <a:hueOff val="0"/>
-            <a:satOff val="0"/>
-            <a:lumOff val="0"/>
-            <a:alphaOff val="0"/>
-          </a:schemeClr>
-        </a:solidFill>
-        <a:ln w="12700" cap="flat" cmpd="sng" algn="ctr">
-          <a:solidFill>
-            <a:schemeClr val="accent3">
-              <a:hueOff val="6261207"/>
-              <a:satOff val="-33630"/>
-              <a:lumOff val="589"/>
-              <a:alphaOff val="0"/>
-            </a:schemeClr>
-          </a:solidFill>
-          <a:prstDash val="solid"/>
-          <a:miter lim="800000"/>
-        </a:ln>
-        <a:effectLst/>
-      </dsp:spPr>
-      <dsp:style>
-        <a:lnRef idx="2">
-          <a:scrgbClr r="0" g="0" b="0"/>
-        </a:lnRef>
-        <a:fillRef idx="1">
-          <a:scrgbClr r="0" g="0" b="0"/>
-        </a:fillRef>
-        <a:effectRef idx="0">
-          <a:scrgbClr r="0" g="0" b="0"/>
-        </a:effectRef>
-        <a:fontRef idx="minor"/>
-      </dsp:style>
-      <dsp:txBody>
-        <a:bodyPr spcFirstLastPara="0" vert="horz" wrap="square" lIns="370485" tIns="395732" rIns="370485" bIns="135128" numCol="1" spcCol="1270" rtlCol="0" anchor="t" anchorCtr="0">
-          <a:noAutofit/>
-        </a:bodyPr>
-        <a:lstStyle/>
-        <a:p>
-          <a:pPr marL="171450" lvl="1" indent="-171450" algn="l" defTabSz="844550" rtl="0">
-            <a:lnSpc>
-              <a:spcPct val="90000"/>
-            </a:lnSpc>
-            <a:spcBef>
-              <a:spcPct val="0"/>
-            </a:spcBef>
-            <a:spcAft>
-              <a:spcPct val="15000"/>
-            </a:spcAft>
-            <a:buChar char="••"/>
-          </a:pPr>
-          <a:r>
-            <a:rPr lang="zh-TW" altLang="en-US" sz="1900" kern="1200" noProof="0" dirty="0" smtClean="0">
-              <a:latin typeface="細明體" panose="02020509000000000000" pitchFamily="49" charset="-120"/>
-              <a:ea typeface="細明體" panose="02020509000000000000" pitchFamily="49" charset="-120"/>
-            </a:rPr>
-            <a:t>工作 </a:t>
-          </a:r>
-          <a:r>
-            <a:rPr lang="en-US" altLang="zh-TW" sz="1900" kern="1200" noProof="0" dirty="0" smtClean="0">
-              <a:latin typeface="細明體" panose="02020509000000000000" pitchFamily="49" charset="-120"/>
-              <a:ea typeface="細明體" panose="02020509000000000000" pitchFamily="49" charset="-120"/>
-            </a:rPr>
-            <a:t>1</a:t>
-          </a:r>
-          <a:endParaRPr lang="en-US" altLang="zh-TW" sz="1900" kern="1200" noProof="0" dirty="0">
-            <a:latin typeface="細明體" panose="02020509000000000000" pitchFamily="49" charset="-120"/>
-            <a:ea typeface="細明體" panose="02020509000000000000" pitchFamily="49" charset="-120"/>
-          </a:endParaRPr>
-        </a:p>
-        <a:p>
-          <a:pPr marL="171450" lvl="1" indent="-171450" algn="l" defTabSz="844550" rtl="0">
-            <a:lnSpc>
-              <a:spcPct val="90000"/>
-            </a:lnSpc>
-            <a:spcBef>
-              <a:spcPct val="0"/>
-            </a:spcBef>
-            <a:spcAft>
-              <a:spcPct val="15000"/>
-            </a:spcAft>
-            <a:buChar char="••"/>
-          </a:pPr>
-          <a:r>
-            <a:rPr lang="zh-TW" altLang="en-US" sz="1900" kern="1200" noProof="0" dirty="0" smtClean="0">
-              <a:latin typeface="細明體" panose="02020509000000000000" pitchFamily="49" charset="-120"/>
-              <a:ea typeface="細明體" panose="02020509000000000000" pitchFamily="49" charset="-120"/>
-            </a:rPr>
-            <a:t>工作 </a:t>
-          </a:r>
-          <a:r>
-            <a:rPr lang="en-US" altLang="zh-TW" sz="1900" kern="1200" noProof="0" dirty="0" smtClean="0">
-              <a:latin typeface="細明體" panose="02020509000000000000" pitchFamily="49" charset="-120"/>
-              <a:ea typeface="細明體" panose="02020509000000000000" pitchFamily="49" charset="-120"/>
-            </a:rPr>
-            <a:t>2</a:t>
-          </a:r>
-          <a:endParaRPr lang="en-US" altLang="zh-TW" sz="1900" kern="1200" noProof="0" dirty="0">
-            <a:latin typeface="細明體" panose="02020509000000000000" pitchFamily="49" charset="-120"/>
-            <a:ea typeface="細明體" panose="02020509000000000000" pitchFamily="49" charset="-120"/>
-          </a:endParaRPr>
-        </a:p>
-      </dsp:txBody>
-      <dsp:txXfrm>
-        <a:off x="0" y="1862351"/>
-        <a:ext cx="4773612" cy="1167075"/>
-      </dsp:txXfrm>
-    </dsp:sp>
-    <dsp:sp modelId="{21EEBBE2-729F-4D85-8CAE-C2B30FF126D2}">
-      <dsp:nvSpPr>
-        <dsp:cNvPr id="0" name=""/>
-        <dsp:cNvSpPr/>
-      </dsp:nvSpPr>
-      <dsp:spPr>
-        <a:xfrm>
-          <a:off x="238680" y="1581911"/>
-          <a:ext cx="3341528" cy="560880"/>
-        </a:xfrm>
-        <a:prstGeom prst="roundRect">
-          <a:avLst/>
-        </a:prstGeom>
-        <a:solidFill>
-          <a:schemeClr val="accent3">
-            <a:hueOff val="6261207"/>
-            <a:satOff val="-33630"/>
-            <a:lumOff val="589"/>
-            <a:alphaOff val="0"/>
-          </a:schemeClr>
-        </a:solidFill>
-        <a:ln w="12700" cap="flat" cmpd="sng" algn="ctr">
-          <a:solidFill>
-            <a:schemeClr val="lt1">
-              <a:hueOff val="0"/>
-              <a:satOff val="0"/>
-              <a:lumOff val="0"/>
-              <a:alphaOff val="0"/>
-            </a:schemeClr>
-          </a:solidFill>
-          <a:prstDash val="solid"/>
-          <a:miter lim="800000"/>
-        </a:ln>
-        <a:effectLst/>
-      </dsp:spPr>
-      <dsp:style>
-        <a:lnRef idx="2">
-          <a:scrgbClr r="0" g="0" b="0"/>
-        </a:lnRef>
-        <a:fillRef idx="1">
-          <a:scrgbClr r="0" g="0" b="0"/>
-        </a:fillRef>
-        <a:effectRef idx="0">
-          <a:scrgbClr r="0" g="0" b="0"/>
-        </a:effectRef>
-        <a:fontRef idx="minor">
-          <a:schemeClr val="lt1"/>
-        </a:fontRef>
-      </dsp:style>
-      <dsp:txBody>
-        <a:bodyPr spcFirstLastPara="0" vert="horz" wrap="square" lIns="126302" tIns="0" rIns="126302" bIns="0" numCol="1" spcCol="1270" rtlCol="0" anchor="ctr" anchorCtr="0">
-          <a:noAutofit/>
-        </a:bodyPr>
-        <a:lstStyle/>
-        <a:p>
-          <a:pPr lvl="0" algn="l" defTabSz="844550" rtl="0">
-            <a:lnSpc>
-              <a:spcPct val="90000"/>
-            </a:lnSpc>
-            <a:spcBef>
-              <a:spcPct val="0"/>
-            </a:spcBef>
-            <a:spcAft>
-              <a:spcPct val="35000"/>
-            </a:spcAft>
-          </a:pPr>
-          <a:r>
-            <a:rPr lang="zh-TW" altLang="en-US" sz="1900" kern="1200" noProof="0" dirty="0" smtClean="0">
-              <a:latin typeface="細明體" panose="02020509000000000000" pitchFamily="49" charset="-120"/>
-              <a:ea typeface="細明體" panose="02020509000000000000" pitchFamily="49" charset="-120"/>
-            </a:rPr>
-            <a:t>群組 </a:t>
-          </a:r>
-          <a:r>
-            <a:rPr lang="en-US" altLang="zh-TW" sz="1900" kern="1200" noProof="0" dirty="0" smtClean="0">
-              <a:latin typeface="細明體" panose="02020509000000000000" pitchFamily="49" charset="-120"/>
-              <a:ea typeface="細明體" panose="02020509000000000000" pitchFamily="49" charset="-120"/>
-            </a:rPr>
-            <a:t>B</a:t>
-          </a:r>
-          <a:endParaRPr lang="en-US" altLang="zh-TW" sz="1900" kern="1200" noProof="0" dirty="0">
-            <a:latin typeface="細明體" panose="02020509000000000000" pitchFamily="49" charset="-120"/>
-            <a:ea typeface="細明體" panose="02020509000000000000" pitchFamily="49" charset="-120"/>
-          </a:endParaRPr>
-        </a:p>
-      </dsp:txBody>
-      <dsp:txXfrm>
-        <a:off x="266060" y="1609291"/>
-        <a:ext cx="3286768" cy="506120"/>
-      </dsp:txXfrm>
-    </dsp:sp>
-    <dsp:sp modelId="{964E6811-5072-4466-B721-689C35A65029}">
-      <dsp:nvSpPr>
-        <dsp:cNvPr id="0" name=""/>
-        <dsp:cNvSpPr/>
-      </dsp:nvSpPr>
-      <dsp:spPr>
-        <a:xfrm>
-          <a:off x="0" y="3412466"/>
-          <a:ext cx="4773612" cy="822937"/>
-        </a:xfrm>
-        <a:prstGeom prst="rect">
-          <a:avLst/>
-        </a:prstGeom>
-        <a:solidFill>
-          <a:schemeClr val="lt1">
-            <a:alpha val="90000"/>
-            <a:hueOff val="0"/>
-            <a:satOff val="0"/>
-            <a:lumOff val="0"/>
-            <a:alphaOff val="0"/>
-          </a:schemeClr>
-        </a:solidFill>
-        <a:ln w="12700" cap="flat" cmpd="sng" algn="ctr">
-          <a:solidFill>
-            <a:schemeClr val="accent3">
-              <a:hueOff val="12522415"/>
-              <a:satOff val="-67259"/>
-              <a:lumOff val="1178"/>
-              <a:alphaOff val="0"/>
-            </a:schemeClr>
-          </a:solidFill>
-          <a:prstDash val="solid"/>
-          <a:miter lim="800000"/>
-        </a:ln>
-        <a:effectLst/>
-      </dsp:spPr>
-      <dsp:style>
-        <a:lnRef idx="2">
-          <a:scrgbClr r="0" g="0" b="0"/>
-        </a:lnRef>
-        <a:fillRef idx="1">
-          <a:scrgbClr r="0" g="0" b="0"/>
-        </a:fillRef>
-        <a:effectRef idx="0">
-          <a:scrgbClr r="0" g="0" b="0"/>
-        </a:effectRef>
-        <a:fontRef idx="minor"/>
-      </dsp:style>
-      <dsp:txBody>
-        <a:bodyPr spcFirstLastPara="0" vert="horz" wrap="square" lIns="370485" tIns="395732" rIns="370485" bIns="135128" numCol="1" spcCol="1270" rtlCol="0" anchor="t" anchorCtr="0">
-          <a:noAutofit/>
-        </a:bodyPr>
-        <a:lstStyle/>
-        <a:p>
-          <a:pPr marL="171450" lvl="1" indent="-171450" algn="l" defTabSz="844550" rtl="0">
-            <a:lnSpc>
-              <a:spcPct val="90000"/>
-            </a:lnSpc>
-            <a:spcBef>
-              <a:spcPct val="0"/>
-            </a:spcBef>
-            <a:spcAft>
-              <a:spcPct val="15000"/>
-            </a:spcAft>
-            <a:buChar char="••"/>
-          </a:pPr>
-          <a:r>
-            <a:rPr lang="zh-TW" altLang="en-US" sz="1900" kern="1200" noProof="0" dirty="0" smtClean="0">
-              <a:latin typeface="細明體" panose="02020509000000000000" pitchFamily="49" charset="-120"/>
-              <a:ea typeface="細明體" panose="02020509000000000000" pitchFamily="49" charset="-120"/>
-            </a:rPr>
-            <a:t>工作 </a:t>
-          </a:r>
-          <a:r>
-            <a:rPr lang="en-US" altLang="zh-TW" sz="1900" kern="1200" noProof="0" dirty="0" smtClean="0">
-              <a:latin typeface="細明體" panose="02020509000000000000" pitchFamily="49" charset="-120"/>
-              <a:ea typeface="細明體" panose="02020509000000000000" pitchFamily="49" charset="-120"/>
-            </a:rPr>
-            <a:t>1</a:t>
-          </a:r>
-          <a:endParaRPr lang="en-US" altLang="zh-TW" sz="1900" kern="1200" noProof="0" dirty="0">
-            <a:latin typeface="細明體" panose="02020509000000000000" pitchFamily="49" charset="-120"/>
-            <a:ea typeface="細明體" panose="02020509000000000000" pitchFamily="49" charset="-120"/>
-          </a:endParaRPr>
-        </a:p>
-      </dsp:txBody>
-      <dsp:txXfrm>
-        <a:off x="0" y="3412466"/>
-        <a:ext cx="4773612" cy="822937"/>
-      </dsp:txXfrm>
-    </dsp:sp>
-    <dsp:sp modelId="{5B203A22-00AF-46E7-9415-C6DAFD7E01CC}">
-      <dsp:nvSpPr>
-        <dsp:cNvPr id="0" name=""/>
-        <dsp:cNvSpPr/>
-      </dsp:nvSpPr>
-      <dsp:spPr>
-        <a:xfrm>
-          <a:off x="238680" y="3132026"/>
-          <a:ext cx="3341528" cy="560880"/>
-        </a:xfrm>
-        <a:prstGeom prst="roundRect">
-          <a:avLst/>
-        </a:prstGeom>
-        <a:solidFill>
-          <a:schemeClr val="accent3">
-            <a:hueOff val="12522415"/>
-            <a:satOff val="-67259"/>
-            <a:lumOff val="1178"/>
-            <a:alphaOff val="0"/>
-          </a:schemeClr>
-        </a:solidFill>
-        <a:ln w="12700" cap="flat" cmpd="sng" algn="ctr">
-          <a:solidFill>
-            <a:schemeClr val="lt1">
-              <a:hueOff val="0"/>
-              <a:satOff val="0"/>
-              <a:lumOff val="0"/>
-              <a:alphaOff val="0"/>
-            </a:schemeClr>
-          </a:solidFill>
-          <a:prstDash val="solid"/>
-          <a:miter lim="800000"/>
-        </a:ln>
-        <a:effectLst/>
-      </dsp:spPr>
-      <dsp:style>
-        <a:lnRef idx="2">
-          <a:scrgbClr r="0" g="0" b="0"/>
-        </a:lnRef>
-        <a:fillRef idx="1">
-          <a:scrgbClr r="0" g="0" b="0"/>
-        </a:fillRef>
-        <a:effectRef idx="0">
-          <a:scrgbClr r="0" g="0" b="0"/>
-        </a:effectRef>
-        <a:fontRef idx="minor">
-          <a:schemeClr val="lt1"/>
-        </a:fontRef>
-      </dsp:style>
-      <dsp:txBody>
-        <a:bodyPr spcFirstLastPara="0" vert="horz" wrap="square" lIns="126302" tIns="0" rIns="126302" bIns="0" numCol="1" spcCol="1270" rtlCol="0" anchor="ctr" anchorCtr="0">
-          <a:noAutofit/>
-        </a:bodyPr>
-        <a:lstStyle/>
-        <a:p>
-          <a:pPr lvl="0" algn="l" defTabSz="844550" rtl="0">
-            <a:lnSpc>
-              <a:spcPct val="90000"/>
-            </a:lnSpc>
-            <a:spcBef>
-              <a:spcPct val="0"/>
-            </a:spcBef>
-            <a:spcAft>
-              <a:spcPct val="35000"/>
-            </a:spcAft>
-          </a:pPr>
-          <a:r>
-            <a:rPr lang="zh-TW" altLang="en-US" sz="1900" kern="1200" noProof="0" dirty="0" smtClean="0">
-              <a:latin typeface="細明體" panose="02020509000000000000" pitchFamily="49" charset="-120"/>
-              <a:ea typeface="細明體" panose="02020509000000000000" pitchFamily="49" charset="-120"/>
-            </a:rPr>
-            <a:t>群組 </a:t>
-          </a:r>
-          <a:r>
-            <a:rPr lang="en-US" altLang="zh-TW" sz="1900" kern="1200" noProof="0" dirty="0" smtClean="0">
-              <a:latin typeface="細明體" panose="02020509000000000000" pitchFamily="49" charset="-120"/>
-              <a:ea typeface="細明體" panose="02020509000000000000" pitchFamily="49" charset="-120"/>
-            </a:rPr>
-            <a:t>C</a:t>
-          </a:r>
-          <a:endParaRPr lang="en-US" altLang="zh-TW" sz="1900" kern="1200" noProof="0" dirty="0">
-            <a:latin typeface="細明體" panose="02020509000000000000" pitchFamily="49" charset="-120"/>
-            <a:ea typeface="細明體" panose="02020509000000000000" pitchFamily="49" charset="-120"/>
-          </a:endParaRPr>
-        </a:p>
-      </dsp:txBody>
-      <dsp:txXfrm>
-        <a:off x="266060" y="3159406"/>
-        <a:ext cx="3286768" cy="506120"/>
-      </dsp:txXfrm>
-    </dsp:sp>
-  </dsp:spTree>
-</dsp:drawing>
-</file>
-
-<file path=ppt/diagrams/layout1.xml><?xml version="1.0" encoding="utf-8"?>
-<dgm:layoutDef xmlns:dgm="http://schemas.openxmlformats.org/drawingml/2006/diagram" xmlns:a="http://schemas.openxmlformats.org/drawingml/2006/main" uniqueId="urn:microsoft.com/office/officeart/2005/8/layout/list1">
-  <dgm:title val=""/>
-  <dgm:desc val=""/>
-  <dgm:catLst>
-    <dgm:cat type="list" pri="4000"/>
-  </dgm:catLst>
-  <dgm:sampData>
-    <dgm:dataModel>
-      <dgm:ptLst>
-        <dgm:pt modelId="0" type="doc"/>
-        <dgm:pt modelId="1">
-          <dgm:prSet phldr="1"/>
-        </dgm:pt>
-        <dgm:pt modelId="2">
-          <dgm:prSet phldr="1"/>
-        </dgm:pt>
-        <dgm:pt modelId="3">
-          <dgm:prSet phldr="1"/>
-        </dgm:pt>
-      </dgm:ptLst>
-      <dgm:cxnLst>
-        <dgm:cxn modelId="4" srcId="0" destId="1" srcOrd="0" destOrd="0"/>
-        <dgm:cxn modelId="5" srcId="0" destId="2" srcOrd="1" destOrd="0"/>
-        <dgm:cxn modelId="6" srcId="0" destId="3" srcOrd="2" destOrd="0"/>
-      </dgm:cxnLst>
-      <dgm:bg/>
-      <dgm:whole/>
-    </dgm:dataModel>
-  </dgm:sampData>
-  <dgm:styleData>
-    <dgm:dataModel>
-      <dgm:ptLst>
-        <dgm:pt modelId="0" type="doc"/>
-        <dgm:pt modelId="1"/>
-        <dgm:pt modelId="2"/>
-      </dgm:ptLst>
-      <dgm:cxnLst>
-        <dgm:cxn modelId="4" srcId="0" destId="1" srcOrd="0" destOrd="0"/>
-        <dgm:cxn modelId="5" srcId="0" destId="2" srcOrd="1" destOrd="0"/>
-      </dgm:cxnLst>
-      <dgm:bg/>
-      <dgm:whole/>
-    </dgm:dataModel>
-  </dgm:styleData>
-  <dgm:clrData>
-    <dgm:dataModel>
-      <dgm:ptLst>
-        <dgm:pt modelId="0" type="doc"/>
-        <dgm:pt modelId="1"/>
-        <dgm:pt modelId="2"/>
-        <dgm:pt modelId="3"/>
-        <dgm:pt modelId="4"/>
-      </dgm:ptLst>
-      <dgm:cxnLst>
-        <dgm:cxn modelId="5" srcId="0" destId="1" srcOrd="0" destOrd="0"/>
-        <dgm:cxn modelId="6" srcId="0" destId="2" srcOrd="1" destOrd="0"/>
-        <dgm:cxn modelId="7" srcId="0" destId="3" srcOrd="2" destOrd="0"/>
-        <dgm:cxn modelId="8" srcId="0" destId="4" srcOrd="3" destOrd="0"/>
-      </dgm:cxnLst>
-      <dgm:bg/>
-      <dgm:whole/>
-    </dgm:dataModel>
-  </dgm:clrData>
-  <dgm:layoutNode name="linear">
-    <dgm:varLst>
-      <dgm:dir/>
-      <dgm:animLvl val="lvl"/>
-      <dgm:resizeHandles val="exact"/>
-    </dgm:varLst>
-    <dgm:choose name="Name0">
-      <dgm:if name="Name1" func="var" arg="dir" op="equ" val="norm">
-        <dgm:alg type="lin">
-          <dgm:param type="linDir" val="fromT"/>
-          <dgm:param type="vertAlign" val="mid"/>
-          <dgm:param type="horzAlign" val="l"/>
-          <dgm:param type="nodeHorzAlign" val="l"/>
-        </dgm:alg>
-      </dgm:if>
-      <dgm:else name="Name2">
-        <dgm:alg type="lin">
-          <dgm:param type="linDir" val="fromT"/>
-          <dgm:param type="vertAlign" val="mid"/>
-          <dgm:param type="horzAlign" val="r"/>
-          <dgm:param type="nodeHorzAlign" val="r"/>
-        </dgm:alg>
-      </dgm:else>
-    </dgm:choose>
-    <dgm:shape xmlns:r="http://schemas.openxmlformats.org/officeDocument/2006/relationships" r:blip="">
-      <dgm:adjLst/>
-    </dgm:shape>
-    <dgm:presOf/>
-    <dgm:constrLst>
-      <dgm:constr type="w" for="ch" forName="parentLin" refType="w"/>
-      <dgm:constr type="h" for="ch" forName="parentLin" val="INF"/>
-      <dgm:constr type="w" for="des" forName="parentLeftMargin" refType="w" fact="0.05"/>
-      <dgm:constr type="w" for="des" forName="parentText" refType="w" fact="0.7"/>
-      <dgm:constr type="h" for="des" forName="parentText" refType="primFontSz" refFor="des" refForName="parentText" fact="0.82"/>
-      <dgm:constr type="h" for="ch" forName="negativeSpace" refType="primFontSz" refFor="des" refForName="parentText" fact="-0.41"/>
-      <dgm:constr type="h" for="ch" forName="negativeSpace" refType="h" refFor="des" refForName="parentText" op="lte" fact="-0.82"/>
-      <dgm:constr type="h" for="ch" forName="negativeSpace" refType="h" refFor="des" refForName="parentText" op="gte" fact="-0.82"/>
-      <dgm:constr type="w" for="ch" forName="childText" refType="w"/>
-      <dgm:constr type="h" for="ch" forName="childText" refType="primFontSz" refFor="des" refForName="parentText" fact="0.7"/>
-      <dgm:constr type="primFontSz" for="des" forName="parentText" val="65"/>
-      <dgm:constr type="primFontSz" for="ch" forName="childText" refType="primFontSz" refFor="des" refForName="parentText"/>
-      <dgm:constr type="tMarg" for="ch" forName="childText" refType="primFontSz" refFor="des" refForName="parentText" fact="1.64"/>
-      <dgm:constr type="tMarg" for="ch" forName="childText" refType="h" refFor="des" refForName="parentText" op="lte" fact="3.28"/>
-      <dgm:constr type="tMarg" for="ch" forName="childText" refType="h" refFor="des" refForName="parentText" op="gte" fact="3.28"/>
-      <dgm:constr type="lMarg" for="ch" forName="childText" refType="w" fact="0.22"/>
-      <dgm:constr type="rMarg" for="ch" forName="childText" refType="lMarg" refFor="ch" refForName="childText"/>
-      <dgm:constr type="lMarg" for="des" forName="parentText" refType="w" fact="0.075"/>
-      <dgm:constr type="rMarg" for="des" forName="parentText" refType="lMarg" refFor="des" refForName="parentText"/>
-      <dgm:constr type="h" for="ch" forName="spaceBetweenRectangles" refType="primFontSz" refFor="des" refForName="parentText" fact="0.15"/>
-    </dgm:constrLst>
-    <dgm:ruleLst>
-      <dgm:rule type="primFontSz" for="des" forName="parentText" val="5" fact="NaN" max="NaN"/>
-    </dgm:ruleLst>
-    <dgm:forEach name="Name3" axis="ch" ptType="node">
-      <dgm:layoutNode name="parentLin">
-        <dgm:choose name="Name4">
-          <dgm:if name="Name5" func="var" arg="dir" op="equ" val="norm">
-            <dgm:alg type="lin">
-              <dgm:param type="linDir" val="fromL"/>
-              <dgm:param type="horzAlign" val="l"/>
-              <dgm:param type="nodeHorzAlign" val="l"/>
-            </dgm:alg>
-          </dgm:if>
-          <dgm:else name="Name6">
-            <dgm:alg type="lin">
-              <dgm:param type="linDir" val="fromR"/>
-              <dgm:param type="horzAlign" val="r"/>
-              <dgm:param type="nodeHorzAlign" val="r"/>
-            </dgm:alg>
-          </dgm:else>
-        </dgm:choose>
-        <dgm:shape xmlns:r="http://schemas.openxmlformats.org/officeDocument/2006/relationships" r:blip="">
-          <dgm:adjLst/>
-        </dgm:shape>
-        <dgm:presOf/>
-        <dgm:constrLst/>
-        <dgm:ruleLst/>
-        <dgm:layoutNode name="parentLeftMargin">
-          <dgm:alg type="sp"/>
-          <dgm:shape xmlns:r="http://schemas.openxmlformats.org/officeDocument/2006/relationships" type="rect" r:blip="" hideGeom="1">
-            <dgm:adjLst/>
-          </dgm:shape>
-          <dgm:presOf axis="self"/>
-          <dgm:constrLst>
-            <dgm:constr type="h"/>
-          </dgm:constrLst>
-          <dgm:ruleLst/>
-        </dgm:layoutNode>
-        <dgm:layoutNode name="parentText" styleLbl="node1">
-          <dgm:varLst>
-            <dgm:chMax val="0"/>
-            <dgm:bulletEnabled val="1"/>
-          </dgm:varLst>
-          <dgm:choose name="Name7">
-            <dgm:if name="Name8" func="var" arg="dir" op="equ" val="norm">
-              <dgm:alg type="tx">
-                <dgm:param type="parTxLTRAlign" val="l"/>
-                <dgm:param type="parTxRTLAlign" val="l"/>
-              </dgm:alg>
-            </dgm:if>
-            <dgm:else name="Name9">
-              <dgm:alg type="tx">
-                <dgm:param type="parTxLTRAlign" val="r"/>
-                <dgm:param type="parTxRTLAlign" val="r"/>
-              </dgm:alg>
-            </dgm:else>
-          </dgm:choose>
-          <dgm:shape xmlns:r="http://schemas.openxmlformats.org/officeDocument/2006/relationships" type="roundRect" r:blip="">
-            <dgm:adjLst/>
-          </dgm:shape>
-          <dgm:presOf axis="self" ptType="node"/>
-          <dgm:constrLst>
-            <dgm:constr type="tMarg"/>
-            <dgm:constr type="bMarg"/>
-          </dgm:constrLst>
-          <dgm:ruleLst/>
-        </dgm:layoutNode>
-      </dgm:layoutNode>
-      <dgm:layoutNode name="negativeSpace">
-        <dgm:alg type="sp"/>
-        <dgm:shape xmlns:r="http://schemas.openxmlformats.org/officeDocument/2006/relationships" r:blip="">
-          <dgm:adjLst/>
-        </dgm:shape>
-        <dgm:presOf/>
-        <dgm:constrLst/>
-        <dgm:ruleLst/>
-      </dgm:layoutNode>
-      <dgm:layoutNode name="childText" styleLbl="conFgAcc1">
-        <dgm:varLst>
-          <dgm:bulletEnabled val="1"/>
-        </dgm:varLst>
-        <dgm:alg type="tx">
-          <dgm:param type="stBulletLvl" val="1"/>
-        </dgm:alg>
-        <dgm:shape xmlns:r="http://schemas.openxmlformats.org/officeDocument/2006/relationships" type="rect" r:blip="" zOrderOff="-2">
-          <dgm:adjLst/>
-        </dgm:shape>
-        <dgm:presOf axis="des" ptType="node"/>
-        <dgm:constrLst>
-          <dgm:constr type="secFontSz" refType="primFontSz"/>
-        </dgm:constrLst>
-        <dgm:ruleLst>
-          <dgm:rule type="h" val="INF" fact="NaN" max="NaN"/>
-        </dgm:ruleLst>
-      </dgm:layoutNode>
-      <dgm:forEach name="Name10" axis="followSib" ptType="sibTrans" cnt="1">
-        <dgm:layoutNode name="spaceBetweenRectangles">
-          <dgm:alg type="sp"/>
-          <dgm:shape xmlns:r="http://schemas.openxmlformats.org/officeDocument/2006/relationships" r:blip="">
-            <dgm:adjLst/>
-          </dgm:shape>
-          <dgm:presOf/>
-          <dgm:constrLst/>
-          <dgm:ruleLst/>
-        </dgm:layoutNode>
-      </dgm:forEach>
-    </dgm:forEach>
-  </dgm:layoutNode>
-</dgm:layoutDef>
-</file>
-
-<file path=ppt/diagrams/quickStyle1.xml><?xml version="1.0" encoding="utf-8"?>
-<dgm:styleDef xmlns:dgm="http://schemas.openxmlformats.org/drawingml/2006/diagram" xmlns:a="http://schemas.openxmlformats.org/drawingml/2006/main" uniqueId="urn:microsoft.com/office/officeart/2005/8/quickstyle/simple1">
-  <dgm:title val=""/>
-  <dgm:desc val=""/>
-  <dgm:catLst>
-    <dgm:cat type="simple" pri="10100"/>
-  </dgm:catLst>
-  <dgm:scene3d>
-    <a:camera prst="orthographicFront"/>
-    <a:lightRig rig="threePt" dir="t"/>
-  </dgm:scene3d>
-  <dgm:styleLbl name="node0">
-    <dgm:scene3d>
-      <a:camera prst="orthographicFront"/>
-      <a:lightRig rig="threePt" dir="t"/>
-    </dgm:scene3d>
-    <dgm:sp3d/>
-    <dgm:txPr/>
-    <dgm:style>
-      <a:lnRef idx="2">
-        <a:scrgbClr r="0" g="0" b="0"/>
-      </a:lnRef>
-      <a:fillRef idx="1">
-        <a:scrgbClr r="0" g="0" b="0"/>
-      </a:fillRef>
-      <a:effectRef idx="0">
-        <a:scrgbClr r="0" g="0" b="0"/>
-      </a:effectRef>
-      <a:fontRef idx="minor">
-        <a:schemeClr val="lt1"/>
-      </a:fontRef>
-    </dgm:style>
-  </dgm:styleLbl>
-  <dgm:styleLbl name="lnNode1">
-    <dgm:scene3d>
-      <a:camera prst="orthographicFront"/>
-      <a:lightRig rig="threePt" dir="t"/>
-    </dgm:scene3d>
-    <dgm:sp3d/>
-    <dgm:txPr/>
-    <dgm:style>
-      <a:lnRef idx="2">
-        <a:scrgbClr r="0" g="0" b="0"/>
-      </a:lnRef>
-      <a:fillRef idx="1">
-        <a:scrgbClr r="0" g="0" b="0"/>
-      </a:fillRef>
-      <a:effectRef idx="0">
-        <a:scrgbClr r="0" g="0" b="0"/>
-      </a:effectRef>
-      <a:fontRef idx="minor">
-        <a:schemeClr val="lt1"/>
-      </a:fontRef>
-    </dgm:style>
-  </dgm:styleLbl>
-  <dgm:styleLbl name="vennNode1">
-    <dgm:scene3d>
-      <a:camera prst="orthographicFront"/>
-      <a:lightRig rig="threePt" dir="t"/>
-    </dgm:scene3d>
-    <dgm:sp3d/>
-    <dgm:txPr/>
-    <dgm:style>
-      <a:lnRef idx="2">
-        <a:scrgbClr r="0" g="0" b="0"/>
-      </a:lnRef>
-      <a:fillRef idx="1">
-        <a:scrgbClr r="0" g="0" b="0"/>
-      </a:fillRef>
-      <a:effectRef idx="0">
-        <a:scrgbClr r="0" g="0" b="0"/>
-      </a:effectRef>
-      <a:fontRef idx="minor">
-        <a:schemeClr val="tx1"/>
-      </a:fontRef>
-    </dgm:style>
-  </dgm:styleLbl>
-  <dgm:styleLbl name="alignNode1">
-    <dgm:scene3d>
-      <a:camera prst="orthographicFront"/>
-      <a:lightRig rig="threePt" dir="t"/>
-    </dgm:scene3d>
-    <dgm:sp3d/>
-    <dgm:txPr/>
-    <dgm:style>
-      <a:lnRef idx="2">
-        <a:scrgbClr r="0" g="0" b="0"/>
-      </a:lnRef>
-      <a:fillRef idx="1">
-        <a:scrgbClr r="0" g="0" b="0"/>
-      </a:fillRef>
-      <a:effectRef idx="0">
-        <a:scrgbClr r="0" g="0" b="0"/>
-      </a:effectRef>
-      <a:fontRef idx="minor">
-        <a:schemeClr val="lt1"/>
-      </a:fontRef>
-    </dgm:style>
-  </dgm:styleLbl>
-  <dgm:styleLbl name="node1">
-    <dgm:scene3d>
-      <a:camera prst="orthographicFront"/>
-      <a:lightRig rig="threePt" dir="t"/>
-    </dgm:scene3d>
-    <dgm:sp3d/>
-    <dgm:txPr/>
-    <dgm:style>
-      <a:lnRef idx="2">
-        <a:scrgbClr r="0" g="0" b="0"/>
-      </a:lnRef>
-      <a:fillRef idx="1">
-        <a:scrgbClr r="0" g="0" b="0"/>
-      </a:fillRef>
-      <a:effectRef idx="0">
-        <a:scrgbClr r="0" g="0" b="0"/>
-      </a:effectRef>
-      <a:fontRef idx="minor">
-        <a:schemeClr val="lt1"/>
-      </a:fontRef>
-    </dgm:style>
-  </dgm:styleLbl>
-  <dgm:styleLbl name="node2">
-    <dgm:scene3d>
-      <a:camera prst="orthographicFront"/>
-      <a:lightRig rig="threePt" dir="t"/>
-    </dgm:scene3d>
-    <dgm:sp3d/>
-    <dgm:txPr/>
-    <dgm:style>
-      <a:lnRef idx="2">
-        <a:scrgbClr r="0" g="0" b="0"/>
-      </a:lnRef>
-      <a:fillRef idx="1">
-        <a:scrgbClr r="0" g="0" b="0"/>
-      </a:fillRef>
-      <a:effectRef idx="0">
-        <a:scrgbClr r="0" g="0" b="0"/>
-      </a:effectRef>
-      <a:fontRef idx="minor">
-        <a:schemeClr val="lt1"/>
-      </a:fontRef>
-    </dgm:style>
-  </dgm:styleLbl>
-  <dgm:styleLbl name="node3">
-    <dgm:scene3d>
-      <a:camera prst="orthographicFront"/>
-      <a:lightRig rig="threePt" dir="t"/>
-    </dgm:scene3d>
-    <dgm:sp3d/>
-    <dgm:txPr/>
-    <dgm:style>
-      <a:lnRef idx="2">
-        <a:scrgbClr r="0" g="0" b="0"/>
-      </a:lnRef>
-      <a:fillRef idx="1">
-        <a:scrgbClr r="0" g="0" b="0"/>
-      </a:fillRef>
-      <a:effectRef idx="0">
-        <a:scrgbClr r="0" g="0" b="0"/>
-      </a:effectRef>
-      <a:fontRef idx="minor">
-        <a:schemeClr val="lt1"/>
-      </a:fontRef>
-    </dgm:style>
-  </dgm:styleLbl>
-  <dgm:styleLbl name="node4">
-    <dgm:scene3d>
-      <a:camera prst="orthographicFront"/>
-      <a:lightRig rig="threePt" dir="t"/>
-    </dgm:scene3d>
-    <dgm:sp3d/>
-    <dgm:txPr/>
-    <dgm:style>
-      <a:lnRef idx="2">
-        <a:scrgbClr r="0" g="0" b="0"/>
-      </a:lnRef>
-      <a:fillRef idx="1">
-        <a:scrgbClr r="0" g="0" b="0"/>
-      </a:fillRef>
-      <a:effectRef idx="0">
-        <a:scrgbClr r="0" g="0" b="0"/>
-      </a:effectRef>
-      <a:fontRef idx="minor">
-        <a:schemeClr val="lt1"/>
-      </a:fontRef>
-    </dgm:style>
-  </dgm:styleLbl>
-  <dgm:styleLbl name="fgImgPlace1">
-    <dgm:scene3d>
-      <a:camera prst="orthographicFront"/>
-      <a:lightRig rig="threePt" dir="t"/>
-    </dgm:scene3d>
-    <dgm:sp3d/>
-    <dgm:txPr/>
-    <dgm:style>
-      <a:lnRef idx="2">
-        <a:scrgbClr r="0" g="0" b="0"/>
-      </a:lnRef>
-      <a:fillRef idx="1">
-        <a:scrgbClr r="0" g="0" b="0"/>
-      </a:fillRef>
-      <a:effectRef idx="0">
-        <a:scrgbClr r="0" g="0" b="0"/>
-      </a:effectRef>
-      <a:fontRef idx="minor"/>
-    </dgm:style>
-  </dgm:styleLbl>
-  <dgm:styleLbl name="alignImgPlace1">
-    <dgm:scene3d>
-      <a:camera prst="orthographicFront"/>
-      <a:lightRig rig="threePt" dir="t"/>
-    </dgm:scene3d>
-    <dgm:sp3d/>
-    <dgm:txPr/>
-    <dgm:style>
-      <a:lnRef idx="2">
-        <a:scrgbClr r="0" g="0" b="0"/>
-      </a:lnRef>
-      <a:fillRef idx="1">
-        <a:scrgbClr r="0" g="0" b="0"/>
-      </a:fillRef>
-      <a:effectRef idx="0">
-        <a:scrgbClr r="0" g="0" b="0"/>
-      </a:effectRef>
-      <a:fontRef idx="minor"/>
-    </dgm:style>
-  </dgm:styleLbl>
-  <dgm:styleLbl name="bgImgPlace1">
-    <dgm:scene3d>
-      <a:camera prst="orthographicFront"/>
-      <a:lightRig rig="threePt" dir="t"/>
-    </dgm:scene3d>
-    <dgm:sp3d/>
-    <dgm:txPr/>
-    <dgm:style>
-      <a:lnRef idx="2">
-        <a:scrgbClr r="0" g="0" b="0"/>
-      </a:lnRef>
-      <a:fillRef idx="1">
-        <a:scrgbClr r="0" g="0" b="0"/>
-      </a:fillRef>
-      <a:effectRef idx="0">
-        <a:scrgbClr r="0" g="0" b="0"/>
-      </a:effectRef>
-      <a:fontRef idx="minor"/>
-    </dgm:style>
-  </dgm:styleLbl>
-  <dgm:styleLbl name="sibTrans2D1">
-    <dgm:scene3d>
-      <a:camera prst="orthographicFront"/>
-      <a:lightRig rig="threePt" dir="t"/>
-    </dgm:scene3d>
-    <dgm:sp3d/>
-    <dgm:txPr/>
-    <dgm:style>
-      <a:lnRef idx="0">
-        <a:scrgbClr r="0" g="0" b="0"/>
-      </a:lnRef>
-      <a:fillRef idx="1">
-        <a:scrgbClr r="0" g="0" b="0"/>
-      </a:fillRef>
-      <a:effectRef idx="0">
-        <a:scrgbClr r="0" g="0" b="0"/>
-      </a:effectRef>
-      <a:fontRef idx="minor">
-        <a:schemeClr val="lt1"/>
-      </a:fontRef>
-    </dgm:style>
-  </dgm:styleLbl>
-  <dgm:styleLbl name="fgSibTrans2D1">
-    <dgm:scene3d>
-      <a:camera prst="orthographicFront"/>
-      <a:lightRig rig="threePt" dir="t"/>
-    </dgm:scene3d>
-    <dgm:sp3d/>
-    <dgm:txPr/>
-    <dgm:style>
-      <a:lnRef idx="0">
-        <a:scrgbClr r="0" g="0" b="0"/>
-      </a:lnRef>
-      <a:fillRef idx="1">
-        <a:scrgbClr r="0" g="0" b="0"/>
-      </a:fillRef>
-      <a:effectRef idx="0">
-        <a:scrgbClr r="0" g="0" b="0"/>
-      </a:effectRef>
-      <a:fontRef idx="minor">
-        <a:schemeClr val="lt1"/>
-      </a:fontRef>
-    </dgm:style>
-  </dgm:styleLbl>
-  <dgm:styleLbl name="bgSibTrans2D1">
-    <dgm:scene3d>
-      <a:camera prst="orthographicFront"/>
-      <a:lightRig rig="threePt" dir="t"/>
-    </dgm:scene3d>
-    <dgm:sp3d/>
-    <dgm:txPr/>
-    <dgm:style>
-      <a:lnRef idx="0">
-        <a:scrgbClr r="0" g="0" b="0"/>
-      </a:lnRef>
-      <a:fillRef idx="1">
-        <a:scrgbClr r="0" g="0" b="0"/>
-      </a:fillRef>
-      <a:effectRef idx="0">
-        <a:scrgbClr r="0" g="0" b="0"/>
-      </a:effectRef>
-      <a:fontRef idx="minor">
-        <a:schemeClr val="lt1"/>
-      </a:fontRef>
-    </dgm:style>
-  </dgm:styleLbl>
-  <dgm:styleLbl name="sibTrans1D1">
-    <dgm:scene3d>
-      <a:camera prst="orthographicFront"/>
-      <a:lightRig rig="threePt" dir="t"/>
-    </dgm:scene3d>
-    <dgm:sp3d/>
-    <dgm:txPr/>
-    <dgm:style>
-      <a:lnRef idx="1">
-        <a:scrgbClr r="0" g="0" b="0"/>
-      </a:lnRef>
-      <a:fillRef idx="0">
-        <a:scrgbClr r="0" g="0" b="0"/>
-      </a:fillRef>
-      <a:effectRef idx="0">
-        <a:scrgbClr r="0" g="0" b="0"/>
-      </a:effectRef>
-      <a:fontRef idx="minor"/>
-    </dgm:style>
-  </dgm:styleLbl>
-  <dgm:styleLbl name="callout">
-    <dgm:scene3d>
-      <a:camera prst="orthographicFront"/>
-      <a:lightRig rig="threePt" dir="t"/>
-    </dgm:scene3d>
-    <dgm:sp3d/>
-    <dgm:txPr/>
-    <dgm:style>
-      <a:lnRef idx="2">
-        <a:scrgbClr r="0" g="0" b="0"/>
-      </a:lnRef>
-      <a:fillRef idx="1">
-        <a:scrgbClr r="0" g="0" b="0"/>
-      </a:fillRef>
-      <a:effectRef idx="0">
-        <a:scrgbClr r="0" g="0" b="0"/>
-      </a:effectRef>
-      <a:fontRef idx="minor"/>
-    </dgm:style>
-  </dgm:styleLbl>
-  <dgm:styleLbl name="asst0">
-    <dgm:scene3d>
-      <a:camera prst="orthographicFront"/>
-      <a:lightRig rig="threePt" dir="t"/>
-    </dgm:scene3d>
-    <dgm:sp3d/>
-    <dgm:txPr/>
-    <dgm:style>
-      <a:lnRef idx="2">
-        <a:scrgbClr r="0" g="0" b="0"/>
-      </a:lnRef>
-      <a:fillRef idx="1">
-        <a:scrgbClr r="0" g="0" b="0"/>
-      </a:fillRef>
-      <a:effectRef idx="0">
-        <a:scrgbClr r="0" g="0" b="0"/>
-      </a:effectRef>
-      <a:fontRef idx="minor">
-        <a:schemeClr val="lt1"/>
-      </a:fontRef>
-    </dgm:style>
-  </dgm:styleLbl>
-  <dgm:styleLbl name="asst1">
-    <dgm:scene3d>
-      <a:camera prst="orthographicFront"/>
-      <a:lightRig rig="threePt" dir="t"/>
-    </dgm:scene3d>
-    <dgm:sp3d/>
-    <dgm:txPr/>
-    <dgm:style>
-      <a:lnRef idx="2">
-        <a:scrgbClr r="0" g="0" b="0"/>
-      </a:lnRef>
-      <a:fillRef idx="1">
-        <a:scrgbClr r="0" g="0" b="0"/>
-      </a:fillRef>
-      <a:effectRef idx="0">
-        <a:scrgbClr r="0" g="0" b="0"/>
-      </a:effectRef>
-      <a:fontRef idx="minor">
-        <a:schemeClr val="lt1"/>
-      </a:fontRef>
-    </dgm:style>
-  </dgm:styleLbl>
-  <dgm:styleLbl name="asst2">
-    <dgm:scene3d>
-      <a:camera prst="orthographicFront"/>
-      <a:lightRig rig="threePt" dir="t"/>
-    </dgm:scene3d>
-    <dgm:sp3d/>
-    <dgm:txPr/>
-    <dgm:style>
-      <a:lnRef idx="2">
-        <a:scrgbClr r="0" g="0" b="0"/>
-      </a:lnRef>
-      <a:fillRef idx="1">
-        <a:scrgbClr r="0" g="0" b="0"/>
-      </a:fillRef>
-      <a:effectRef idx="0">
-        <a:scrgbClr r="0" g="0" b="0"/>
-      </a:effectRef>
-      <a:fontRef idx="minor">
-        <a:schemeClr val="lt1"/>
-      </a:fontRef>
-    </dgm:style>
-  </dgm:styleLbl>
-  <dgm:styleLbl name="asst3">
-    <dgm:scene3d>
-      <a:camera prst="orthographicFront"/>
-      <a:lightRig rig="threePt" dir="t"/>
-    </dgm:scene3d>
-    <dgm:sp3d/>
-    <dgm:txPr/>
-    <dgm:style>
-      <a:lnRef idx="2">
-        <a:scrgbClr r="0" g="0" b="0"/>
-      </a:lnRef>
-      <a:fillRef idx="1">
-        <a:scrgbClr r="0" g="0" b="0"/>
-      </a:fillRef>
-      <a:effectRef idx="0">
-        <a:scrgbClr r="0" g="0" b="0"/>
-      </a:effectRef>
-      <a:fontRef idx="minor">
-        <a:schemeClr val="lt1"/>
-      </a:fontRef>
-    </dgm:style>
-  </dgm:styleLbl>
-  <dgm:styleLbl name="asst4">
-    <dgm:scene3d>
-      <a:camera prst="orthographicFront"/>
-      <a:lightRig rig="threePt" dir="t"/>
-    </dgm:scene3d>
-    <dgm:sp3d/>
-    <dgm:txPr/>
-    <dgm:style>
-      <a:lnRef idx="2">
-        <a:scrgbClr r="0" g="0" b="0"/>
-      </a:lnRef>
-      <a:fillRef idx="1">
-        <a:scrgbClr r="0" g="0" b="0"/>
-      </a:fillRef>
-      <a:effectRef idx="0">
-        <a:scrgbClr r="0" g="0" b="0"/>
-      </a:effectRef>
-      <a:fontRef idx="minor">
-        <a:schemeClr val="lt1"/>
-      </a:fontRef>
-    </dgm:style>
-  </dgm:styleLbl>
-  <dgm:styleLbl name="parChTrans2D1">
-    <dgm:scene3d>
-      <a:camera prst="orthographicFront"/>
-      <a:lightRig rig="threePt" dir="t"/>
-    </dgm:scene3d>
-    <dgm:sp3d/>
-    <dgm:txPr/>
-    <dgm:style>
-      <a:lnRef idx="2">
-        <a:scrgbClr r="0" g="0" b="0"/>
-      </a:lnRef>
-      <a:fillRef idx="1">
-        <a:scrgbClr r="0" g="0" b="0"/>
-      </a:fillRef>
-      <a:effectRef idx="0">
-        <a:scrgbClr r="0" g="0" b="0"/>
-      </a:effectRef>
-      <a:fontRef idx="minor">
-        <a:schemeClr val="lt1"/>
-      </a:fontRef>
-    </dgm:style>
-  </dgm:styleLbl>
-  <dgm:styleLbl name="parChTrans2D2">
-    <dgm:scene3d>
-      <a:camera prst="orthographicFront"/>
-      <a:lightRig rig="threePt" dir="t"/>
-    </dgm:scene3d>
-    <dgm:sp3d/>
-    <dgm:txPr/>
-    <dgm:style>
-      <a:lnRef idx="2">
-        <a:scrgbClr r="0" g="0" b="0"/>
-      </a:lnRef>
-      <a:fillRef idx="1">
-        <a:scrgbClr r="0" g="0" b="0"/>
-      </a:fillRef>
-      <a:effectRef idx="0">
-        <a:scrgbClr r="0" g="0" b="0"/>
-      </a:effectRef>
-      <a:fontRef idx="minor">
-        <a:schemeClr val="lt1"/>
-      </a:fontRef>
-    </dgm:style>
-  </dgm:styleLbl>
-  <dgm:styleLbl name="parChTrans2D3">
-    <dgm:scene3d>
-      <a:camera prst="orthographicFront"/>
-      <a:lightRig rig="threePt" dir="t"/>
-    </dgm:scene3d>
-    <dgm:sp3d/>
-    <dgm:txPr/>
-    <dgm:style>
-      <a:lnRef idx="2">
-        <a:scrgbClr r="0" g="0" b="0"/>
-      </a:lnRef>
-      <a:fillRef idx="1">
-        <a:scrgbClr r="0" g="0" b="0"/>
-      </a:fillRef>
-      <a:effectRef idx="0">
-        <a:scrgbClr r="0" g="0" b="0"/>
-      </a:effectRef>
-      <a:fontRef idx="minor">
-        <a:schemeClr val="lt1"/>
-      </a:fontRef>
-    </dgm:style>
-  </dgm:styleLbl>
-  <dgm:styleLbl name="parChTrans2D4">
-    <dgm:scene3d>
-      <a:camera prst="orthographicFront"/>
-      <a:lightRig rig="threePt" dir="t"/>
-    </dgm:scene3d>
-    <dgm:sp3d/>
-    <dgm:txPr/>
-    <dgm:style>
-      <a:lnRef idx="2">
-        <a:scrgbClr r="0" g="0" b="0"/>
-      </a:lnRef>
-      <a:fillRef idx="1">
-        <a:scrgbClr r="0" g="0" b="0"/>
-      </a:fillRef>
-      <a:effectRef idx="0">
-        <a:scrgbClr r="0" g="0" b="0"/>
-      </a:effectRef>
-      <a:fontRef idx="minor">
-        <a:schemeClr val="lt1"/>
-      </a:fontRef>
-    </dgm:style>
-  </dgm:styleLbl>
-  <dgm:styleLbl name="parChTrans1D1">
-    <dgm:scene3d>
-      <a:camera prst="orthographicFront"/>
-      <a:lightRig rig="threePt" dir="t"/>
-    </dgm:scene3d>
-    <dgm:sp3d/>
-    <dgm:txPr/>
-    <dgm:style>
-      <a:lnRef idx="2">
-        <a:scrgbClr r="0" g="0" b="0"/>
-      </a:lnRef>
-      <a:fillRef idx="0">
-        <a:scrgbClr r="0" g="0" b="0"/>
-      </a:fillRef>
-      <a:effectRef idx="0">
-        <a:scrgbClr r="0" g="0" b="0"/>
-      </a:effectRef>
-      <a:fontRef idx="minor"/>
-    </dgm:style>
-  </dgm:styleLbl>
-  <dgm:styleLbl name="parChTrans1D2">
-    <dgm:scene3d>
-      <a:camera prst="orthographicFront"/>
-      <a:lightRig rig="threePt" dir="t"/>
-    </dgm:scene3d>
-    <dgm:sp3d/>
-    <dgm:txPr/>
-    <dgm:style>
-      <a:lnRef idx="2">
-        <a:scrgbClr r="0" g="0" b="0"/>
-      </a:lnRef>
-      <a:fillRef idx="0">
-        <a:scrgbClr r="0" g="0" b="0"/>
-      </a:fillRef>
-      <a:effectRef idx="0">
-        <a:scrgbClr r="0" g="0" b="0"/>
-      </a:effectRef>
-      <a:fontRef idx="minor"/>
-    </dgm:style>
-  </dgm:styleLbl>
-  <dgm:styleLbl name="parChTrans1D3">
-    <dgm:scene3d>
-      <a:camera prst="orthographicFront"/>
-      <a:lightRig rig="threePt" dir="t"/>
-    </dgm:scene3d>
-    <dgm:sp3d/>
-    <dgm:txPr/>
-    <dgm:style>
-      <a:lnRef idx="2">
-        <a:scrgbClr r="0" g="0" b="0"/>
-      </a:lnRef>
-      <a:fillRef idx="0">
-        <a:scrgbClr r="0" g="0" b="0"/>
-      </a:fillRef>
-      <a:effectRef idx="0">
-        <a:scrgbClr r="0" g="0" b="0"/>
-      </a:effectRef>
-      <a:fontRef idx="minor"/>
-    </dgm:style>
-  </dgm:styleLbl>
-  <dgm:styleLbl name="parChTrans1D4">
-    <dgm:scene3d>
-      <a:camera prst="orthographicFront"/>
-      <a:lightRig rig="threePt" dir="t"/>
-    </dgm:scene3d>
-    <dgm:sp3d/>
-    <dgm:txPr/>
-    <dgm:style>
-      <a:lnRef idx="2">
-        <a:scrgbClr r="0" g="0" b="0"/>
-      </a:lnRef>
-      <a:fillRef idx="0">
-        <a:scrgbClr r="0" g="0" b="0"/>
-      </a:fillRef>
-      <a:effectRef idx="0">
-        <a:scrgbClr r="0" g="0" b="0"/>
-      </a:effectRef>
-      <a:fontRef idx="minor"/>
-    </dgm:style>
-  </dgm:styleLbl>
-  <dgm:styleLbl name="fgAcc1">
-    <dgm:scene3d>
-      <a:camera prst="orthographicFront"/>
-      <a:lightRig rig="threePt" dir="t"/>
-    </dgm:scene3d>
-    <dgm:sp3d/>
-    <dgm:txPr/>
-    <dgm:style>
-      <a:lnRef idx="2">
-        <a:scrgbClr r="0" g="0" b="0"/>
-      </a:lnRef>
-      <a:fillRef idx="1">
-        <a:scrgbClr r="0" g="0" b="0"/>
-      </a:fillRef>
-      <a:effectRef idx="0">
-        <a:scrgbClr r="0" g="0" b="0"/>
-      </a:effectRef>
-      <a:fontRef idx="minor"/>
-    </dgm:style>
-  </dgm:styleLbl>
-  <dgm:styleLbl name="conFgAcc1">
-    <dgm:scene3d>
-      <a:camera prst="orthographicFront"/>
-      <a:lightRig rig="threePt" dir="t"/>
-    </dgm:scene3d>
-    <dgm:sp3d/>
-    <dgm:txPr/>
-    <dgm:style>
-      <a:lnRef idx="2">
-        <a:scrgbClr r="0" g="0" b="0"/>
-      </a:lnRef>
-      <a:fillRef idx="1">
-        <a:scrgbClr r="0" g="0" b="0"/>
-      </a:fillRef>
-      <a:effectRef idx="0">
-        <a:scrgbClr r="0" g="0" b="0"/>
-      </a:effectRef>
-      <a:fontRef idx="minor"/>
-    </dgm:style>
-  </dgm:styleLbl>
-  <dgm:styleLbl name="alignAcc1">
-    <dgm:scene3d>
-      <a:camera prst="orthographicFront"/>
-      <a:lightRig rig="threePt" dir="t"/>
-    </dgm:scene3d>
-    <dgm:sp3d/>
-    <dgm:txPr/>
-    <dgm:style>
-      <a:lnRef idx="2">
-        <a:scrgbClr r="0" g="0" b="0"/>
-      </a:lnRef>
-      <a:fillRef idx="1">
-        <a:scrgbClr r="0" g="0" b="0"/>
-      </a:fillRef>
-      <a:effectRef idx="0">
-        <a:scrgbClr r="0" g="0" b="0"/>
-      </a:effectRef>
-      <a:fontRef idx="minor"/>
-    </dgm:style>
-  </dgm:styleLbl>
-  <dgm:styleLbl name="trAlignAcc1">
-    <dgm:scene3d>
-      <a:camera prst="orthographicFront"/>
-      <a:lightRig rig="threePt" dir="t"/>
-    </dgm:scene3d>
-    <dgm:sp3d/>
-    <dgm:txPr/>
-    <dgm:style>
-      <a:lnRef idx="1">
-        <a:scrgbClr r="0" g="0" b="0"/>
-      </a:lnRef>
-      <a:fillRef idx="1">
-        <a:scrgbClr r="0" g="0" b="0"/>
-      </a:fillRef>
-      <a:effectRef idx="0">
-        <a:scrgbClr r="0" g="0" b="0"/>
-      </a:effectRef>
-      <a:fontRef idx="minor"/>
-    </dgm:style>
-  </dgm:styleLbl>
-  <dgm:styleLbl name="bgAcc1">
-    <dgm:scene3d>
-      <a:camera prst="orthographicFront"/>
-      <a:lightRig rig="threePt" dir="t"/>
-    </dgm:scene3d>
-    <dgm:sp3d/>
-    <dgm:txPr/>
-    <dgm:style>
-      <a:lnRef idx="2">
-        <a:scrgbClr r="0" g="0" b="0"/>
-      </a:lnRef>
-      <a:fillRef idx="1">
-        <a:scrgbClr r="0" g="0" b="0"/>
-      </a:fillRef>
-      <a:effectRef idx="0">
-        <a:scrgbClr r="0" g="0" b="0"/>
-      </a:effectRef>
-      <a:fontRef idx="minor"/>
-    </dgm:style>
-  </dgm:styleLbl>
-  <dgm:styleLbl name="solidFgAcc1">
-    <dgm:scene3d>
-      <a:camera prst="orthographicFront"/>
-      <a:lightRig rig="threePt" dir="t"/>
-    </dgm:scene3d>
-    <dgm:sp3d/>
-    <dgm:txPr/>
-    <dgm:style>
-      <a:lnRef idx="2">
-        <a:scrgbClr r="0" g="0" b="0"/>
-      </a:lnRef>
-      <a:fillRef idx="1">
-        <a:scrgbClr r="0" g="0" b="0"/>
-      </a:fillRef>
-      <a:effectRef idx="0">
-        <a:scrgbClr r="0" g="0" b="0"/>
-      </a:effectRef>
-      <a:fontRef idx="minor"/>
-    </dgm:style>
-  </dgm:styleLbl>
-  <dgm:styleLbl name="solidAlignAcc1">
-    <dgm:scene3d>
-      <a:camera prst="orthographicFront"/>
-      <a:lightRig rig="threePt" dir="t"/>
-    </dgm:scene3d>
-    <dgm:sp3d/>
-    <dgm:txPr/>
-    <dgm:style>
-      <a:lnRef idx="2">
-        <a:scrgbClr r="0" g="0" b="0"/>
-      </a:lnRef>
-      <a:fillRef idx="1">
-        <a:scrgbClr r="0" g="0" b="0"/>
-      </a:fillRef>
-      <a:effectRef idx="0">
-        <a:scrgbClr r="0" g="0" b="0"/>
-      </a:effectRef>
-      <a:fontRef idx="minor"/>
-    </dgm:style>
-  </dgm:styleLbl>
-  <dgm:styleLbl name="solidBgAcc1">
-    <dgm:scene3d>
-      <a:camera prst="orthographicFront"/>
-      <a:lightRig rig="threePt" dir="t"/>
-    </dgm:scene3d>
-    <dgm:sp3d/>
-    <dgm:txPr/>
-    <dgm:style>
-      <a:lnRef idx="2">
-        <a:scrgbClr r="0" g="0" b="0"/>
-      </a:lnRef>
-      <a:fillRef idx="1">
-        <a:scrgbClr r="0" g="0" b="0"/>
-      </a:fillRef>
-      <a:effectRef idx="0">
-        <a:scrgbClr r="0" g="0" b="0"/>
-      </a:effectRef>
-      <a:fontRef idx="minor"/>
-    </dgm:style>
-  </dgm:styleLbl>
-  <dgm:styleLbl name="fgAccFollowNode1">
-    <dgm:scene3d>
-      <a:camera prst="orthographicFront"/>
-      <a:lightRig rig="threePt" dir="t"/>
-    </dgm:scene3d>
-    <dgm:sp3d/>
-    <dgm:txPr/>
-    <dgm:style>
-      <a:lnRef idx="2">
-        <a:scrgbClr r="0" g="0" b="0"/>
-      </a:lnRef>
-      <a:fillRef idx="1">
-        <a:scrgbClr r="0" g="0" b="0"/>
-      </a:fillRef>
-      <a:effectRef idx="0">
-        <a:scrgbClr r="0" g="0" b="0"/>
-      </a:effectRef>
-      <a:fontRef idx="minor"/>
-    </dgm:style>
-  </dgm:styleLbl>
-  <dgm:styleLbl name="alignAccFollowNode1">
-    <dgm:scene3d>
-      <a:camera prst="orthographicFront"/>
-      <a:lightRig rig="threePt" dir="t"/>
-    </dgm:scene3d>
-    <dgm:sp3d/>
-    <dgm:txPr/>
-    <dgm:style>
-      <a:lnRef idx="2">
-        <a:scrgbClr r="0" g="0" b="0"/>
-      </a:lnRef>
-      <a:fillRef idx="1">
-        <a:scrgbClr r="0" g="0" b="0"/>
-      </a:fillRef>
-      <a:effectRef idx="0">
-        <a:scrgbClr r="0" g="0" b="0"/>
-      </a:effectRef>
-      <a:fontRef idx="minor"/>
-    </dgm:style>
-  </dgm:styleLbl>
-  <dgm:styleLbl name="bgAccFollowNode1">
-    <dgm:scene3d>
-      <a:camera prst="orthographicFront"/>
-      <a:lightRig rig="threePt" dir="t"/>
-    </dgm:scene3d>
-    <dgm:sp3d/>
-    <dgm:txPr/>
-    <dgm:style>
-      <a:lnRef idx="2">
-        <a:scrgbClr r="0" g="0" b="0"/>
-      </a:lnRef>
-      <a:fillRef idx="1">
-        <a:scrgbClr r="0" g="0" b="0"/>
-      </a:fillRef>
-      <a:effectRef idx="0">
-        <a:scrgbClr r="0" g="0" b="0"/>
-      </a:effectRef>
-      <a:fontRef idx="minor"/>
-    </dgm:style>
-  </dgm:styleLbl>
-  <dgm:styleLbl name="fgAcc0">
-    <dgm:scene3d>
-      <a:camera prst="orthographicFront"/>
-      <a:lightRig rig="threePt" dir="t"/>
-    </dgm:scene3d>
-    <dgm:sp3d/>
-    <dgm:txPr/>
-    <dgm:style>
-      <a:lnRef idx="2">
-        <a:scrgbClr r="0" g="0" b="0"/>
-      </a:lnRef>
-      <a:fillRef idx="1">
-        <a:scrgbClr r="0" g="0" b="0"/>
-      </a:fillRef>
-      <a:effectRef idx="0">
-        <a:scrgbClr r="0" g="0" b="0"/>
-      </a:effectRef>
-      <a:fontRef idx="minor"/>
-    </dgm:style>
-  </dgm:styleLbl>
-  <dgm:styleLbl name="fgAcc2">
-    <dgm:scene3d>
-      <a:camera prst="orthographicFront"/>
-      <a:lightRig rig="threePt" dir="t"/>
-    </dgm:scene3d>
-    <dgm:sp3d/>
-    <dgm:txPr/>
-    <dgm:style>
-      <a:lnRef idx="2">
-        <a:scrgbClr r="0" g="0" b="0"/>
-      </a:lnRef>
-      <a:fillRef idx="1">
-        <a:scrgbClr r="0" g="0" b="0"/>
-      </a:fillRef>
-      <a:effectRef idx="0">
-        <a:scrgbClr r="0" g="0" b="0"/>
-      </a:effectRef>
-      <a:fontRef idx="minor"/>
-    </dgm:style>
-  </dgm:styleLbl>
-  <dgm:styleLbl name="fgAcc3">
-    <dgm:scene3d>
-      <a:camera prst="orthographicFront"/>
-      <a:lightRig rig="threePt" dir="t"/>
-    </dgm:scene3d>
-    <dgm:sp3d/>
-    <dgm:txPr/>
-    <dgm:style>
-      <a:lnRef idx="2">
-        <a:scrgbClr r="0" g="0" b="0"/>
-      </a:lnRef>
-      <a:fillRef idx="1">
-        <a:scrgbClr r="0" g="0" b="0"/>
-      </a:fillRef>
-      <a:effectRef idx="0">
-        <a:scrgbClr r="0" g="0" b="0"/>
-      </a:effectRef>
-      <a:fontRef idx="minor"/>
-    </dgm:style>
-  </dgm:styleLbl>
-  <dgm:styleLbl name="fgAcc4">
-    <dgm:scene3d>
-      <a:camera prst="orthographicFront"/>
-      <a:lightRig rig="threePt" dir="t"/>
-    </dgm:scene3d>
-    <dgm:sp3d/>
-    <dgm:txPr/>
-    <dgm:style>
-      <a:lnRef idx="2">
-        <a:scrgbClr r="0" g="0" b="0"/>
-      </a:lnRef>
-      <a:fillRef idx="1">
-        <a:scrgbClr r="0" g="0" b="0"/>
-      </a:fillRef>
-      <a:effectRef idx="0">
-        <a:scrgbClr r="0" g="0" b="0"/>
-      </a:effectRef>
-      <a:fontRef idx="minor"/>
-    </dgm:style>
-  </dgm:styleLbl>
-  <dgm:styleLbl name="bgShp">
-    <dgm:scene3d>
-      <a:camera prst="orthographicFront"/>
-      <a:lightRig rig="threePt" dir="t"/>
-    </dgm:scene3d>
-    <dgm:sp3d/>
-    <dgm:txPr/>
-    <dgm:style>
-      <a:lnRef idx="0">
-        <a:scrgbClr r="0" g="0" b="0"/>
-      </a:lnRef>
-      <a:fillRef idx="1">
-        <a:scrgbClr r="0" g="0" b="0"/>
-      </a:fillRef>
-      <a:effectRef idx="0">
-        <a:scrgbClr r="0" g="0" b="0"/>
-      </a:effectRef>
-      <a:fontRef idx="minor"/>
-    </dgm:style>
-  </dgm:styleLbl>
-  <dgm:styleLbl name="dkBgShp">
-    <dgm:scene3d>
-      <a:camera prst="orthographicFront"/>
-      <a:lightRig rig="threePt" dir="t"/>
-    </dgm:scene3d>
-    <dgm:sp3d/>
-    <dgm:txPr/>
-    <dgm:style>
-      <a:lnRef idx="0">
-        <a:scrgbClr r="0" g="0" b="0"/>
-      </a:lnRef>
-      <a:fillRef idx="1">
-        <a:scrgbClr r="0" g="0" b="0"/>
-      </a:fillRef>
-      <a:effectRef idx="0">
-        <a:scrgbClr r="0" g="0" b="0"/>
-      </a:effectRef>
-      <a:fontRef idx="minor"/>
-    </dgm:style>
-  </dgm:styleLbl>
-  <dgm:styleLbl name="trBgShp">
-    <dgm:scene3d>
-      <a:camera prst="orthographicFront"/>
-      <a:lightRig rig="threePt" dir="t"/>
-    </dgm:scene3d>
-    <dgm:sp3d/>
-    <dgm:txPr/>
-    <dgm:style>
-      <a:lnRef idx="0">
-        <a:scrgbClr r="0" g="0" b="0"/>
-      </a:lnRef>
-      <a:fillRef idx="1">
-        <a:scrgbClr r="0" g="0" b="0"/>
-      </a:fillRef>
-      <a:effectRef idx="0">
-        <a:scrgbClr r="0" g="0" b="0"/>
-      </a:effectRef>
-      <a:fontRef idx="minor"/>
-    </dgm:style>
-  </dgm:styleLbl>
-  <dgm:styleLbl name="fgShp">
-    <dgm:scene3d>
-      <a:camera prst="orthographicFront"/>
-      <a:lightRig rig="threePt" dir="t"/>
-    </dgm:scene3d>
-    <dgm:sp3d/>
-    <dgm:txPr/>
-    <dgm:style>
-      <a:lnRef idx="2">
-        <a:scrgbClr r="0" g="0" b="0"/>
-      </a:lnRef>
-      <a:fillRef idx="1">
-        <a:scrgbClr r="0" g="0" b="0"/>
-      </a:fillRef>
-      <a:effectRef idx="0">
-        <a:scrgbClr r="0" g="0" b="0"/>
-      </a:effectRef>
-      <a:fontRef idx="minor"/>
-    </dgm:style>
-  </dgm:styleLbl>
-  <dgm:styleLbl name="revTx">
-    <dgm:scene3d>
-      <a:camera prst="orthographicFront"/>
-      <a:lightRig rig="threePt" dir="t"/>
-    </dgm:scene3d>
-    <dgm:sp3d/>
-    <dgm:txPr/>
-    <dgm:style>
-      <a:lnRef idx="0">
-        <a:scrgbClr r="0" g="0" b="0"/>
-      </a:lnRef>
-      <a:fillRef idx="0">
-        <a:scrgbClr r="0" g="0" b="0"/>
-      </a:fillRef>
-      <a:effectRef idx="0">
-        <a:scrgbClr r="0" g="0" b="0"/>
-      </a:effectRef>
-      <a:fontRef idx="minor"/>
-    </dgm:style>
-  </dgm:styleLbl>
-</dgm:styleDef>
-</file>
-
 <file path=ppt/handoutMasters/handoutMaster1.xml><?xml version="1.0" encoding="utf-8"?>
 <p:handoutMaster xmlns:a="http://schemas.openxmlformats.org/drawingml/2006/main" xmlns:r="http://schemas.openxmlformats.org/officeDocument/2006/relationships" xmlns:p="http://schemas.openxmlformats.org/presentationml/2006/main">
   <p:cSld>
@@ -5105,194 +805,6 @@
 </p:notes>
 </file>
 
-<file path=ppt/notesSlides/notesSlide10.xml><?xml version="1.0" encoding="utf-8"?>
-<p:notes xmlns:a="http://schemas.openxmlformats.org/drawingml/2006/main" xmlns:r="http://schemas.openxmlformats.org/officeDocument/2006/relationships" xmlns:p="http://schemas.openxmlformats.org/presentationml/2006/main">
-  <p:cSld>
-    <p:spTree>
-      <p:nvGrpSpPr>
-        <p:cNvPr id="1" name=""/>
-        <p:cNvGrpSpPr/>
-        <p:nvPr/>
-      </p:nvGrpSpPr>
-      <p:grpSpPr>
-        <a:xfrm>
-          <a:off x="0" y="0"/>
-          <a:ext cx="0" cy="0"/>
-          <a:chOff x="0" y="0"/>
-          <a:chExt cx="0" cy="0"/>
-        </a:xfrm>
-      </p:grpSpPr>
-      <p:sp>
-        <p:nvSpPr>
-          <p:cNvPr id="2" name="投影片圖像版面配置區 1"/>
-          <p:cNvSpPr>
-            <a:spLocks noGrp="1" noRot="1" noChangeAspect="1"/>
-          </p:cNvSpPr>
-          <p:nvPr>
-            <p:ph type="sldImg"/>
-          </p:nvPr>
-        </p:nvSpPr>
-        <p:spPr/>
-      </p:sp>
-      <p:sp>
-        <p:nvSpPr>
-          <p:cNvPr id="3" name="備忘稿版面配置區 2"/>
-          <p:cNvSpPr>
-            <a:spLocks noGrp="1"/>
-          </p:cNvSpPr>
-          <p:nvPr>
-            <p:ph type="body" idx="1"/>
-          </p:nvPr>
-        </p:nvSpPr>
-        <p:spPr/>
-        <p:txBody>
-          <a:bodyPr/>
-          <a:lstStyle/>
-          <a:p>
-            <a:endParaRPr lang="zh-TW" altLang="en-US" dirty="0"/>
-          </a:p>
-        </p:txBody>
-      </p:sp>
-      <p:sp>
-        <p:nvSpPr>
-          <p:cNvPr id="5" name="投影片編號版面配置區 3"/>
-          <p:cNvSpPr>
-            <a:spLocks noGrp="1"/>
-          </p:cNvSpPr>
-          <p:nvPr>
-            <p:ph type="sldNum" sz="quarter" idx="5"/>
-          </p:nvPr>
-        </p:nvSpPr>
-        <p:spPr>
-          <a:xfrm>
-            <a:off x="3884613" y="8685213"/>
-            <a:ext cx="2971800" cy="457200"/>
-          </a:xfrm>
-          <a:prstGeom prst="rect">
-            <a:avLst/>
-          </a:prstGeom>
-        </p:spPr>
-        <p:txBody>
-          <a:bodyPr/>
-          <a:lstStyle/>
-          <a:p>
-            <a:pPr algn="r" rtl="0"/>
-            <a:fld id="{C6074690-7256-4BB9-AC0F-97AEAE8CDEC2}" type="slidenum">
-              <a:rPr lang="en-US" altLang="zh-TW" smtClean="0"/>
-              <a:pPr algn="r" rtl="0"/>
-              <a:t>15</a:t>
-            </a:fld>
-            <a:endParaRPr lang="zh-TW" altLang="en-US" dirty="0"/>
-          </a:p>
-        </p:txBody>
-      </p:sp>
-    </p:spTree>
-    <p:extLst>
-      <p:ext uri="{BB962C8B-B14F-4D97-AF65-F5344CB8AC3E}">
-        <p14:creationId xmlns:p14="http://schemas.microsoft.com/office/powerpoint/2010/main" val="3750711207"/>
-      </p:ext>
-    </p:extLst>
-  </p:cSld>
-  <p:clrMapOvr>
-    <a:masterClrMapping/>
-  </p:clrMapOvr>
-</p:notes>
-</file>
-
-<file path=ppt/notesSlides/notesSlide11.xml><?xml version="1.0" encoding="utf-8"?>
-<p:notes xmlns:a="http://schemas.openxmlformats.org/drawingml/2006/main" xmlns:r="http://schemas.openxmlformats.org/officeDocument/2006/relationships" xmlns:p="http://schemas.openxmlformats.org/presentationml/2006/main">
-  <p:cSld>
-    <p:spTree>
-      <p:nvGrpSpPr>
-        <p:cNvPr id="1" name=""/>
-        <p:cNvGrpSpPr/>
-        <p:nvPr/>
-      </p:nvGrpSpPr>
-      <p:grpSpPr>
-        <a:xfrm>
-          <a:off x="0" y="0"/>
-          <a:ext cx="0" cy="0"/>
-          <a:chOff x="0" y="0"/>
-          <a:chExt cx="0" cy="0"/>
-        </a:xfrm>
-      </p:grpSpPr>
-      <p:sp>
-        <p:nvSpPr>
-          <p:cNvPr id="2" name="投影片圖像版面配置區 1"/>
-          <p:cNvSpPr>
-            <a:spLocks noGrp="1" noRot="1" noChangeAspect="1"/>
-          </p:cNvSpPr>
-          <p:nvPr>
-            <p:ph type="sldImg"/>
-          </p:nvPr>
-        </p:nvSpPr>
-        <p:spPr/>
-      </p:sp>
-      <p:sp>
-        <p:nvSpPr>
-          <p:cNvPr id="3" name="備忘稿版面配置區 2"/>
-          <p:cNvSpPr>
-            <a:spLocks noGrp="1"/>
-          </p:cNvSpPr>
-          <p:nvPr>
-            <p:ph type="body" idx="1"/>
-          </p:nvPr>
-        </p:nvSpPr>
-        <p:spPr/>
-        <p:txBody>
-          <a:bodyPr/>
-          <a:lstStyle/>
-          <a:p>
-            <a:endParaRPr lang="zh-TW" altLang="en-US" dirty="0"/>
-          </a:p>
-        </p:txBody>
-      </p:sp>
-      <p:sp>
-        <p:nvSpPr>
-          <p:cNvPr id="5" name="投影片編號版面配置區 3"/>
-          <p:cNvSpPr>
-            <a:spLocks noGrp="1"/>
-          </p:cNvSpPr>
-          <p:nvPr>
-            <p:ph type="sldNum" sz="quarter" idx="5"/>
-          </p:nvPr>
-        </p:nvSpPr>
-        <p:spPr>
-          <a:xfrm>
-            <a:off x="3884613" y="8685213"/>
-            <a:ext cx="2971800" cy="457200"/>
-          </a:xfrm>
-          <a:prstGeom prst="rect">
-            <a:avLst/>
-          </a:prstGeom>
-        </p:spPr>
-        <p:txBody>
-          <a:bodyPr/>
-          <a:lstStyle/>
-          <a:p>
-            <a:pPr algn="r" rtl="0"/>
-            <a:fld id="{C6074690-7256-4BB9-AC0F-97AEAE8CDEC2}" type="slidenum">
-              <a:rPr lang="en-US" altLang="zh-TW" smtClean="0"/>
-              <a:pPr algn="r" rtl="0"/>
-              <a:t>16</a:t>
-            </a:fld>
-            <a:endParaRPr lang="zh-TW" altLang="en-US" dirty="0"/>
-          </a:p>
-        </p:txBody>
-      </p:sp>
-    </p:spTree>
-    <p:extLst>
-      <p:ext uri="{BB962C8B-B14F-4D97-AF65-F5344CB8AC3E}">
-        <p14:creationId xmlns:p14="http://schemas.microsoft.com/office/powerpoint/2010/main" val="1107310729"/>
-      </p:ext>
-    </p:extLst>
-  </p:cSld>
-  <p:clrMapOvr>
-    <a:masterClrMapping/>
-  </p:clrMapOvr>
-</p:notes>
-</file>
-
 <file path=ppt/notesSlides/notesSlide2.xml><?xml version="1.0" encoding="utf-8"?>
 <p:notes xmlns:a="http://schemas.openxmlformats.org/drawingml/2006/main" xmlns:r="http://schemas.openxmlformats.org/officeDocument/2006/relationships" xmlns:p="http://schemas.openxmlformats.org/presentationml/2006/main">
   <p:cSld>
@@ -5462,7 +974,7 @@
             <a:fld id="{C6074690-7256-4BB9-AC0F-97AEAE8CDEC2}" type="slidenum">
               <a:rPr lang="en-US" altLang="zh-TW" smtClean="0"/>
               <a:pPr algn="r" rtl="0"/>
-              <a:t>8</a:t>
+              <a:t>11</a:t>
             </a:fld>
             <a:endParaRPr lang="zh-TW" altLang="en-US" dirty="0"/>
           </a:p>
@@ -5471,7 +983,7 @@
     </p:spTree>
     <p:extLst>
       <p:ext uri="{BB962C8B-B14F-4D97-AF65-F5344CB8AC3E}">
-        <p14:creationId xmlns:p14="http://schemas.microsoft.com/office/powerpoint/2010/main" val="2767997304"/>
+        <p14:creationId xmlns:p14="http://schemas.microsoft.com/office/powerpoint/2010/main" val="398850201"/>
       </p:ext>
     </p:extLst>
   </p:cSld>
@@ -5556,7 +1068,7 @@
             <a:fld id="{C6074690-7256-4BB9-AC0F-97AEAE8CDEC2}" type="slidenum">
               <a:rPr lang="en-US" altLang="zh-TW" smtClean="0"/>
               <a:pPr algn="r" rtl="0"/>
-              <a:t>9</a:t>
+              <a:t>12</a:t>
             </a:fld>
             <a:endParaRPr lang="zh-TW" altLang="en-US" dirty="0"/>
           </a:p>
@@ -5565,7 +1077,7 @@
     </p:spTree>
     <p:extLst>
       <p:ext uri="{BB962C8B-B14F-4D97-AF65-F5344CB8AC3E}">
-        <p14:creationId xmlns:p14="http://schemas.microsoft.com/office/powerpoint/2010/main" val="812254966"/>
+        <p14:creationId xmlns:p14="http://schemas.microsoft.com/office/powerpoint/2010/main" val="3538609175"/>
       </p:ext>
     </p:extLst>
   </p:cSld>
@@ -5650,288 +1162,6 @@
             <a:fld id="{C6074690-7256-4BB9-AC0F-97AEAE8CDEC2}" type="slidenum">
               <a:rPr lang="en-US" altLang="zh-TW" smtClean="0"/>
               <a:pPr algn="r" rtl="0"/>
-              <a:t>10</a:t>
-            </a:fld>
-            <a:endParaRPr lang="zh-TW" altLang="en-US" dirty="0"/>
-          </a:p>
-        </p:txBody>
-      </p:sp>
-    </p:spTree>
-    <p:extLst>
-      <p:ext uri="{BB962C8B-B14F-4D97-AF65-F5344CB8AC3E}">
-        <p14:creationId xmlns:p14="http://schemas.microsoft.com/office/powerpoint/2010/main" val="2641938373"/>
-      </p:ext>
-    </p:extLst>
-  </p:cSld>
-  <p:clrMapOvr>
-    <a:masterClrMapping/>
-  </p:clrMapOvr>
-</p:notes>
-</file>
-
-<file path=ppt/notesSlides/notesSlide6.xml><?xml version="1.0" encoding="utf-8"?>
-<p:notes xmlns:a="http://schemas.openxmlformats.org/drawingml/2006/main" xmlns:r="http://schemas.openxmlformats.org/officeDocument/2006/relationships" xmlns:p="http://schemas.openxmlformats.org/presentationml/2006/main">
-  <p:cSld>
-    <p:spTree>
-      <p:nvGrpSpPr>
-        <p:cNvPr id="1" name=""/>
-        <p:cNvGrpSpPr/>
-        <p:nvPr/>
-      </p:nvGrpSpPr>
-      <p:grpSpPr>
-        <a:xfrm>
-          <a:off x="0" y="0"/>
-          <a:ext cx="0" cy="0"/>
-          <a:chOff x="0" y="0"/>
-          <a:chExt cx="0" cy="0"/>
-        </a:xfrm>
-      </p:grpSpPr>
-      <p:sp>
-        <p:nvSpPr>
-          <p:cNvPr id="2" name="投影片圖像版面配置區 1"/>
-          <p:cNvSpPr>
-            <a:spLocks noGrp="1" noRot="1" noChangeAspect="1"/>
-          </p:cNvSpPr>
-          <p:nvPr>
-            <p:ph type="sldImg"/>
-          </p:nvPr>
-        </p:nvSpPr>
-        <p:spPr/>
-      </p:sp>
-      <p:sp>
-        <p:nvSpPr>
-          <p:cNvPr id="3" name="備忘稿版面配置區 2"/>
-          <p:cNvSpPr>
-            <a:spLocks noGrp="1"/>
-          </p:cNvSpPr>
-          <p:nvPr>
-            <p:ph type="body" idx="1"/>
-          </p:nvPr>
-        </p:nvSpPr>
-        <p:spPr/>
-        <p:txBody>
-          <a:bodyPr/>
-          <a:lstStyle/>
-          <a:p>
-            <a:endParaRPr lang="zh-TW" altLang="en-US" dirty="0"/>
-          </a:p>
-        </p:txBody>
-      </p:sp>
-      <p:sp>
-        <p:nvSpPr>
-          <p:cNvPr id="5" name="投影片編號版面配置區 3"/>
-          <p:cNvSpPr>
-            <a:spLocks noGrp="1"/>
-          </p:cNvSpPr>
-          <p:nvPr>
-            <p:ph type="sldNum" sz="quarter" idx="5"/>
-          </p:nvPr>
-        </p:nvSpPr>
-        <p:spPr>
-          <a:xfrm>
-            <a:off x="3884613" y="8685213"/>
-            <a:ext cx="2971800" cy="457200"/>
-          </a:xfrm>
-          <a:prstGeom prst="rect">
-            <a:avLst/>
-          </a:prstGeom>
-        </p:spPr>
-        <p:txBody>
-          <a:bodyPr/>
-          <a:lstStyle/>
-          <a:p>
-            <a:pPr algn="r" rtl="0"/>
-            <a:fld id="{C6074690-7256-4BB9-AC0F-97AEAE8CDEC2}" type="slidenum">
-              <a:rPr lang="en-US" altLang="zh-TW" smtClean="0"/>
-              <a:pPr algn="r" rtl="0"/>
-              <a:t>11</a:t>
-            </a:fld>
-            <a:endParaRPr lang="zh-TW" altLang="en-US" dirty="0"/>
-          </a:p>
-        </p:txBody>
-      </p:sp>
-    </p:spTree>
-    <p:extLst>
-      <p:ext uri="{BB962C8B-B14F-4D97-AF65-F5344CB8AC3E}">
-        <p14:creationId xmlns:p14="http://schemas.microsoft.com/office/powerpoint/2010/main" val="398850201"/>
-      </p:ext>
-    </p:extLst>
-  </p:cSld>
-  <p:clrMapOvr>
-    <a:masterClrMapping/>
-  </p:clrMapOvr>
-</p:notes>
-</file>
-
-<file path=ppt/notesSlides/notesSlide7.xml><?xml version="1.0" encoding="utf-8"?>
-<p:notes xmlns:a="http://schemas.openxmlformats.org/drawingml/2006/main" xmlns:r="http://schemas.openxmlformats.org/officeDocument/2006/relationships" xmlns:p="http://schemas.openxmlformats.org/presentationml/2006/main">
-  <p:cSld>
-    <p:spTree>
-      <p:nvGrpSpPr>
-        <p:cNvPr id="1" name=""/>
-        <p:cNvGrpSpPr/>
-        <p:nvPr/>
-      </p:nvGrpSpPr>
-      <p:grpSpPr>
-        <a:xfrm>
-          <a:off x="0" y="0"/>
-          <a:ext cx="0" cy="0"/>
-          <a:chOff x="0" y="0"/>
-          <a:chExt cx="0" cy="0"/>
-        </a:xfrm>
-      </p:grpSpPr>
-      <p:sp>
-        <p:nvSpPr>
-          <p:cNvPr id="2" name="投影片圖像版面配置區 1"/>
-          <p:cNvSpPr>
-            <a:spLocks noGrp="1" noRot="1" noChangeAspect="1"/>
-          </p:cNvSpPr>
-          <p:nvPr>
-            <p:ph type="sldImg"/>
-          </p:nvPr>
-        </p:nvSpPr>
-        <p:spPr/>
-      </p:sp>
-      <p:sp>
-        <p:nvSpPr>
-          <p:cNvPr id="3" name="備忘稿版面配置區 2"/>
-          <p:cNvSpPr>
-            <a:spLocks noGrp="1"/>
-          </p:cNvSpPr>
-          <p:nvPr>
-            <p:ph type="body" idx="1"/>
-          </p:nvPr>
-        </p:nvSpPr>
-        <p:spPr/>
-        <p:txBody>
-          <a:bodyPr/>
-          <a:lstStyle/>
-          <a:p>
-            <a:endParaRPr lang="zh-TW" altLang="en-US" dirty="0"/>
-          </a:p>
-        </p:txBody>
-      </p:sp>
-      <p:sp>
-        <p:nvSpPr>
-          <p:cNvPr id="5" name="投影片編號版面配置區 3"/>
-          <p:cNvSpPr>
-            <a:spLocks noGrp="1"/>
-          </p:cNvSpPr>
-          <p:nvPr>
-            <p:ph type="sldNum" sz="quarter" idx="5"/>
-          </p:nvPr>
-        </p:nvSpPr>
-        <p:spPr>
-          <a:xfrm>
-            <a:off x="3884613" y="8685213"/>
-            <a:ext cx="2971800" cy="457200"/>
-          </a:xfrm>
-          <a:prstGeom prst="rect">
-            <a:avLst/>
-          </a:prstGeom>
-        </p:spPr>
-        <p:txBody>
-          <a:bodyPr/>
-          <a:lstStyle/>
-          <a:p>
-            <a:pPr algn="r" rtl="0"/>
-            <a:fld id="{C6074690-7256-4BB9-AC0F-97AEAE8CDEC2}" type="slidenum">
-              <a:rPr lang="en-US" altLang="zh-TW" smtClean="0"/>
-              <a:pPr algn="r" rtl="0"/>
-              <a:t>12</a:t>
-            </a:fld>
-            <a:endParaRPr lang="zh-TW" altLang="en-US" dirty="0"/>
-          </a:p>
-        </p:txBody>
-      </p:sp>
-    </p:spTree>
-    <p:extLst>
-      <p:ext uri="{BB962C8B-B14F-4D97-AF65-F5344CB8AC3E}">
-        <p14:creationId xmlns:p14="http://schemas.microsoft.com/office/powerpoint/2010/main" val="3538609175"/>
-      </p:ext>
-    </p:extLst>
-  </p:cSld>
-  <p:clrMapOvr>
-    <a:masterClrMapping/>
-  </p:clrMapOvr>
-</p:notes>
-</file>
-
-<file path=ppt/notesSlides/notesSlide8.xml><?xml version="1.0" encoding="utf-8"?>
-<p:notes xmlns:a="http://schemas.openxmlformats.org/drawingml/2006/main" xmlns:r="http://schemas.openxmlformats.org/officeDocument/2006/relationships" xmlns:p="http://schemas.openxmlformats.org/presentationml/2006/main">
-  <p:cSld>
-    <p:spTree>
-      <p:nvGrpSpPr>
-        <p:cNvPr id="1" name=""/>
-        <p:cNvGrpSpPr/>
-        <p:nvPr/>
-      </p:nvGrpSpPr>
-      <p:grpSpPr>
-        <a:xfrm>
-          <a:off x="0" y="0"/>
-          <a:ext cx="0" cy="0"/>
-          <a:chOff x="0" y="0"/>
-          <a:chExt cx="0" cy="0"/>
-        </a:xfrm>
-      </p:grpSpPr>
-      <p:sp>
-        <p:nvSpPr>
-          <p:cNvPr id="2" name="投影片圖像版面配置區 1"/>
-          <p:cNvSpPr>
-            <a:spLocks noGrp="1" noRot="1" noChangeAspect="1"/>
-          </p:cNvSpPr>
-          <p:nvPr>
-            <p:ph type="sldImg"/>
-          </p:nvPr>
-        </p:nvSpPr>
-        <p:spPr/>
-      </p:sp>
-      <p:sp>
-        <p:nvSpPr>
-          <p:cNvPr id="3" name="備忘稿版面配置區 2"/>
-          <p:cNvSpPr>
-            <a:spLocks noGrp="1"/>
-          </p:cNvSpPr>
-          <p:nvPr>
-            <p:ph type="body" idx="1"/>
-          </p:nvPr>
-        </p:nvSpPr>
-        <p:spPr/>
-        <p:txBody>
-          <a:bodyPr/>
-          <a:lstStyle/>
-          <a:p>
-            <a:endParaRPr lang="zh-TW" altLang="en-US" dirty="0"/>
-          </a:p>
-        </p:txBody>
-      </p:sp>
-      <p:sp>
-        <p:nvSpPr>
-          <p:cNvPr id="5" name="投影片編號版面配置區 3"/>
-          <p:cNvSpPr>
-            <a:spLocks noGrp="1"/>
-          </p:cNvSpPr>
-          <p:nvPr>
-            <p:ph type="sldNum" sz="quarter" idx="5"/>
-          </p:nvPr>
-        </p:nvSpPr>
-        <p:spPr>
-          <a:xfrm>
-            <a:off x="3884613" y="8685213"/>
-            <a:ext cx="2971800" cy="457200"/>
-          </a:xfrm>
-          <a:prstGeom prst="rect">
-            <a:avLst/>
-          </a:prstGeom>
-        </p:spPr>
-        <p:txBody>
-          <a:bodyPr/>
-          <a:lstStyle/>
-          <a:p>
-            <a:pPr algn="r" rtl="0"/>
-            <a:fld id="{C6074690-7256-4BB9-AC0F-97AEAE8CDEC2}" type="slidenum">
-              <a:rPr lang="en-US" altLang="zh-TW" smtClean="0"/>
-              <a:pPr algn="r" rtl="0"/>
               <a:t>13</a:t>
             </a:fld>
             <a:endParaRPr lang="zh-TW" altLang="en-US" dirty="0"/>
@@ -5942,100 +1172,6 @@
     <p:extLst>
       <p:ext uri="{BB962C8B-B14F-4D97-AF65-F5344CB8AC3E}">
         <p14:creationId xmlns:p14="http://schemas.microsoft.com/office/powerpoint/2010/main" val="4078770662"/>
-      </p:ext>
-    </p:extLst>
-  </p:cSld>
-  <p:clrMapOvr>
-    <a:masterClrMapping/>
-  </p:clrMapOvr>
-</p:notes>
-</file>
-
-<file path=ppt/notesSlides/notesSlide9.xml><?xml version="1.0" encoding="utf-8"?>
-<p:notes xmlns:a="http://schemas.openxmlformats.org/drawingml/2006/main" xmlns:r="http://schemas.openxmlformats.org/officeDocument/2006/relationships" xmlns:p="http://schemas.openxmlformats.org/presentationml/2006/main">
-  <p:cSld>
-    <p:spTree>
-      <p:nvGrpSpPr>
-        <p:cNvPr id="1" name=""/>
-        <p:cNvGrpSpPr/>
-        <p:nvPr/>
-      </p:nvGrpSpPr>
-      <p:grpSpPr>
-        <a:xfrm>
-          <a:off x="0" y="0"/>
-          <a:ext cx="0" cy="0"/>
-          <a:chOff x="0" y="0"/>
-          <a:chExt cx="0" cy="0"/>
-        </a:xfrm>
-      </p:grpSpPr>
-      <p:sp>
-        <p:nvSpPr>
-          <p:cNvPr id="2" name="投影片圖像版面配置區 1"/>
-          <p:cNvSpPr>
-            <a:spLocks noGrp="1" noRot="1" noChangeAspect="1"/>
-          </p:cNvSpPr>
-          <p:nvPr>
-            <p:ph type="sldImg"/>
-          </p:nvPr>
-        </p:nvSpPr>
-        <p:spPr/>
-      </p:sp>
-      <p:sp>
-        <p:nvSpPr>
-          <p:cNvPr id="3" name="備忘稿版面配置區 2"/>
-          <p:cNvSpPr>
-            <a:spLocks noGrp="1"/>
-          </p:cNvSpPr>
-          <p:nvPr>
-            <p:ph type="body" idx="1"/>
-          </p:nvPr>
-        </p:nvSpPr>
-        <p:spPr/>
-        <p:txBody>
-          <a:bodyPr/>
-          <a:lstStyle/>
-          <a:p>
-            <a:endParaRPr lang="zh-TW" altLang="en-US" dirty="0"/>
-          </a:p>
-        </p:txBody>
-      </p:sp>
-      <p:sp>
-        <p:nvSpPr>
-          <p:cNvPr id="5" name="投影片編號版面配置區 3"/>
-          <p:cNvSpPr>
-            <a:spLocks noGrp="1"/>
-          </p:cNvSpPr>
-          <p:nvPr>
-            <p:ph type="sldNum" sz="quarter" idx="5"/>
-          </p:nvPr>
-        </p:nvSpPr>
-        <p:spPr>
-          <a:xfrm>
-            <a:off x="3884613" y="8685213"/>
-            <a:ext cx="2971800" cy="457200"/>
-          </a:xfrm>
-          <a:prstGeom prst="rect">
-            <a:avLst/>
-          </a:prstGeom>
-        </p:spPr>
-        <p:txBody>
-          <a:bodyPr/>
-          <a:lstStyle/>
-          <a:p>
-            <a:pPr algn="r" rtl="0"/>
-            <a:fld id="{C6074690-7256-4BB9-AC0F-97AEAE8CDEC2}" type="slidenum">
-              <a:rPr lang="en-US" altLang="zh-TW" smtClean="0"/>
-              <a:pPr algn="r" rtl="0"/>
-              <a:t>14</a:t>
-            </a:fld>
-            <a:endParaRPr lang="zh-TW" altLang="en-US" dirty="0"/>
-          </a:p>
-        </p:txBody>
-      </p:sp>
-    </p:spTree>
-    <p:extLst>
-      <p:ext uri="{BB962C8B-B14F-4D97-AF65-F5344CB8AC3E}">
-        <p14:creationId xmlns:p14="http://schemas.microsoft.com/office/powerpoint/2010/main" val="38345268"/>
       </p:ext>
     </p:extLst>
   </p:cSld>
@@ -10353,7 +5489,12 @@
             <p:ph type="ctrTitle"/>
           </p:nvPr>
         </p:nvSpPr>
-        <p:spPr/>
+        <p:spPr>
+          <a:xfrm>
+            <a:off x="1376793" y="1556792"/>
+            <a:ext cx="9435241" cy="1625599"/>
+          </a:xfrm>
+        </p:spPr>
         <p:txBody>
           <a:bodyPr rtlCol="0"/>
           <a:lstStyle/>
@@ -10395,12 +5536,83 @@
             <p:ph type="subTitle" idx="1"/>
           </p:nvPr>
         </p:nvSpPr>
-        <p:spPr/>
-        <p:txBody>
-          <a:bodyPr rtlCol="0"/>
+        <p:spPr>
+          <a:xfrm>
+            <a:off x="1376793" y="3207535"/>
+            <a:ext cx="9429931" cy="1500069"/>
+          </a:xfrm>
+        </p:spPr>
+        <p:txBody>
+          <a:bodyPr rtlCol="0">
+            <a:normAutofit/>
+          </a:bodyPr>
           <a:lstStyle/>
           <a:p>
             <a:pPr rtl="0"/>
+            <a:r>
+              <a:rPr lang="zh-TW" altLang="en-US" dirty="0" smtClean="0">
+                <a:latin typeface="Salesforce Sans"/>
+                <a:sym typeface="Salesforce Sans"/>
+              </a:rPr>
+              <a:t>第六組</a:t>
+            </a:r>
+            <a:endParaRPr lang="en-US" altLang="zh-TW" dirty="0" smtClean="0">
+              <a:latin typeface="Salesforce Sans"/>
+              <a:sym typeface="Salesforce Sans"/>
+            </a:endParaRPr>
+          </a:p>
+          <a:p>
+            <a:r>
+              <a:rPr lang="en-US" altLang="zh-TW" dirty="0"/>
+              <a:t>1052994 </a:t>
+            </a:r>
+            <a:r>
+              <a:rPr lang="zh-TW" altLang="en-US" dirty="0"/>
+              <a:t>黃建鴻</a:t>
+            </a:r>
+            <a:endParaRPr lang="en-US" altLang="zh-TW" dirty="0" smtClean="0">
+              <a:latin typeface="Salesforce Sans"/>
+              <a:sym typeface="Salesforce Sans"/>
+            </a:endParaRPr>
+          </a:p>
+          <a:p>
+            <a:r>
+              <a:rPr lang="en-US" altLang="zh-TW" dirty="0" smtClean="0"/>
+              <a:t>1052999 </a:t>
+            </a:r>
+            <a:r>
+              <a:rPr lang="zh-TW" altLang="en-US" dirty="0"/>
+              <a:t>楊昆翰 </a:t>
+            </a:r>
+            <a:endParaRPr lang="en-US" altLang="zh-TW" dirty="0" smtClean="0"/>
+          </a:p>
+          <a:p>
+            <a:r>
+              <a:rPr lang="en-US" altLang="zh-TW" dirty="0"/>
+              <a:t>1052990 </a:t>
+            </a:r>
+            <a:r>
+              <a:rPr lang="zh-TW" altLang="en-US" dirty="0"/>
+              <a:t>黃智</a:t>
+            </a:r>
+            <a:r>
+              <a:rPr lang="zh-TW" altLang="en-US" dirty="0" smtClean="0"/>
+              <a:t>優</a:t>
+            </a:r>
+            <a:endParaRPr lang="en-US" altLang="zh-TW" dirty="0" smtClean="0"/>
+          </a:p>
+          <a:p>
+            <a:r>
+              <a:rPr lang="en-US" altLang="zh-TW" dirty="0"/>
+              <a:t>1053001 </a:t>
+            </a:r>
+            <a:r>
+              <a:rPr lang="zh-TW" altLang="en-US" dirty="0"/>
+              <a:t>蔡翰霆</a:t>
+            </a:r>
+            <a:endParaRPr lang="en-US" altLang="zh-TW" dirty="0" smtClean="0"/>
+          </a:p>
+          <a:p>
             <a:endParaRPr lang="zh-TW" altLang="en-US" dirty="0">
               <a:latin typeface="Salesforce Sans"/>
               <a:ea typeface="細明體" panose="02020509000000000000" pitchFamily="49" charset="-120"/>
@@ -10458,6 +5670,36 @@
           <a:chExt cx="0" cy="0"/>
         </a:xfrm>
       </p:grpSpPr>
+      <p:pic>
+        <p:nvPicPr>
+          <p:cNvPr id="4" name="圖片 3"/>
+          <p:cNvPicPr>
+            <a:picLocks noChangeAspect="1"/>
+          </p:cNvPicPr>
+          <p:nvPr/>
+        </p:nvPicPr>
+        <p:blipFill>
+          <a:blip r:embed="rId2">
+            <a:extLst>
+              <a:ext uri="{28A0092B-C50C-407E-A947-70E740481C1C}">
+                <a14:useLocalDpi xmlns:a14="http://schemas.microsoft.com/office/drawing/2010/main" val="0"/>
+              </a:ext>
+            </a:extLst>
+          </a:blip>
+          <a:stretch>
+            <a:fillRect/>
+          </a:stretch>
+        </p:blipFill>
+        <p:spPr>
+          <a:xfrm>
+            <a:off x="5662364" y="3045502"/>
+            <a:ext cx="6019800" cy="3467100"/>
+          </a:xfrm>
+          <a:prstGeom prst="rect">
+            <a:avLst/>
+          </a:prstGeom>
+        </p:spPr>
+      </p:pic>
       <p:sp>
         <p:nvSpPr>
           <p:cNvPr id="2" name="標題 1"/>
@@ -10470,125 +5712,51 @@
         </p:nvSpPr>
         <p:spPr/>
         <p:txBody>
-          <a:bodyPr rtlCol="0"/>
+          <a:bodyPr/>
           <a:lstStyle/>
           <a:p>
-            <a:pPr rtl="0"/>
-            <a:r>
-              <a:rPr lang="zh-TW" altLang="en-US" dirty="0" smtClean="0">
-                <a:latin typeface="細明體" panose="02020509000000000000" pitchFamily="49" charset="-120"/>
-                <a:ea typeface="細明體" panose="02020509000000000000" pitchFamily="49" charset="-120"/>
-                <a:sym typeface="Salesforce Sans"/>
-              </a:rPr>
-              <a:t>含 </a:t>
-            </a:r>
-            <a:r>
-              <a:rPr lang="en-US" altLang="zh-TW" dirty="0" smtClean="0">
-                <a:latin typeface="細明體" panose="02020509000000000000" pitchFamily="49" charset="-120"/>
-                <a:ea typeface="細明體" panose="02020509000000000000" pitchFamily="49" charset="-120"/>
-                <a:sym typeface="Salesforce Sans"/>
-              </a:rPr>
-              <a:t>SmartArt </a:t>
-            </a:r>
-            <a:r>
-              <a:rPr lang="zh-TW" altLang="en-US" dirty="0" smtClean="0">
-                <a:latin typeface="細明體" panose="02020509000000000000" pitchFamily="49" charset="-120"/>
-                <a:ea typeface="細明體" panose="02020509000000000000" pitchFamily="49" charset="-120"/>
-                <a:sym typeface="Salesforce Sans"/>
-              </a:rPr>
-              <a:t>的兩項內容版面配置</a:t>
-            </a:r>
-            <a:endParaRPr lang="zh-TW" altLang="en-US" dirty="0">
-              <a:latin typeface="細明體" panose="02020509000000000000" pitchFamily="49" charset="-120"/>
-              <a:ea typeface="細明體" panose="02020509000000000000" pitchFamily="49" charset="-120"/>
-              <a:sym typeface="Salesforce Sans"/>
-            </a:endParaRPr>
-          </a:p>
-        </p:txBody>
-      </p:sp>
-      <p:sp>
-        <p:nvSpPr>
-          <p:cNvPr id="10" name="內容預留位置 9"/>
-          <p:cNvSpPr>
-            <a:spLocks noGrp="1"/>
-          </p:cNvSpPr>
-          <p:nvPr>
-            <p:ph sz="half" idx="1"/>
-          </p:nvPr>
-        </p:nvSpPr>
-        <p:spPr/>
-        <p:txBody>
-          <a:bodyPr rtlCol="0"/>
-          <a:lstStyle/>
-          <a:p>
-            <a:pPr rtl="0"/>
-            <a:r>
-              <a:rPr lang="zh-TW" altLang="en-US" dirty="0" smtClean="0">
-                <a:latin typeface="細明體" panose="02020509000000000000" pitchFamily="49" charset="-120"/>
-                <a:ea typeface="細明體" panose="02020509000000000000" pitchFamily="49" charset="-120"/>
-                <a:sym typeface="Salesforce Sans"/>
-              </a:rPr>
-              <a:t>第一個項目符號</a:t>
-            </a:r>
-          </a:p>
-          <a:p>
-            <a:pPr rtl="0"/>
-            <a:r>
-              <a:rPr lang="zh-TW" altLang="en-US" dirty="0" smtClean="0">
-                <a:latin typeface="細明體" panose="02020509000000000000" pitchFamily="49" charset="-120"/>
-                <a:ea typeface="細明體" panose="02020509000000000000" pitchFamily="49" charset="-120"/>
-                <a:sym typeface="Salesforce Sans"/>
-              </a:rPr>
-              <a:t>第二個項目符號</a:t>
-            </a:r>
-          </a:p>
-          <a:p>
-            <a:pPr rtl="0"/>
-            <a:r>
-              <a:rPr lang="zh-TW" altLang="en-US" dirty="0" smtClean="0">
-                <a:latin typeface="細明體" panose="02020509000000000000" pitchFamily="49" charset="-120"/>
-                <a:ea typeface="細明體" panose="02020509000000000000" pitchFamily="49" charset="-120"/>
-                <a:sym typeface="Salesforce Sans"/>
-              </a:rPr>
-              <a:t>第三個項目符號</a:t>
-            </a:r>
-            <a:endParaRPr lang="zh-TW" altLang="en-US" dirty="0">
-              <a:latin typeface="細明體" panose="02020509000000000000" pitchFamily="49" charset="-120"/>
-              <a:ea typeface="細明體" panose="02020509000000000000" pitchFamily="49" charset="-120"/>
-              <a:sym typeface="Salesforce Sans"/>
-            </a:endParaRPr>
-          </a:p>
-        </p:txBody>
-      </p:sp>
-      <p:graphicFrame>
-        <p:nvGraphicFramePr>
-          <p:cNvPr id="9" name="內容預留位置 8" descr="由上至下依序顯示了 3 個群組的垂直方塊清單，每個群組下方都有各自的項目符號。"/>
-          <p:cNvGraphicFramePr>
-            <a:graphicFrameLocks noGrp="1"/>
-          </p:cNvGraphicFramePr>
-          <p:nvPr>
-            <p:ph sz="half" idx="2"/>
-            <p:extLst>
-              <p:ext uri="{D42A27DB-BD31-4B8C-83A1-F6EECF244321}">
-                <p14:modId xmlns:p14="http://schemas.microsoft.com/office/powerpoint/2010/main" val="2056830091"/>
-              </p:ext>
-            </p:extLst>
-          </p:nvPr>
-        </p:nvGraphicFramePr>
-        <p:xfrm>
-          <a:off x="6196013" y="1803400"/>
-          <a:ext cx="4773612" cy="4267200"/>
-        </p:xfrm>
-        <a:graphic>
-          <a:graphicData uri="http://schemas.openxmlformats.org/drawingml/2006/diagram">
-            <dgm:relIds xmlns:dgm="http://schemas.openxmlformats.org/drawingml/2006/diagram" xmlns:r="http://schemas.openxmlformats.org/officeDocument/2006/relationships" r:dm="rId3" r:lo="rId4" r:qs="rId5" r:cs="rId6"/>
-          </a:graphicData>
-        </a:graphic>
-      </p:graphicFrame>
+            <a:r>
+              <a:rPr lang="en-US" altLang="zh-TW" dirty="0" smtClean="0"/>
+              <a:t>MARS Key Expansion</a:t>
+            </a:r>
+            <a:endParaRPr lang="zh-TW" altLang="en-US" dirty="0"/>
+          </a:p>
+        </p:txBody>
+      </p:sp>
+      <p:pic>
+        <p:nvPicPr>
+          <p:cNvPr id="6" name="圖片 5"/>
+          <p:cNvPicPr>
+            <a:picLocks noChangeAspect="1"/>
+          </p:cNvPicPr>
+          <p:nvPr/>
+        </p:nvPicPr>
+        <p:blipFill>
+          <a:blip r:embed="rId3">
+            <a:extLst>
+              <a:ext uri="{28A0092B-C50C-407E-A947-70E740481C1C}">
+                <a14:useLocalDpi xmlns:a14="http://schemas.microsoft.com/office/drawing/2010/main" val="0"/>
+              </a:ext>
+            </a:extLst>
+          </a:blip>
+          <a:stretch>
+            <a:fillRect/>
+          </a:stretch>
+        </p:blipFill>
+        <p:spPr>
+          <a:xfrm>
+            <a:off x="1125860" y="1600200"/>
+            <a:ext cx="6353175" cy="2686050"/>
+          </a:xfrm>
+          <a:prstGeom prst="rect">
+            <a:avLst/>
+          </a:prstGeom>
+        </p:spPr>
+      </p:pic>
     </p:spTree>
     <p:extLst>
       <p:ext uri="{BB962C8B-B14F-4D97-AF65-F5344CB8AC3E}">
-        <p14:creationId xmlns:p14="http://schemas.microsoft.com/office/powerpoint/2010/main" val="3507259872"/>
+        <p14:creationId xmlns:p14="http://schemas.microsoft.com/office/powerpoint/2010/main" val="958950419"/>
       </p:ext>
     </p:extLst>
   </p:cSld>
@@ -10651,20 +5819,12 @@
           <a:p>
             <a:pPr rtl="0"/>
             <a:r>
-              <a:rPr lang="zh-TW" altLang="en-US" dirty="0" smtClean="0">
+              <a:rPr lang="en-US" altLang="zh-TW" dirty="0" err="1" smtClean="0">
                 <a:latin typeface="細明體" panose="02020509000000000000" pitchFamily="49" charset="-120"/>
                 <a:ea typeface="細明體" panose="02020509000000000000" pitchFamily="49" charset="-120"/>
                 <a:sym typeface="Salesforce Sans"/>
               </a:rPr>
-              <a:t>新增投影片標題 </a:t>
-            </a:r>
-            <a:r>
-              <a:rPr lang="en-US" altLang="zh-TW" dirty="0" smtClean="0">
-                <a:latin typeface="細明體" panose="02020509000000000000" pitchFamily="49" charset="-120"/>
-                <a:ea typeface="細明體" panose="02020509000000000000" pitchFamily="49" charset="-120"/>
-                <a:sym typeface="Salesforce Sans"/>
-              </a:rPr>
-              <a:t>- 1</a:t>
+              <a:t>DiffieHellman+AES</a:t>
             </a:r>
             <a:endParaRPr lang="zh-TW" altLang="en-US" dirty="0">
               <a:latin typeface="細明體" panose="02020509000000000000" pitchFamily="49" charset="-120"/>
@@ -10747,6 +5907,35 @@
           <a:chExt cx="0" cy="0"/>
         </a:xfrm>
       </p:grpSpPr>
+      <p:pic>
+        <p:nvPicPr>
+          <p:cNvPr id="10" name="內容版面配置區 9"/>
+          <p:cNvPicPr>
+            <a:picLocks noGrp="1" noChangeAspect="1"/>
+          </p:cNvPicPr>
+          <p:nvPr>
+            <p:ph sz="half" idx="2"/>
+          </p:nvPr>
+        </p:nvPicPr>
+        <p:blipFill>
+          <a:blip r:embed="rId3">
+            <a:extLst>
+              <a:ext uri="{28A0092B-C50C-407E-A947-70E740481C1C}">
+                <a14:useLocalDpi xmlns:a14="http://schemas.microsoft.com/office/drawing/2010/main" val="0"/>
+              </a:ext>
+            </a:extLst>
+          </a:blip>
+          <a:stretch>
+            <a:fillRect/>
+          </a:stretch>
+        </p:blipFill>
+        <p:spPr>
+          <a:xfrm>
+            <a:off x="477788" y="2564904"/>
+            <a:ext cx="9298255" cy="3486844"/>
+          </a:xfrm>
+        </p:spPr>
+      </p:pic>
       <p:sp>
         <p:nvSpPr>
           <p:cNvPr id="2" name="標題 1"/>
@@ -10755,6 +5944,65 @@
           </p:cNvSpPr>
           <p:nvPr>
             <p:ph type="title"/>
+          </p:nvPr>
+        </p:nvSpPr>
+        <p:spPr/>
+        <p:txBody>
+          <a:bodyPr rtlCol="0"/>
+          <a:lstStyle/>
+          <a:p>
+            <a:r>
+              <a:rPr lang="en-US" altLang="zh-TW" dirty="0" err="1">
+                <a:sym typeface="Salesforce Sans"/>
+              </a:rPr>
+              <a:t>DiffieHellman+AES</a:t>
+            </a:r>
+            <a:endParaRPr lang="zh-TW" altLang="en-US" dirty="0">
+              <a:latin typeface="細明體" panose="02020509000000000000" pitchFamily="49" charset="-120"/>
+              <a:ea typeface="細明體" panose="02020509000000000000" pitchFamily="49" charset="-120"/>
+              <a:sym typeface="Salesforce Sans"/>
+            </a:endParaRPr>
+          </a:p>
+        </p:txBody>
+      </p:sp>
+      <p:sp>
+        <p:nvSpPr>
+          <p:cNvPr id="3" name="文字預留位置 2"/>
+          <p:cNvSpPr>
+            <a:spLocks noGrp="1"/>
+          </p:cNvSpPr>
+          <p:nvPr>
+            <p:ph type="body" idx="1"/>
+          </p:nvPr>
+        </p:nvSpPr>
+        <p:spPr/>
+        <p:txBody>
+          <a:bodyPr rtlCol="0"/>
+          <a:lstStyle/>
+          <a:p>
+            <a:pPr rtl="0"/>
+            <a:r>
+              <a:rPr lang="zh-TW" altLang="en-US" dirty="0" smtClean="0">
+                <a:sym typeface="Salesforce Sans"/>
+              </a:rPr>
+              <a:t>過程</a:t>
+            </a:r>
+            <a:endParaRPr lang="zh-TW" altLang="en-US" dirty="0">
+              <a:latin typeface="細明體" panose="02020509000000000000" pitchFamily="49" charset="-120"/>
+              <a:ea typeface="細明體" panose="02020509000000000000" pitchFamily="49" charset="-120"/>
+              <a:sym typeface="Salesforce Sans"/>
+            </a:endParaRPr>
+          </a:p>
+        </p:txBody>
+      </p:sp>
+      <p:sp>
+        <p:nvSpPr>
+          <p:cNvPr id="5" name="文字預留位置 4"/>
+          <p:cNvSpPr>
+            <a:spLocks noGrp="1"/>
+          </p:cNvSpPr>
+          <p:nvPr>
+            <p:ph type="body" sz="quarter" idx="3"/>
           </p:nvPr>
         </p:nvSpPr>
         <p:spPr/>
@@ -10769,15 +6017,7 @@
                 <a:ea typeface="細明體" panose="02020509000000000000" pitchFamily="49" charset="-120"/>
                 <a:sym typeface="Salesforce Sans"/>
               </a:rPr>
-              <a:t>新增投影片標題 </a:t>
-            </a:r>
-            <a:r>
-              <a:rPr lang="en-US" altLang="zh-TW" dirty="0" smtClean="0">
-                <a:latin typeface="細明體" panose="02020509000000000000" pitchFamily="49" charset="-120"/>
-                <a:ea typeface="細明體" panose="02020509000000000000" pitchFamily="49" charset="-120"/>
-                <a:sym typeface="Salesforce Sans"/>
-              </a:rPr>
-              <a:t>- 2</a:t>
+              <a:t>介面</a:t>
             </a:r>
             <a:endParaRPr lang="zh-TW" altLang="en-US" dirty="0">
               <a:latin typeface="細明體" panose="02020509000000000000" pitchFamily="49" charset="-120"/>
@@ -10787,104 +6027,35 @@
           </a:p>
         </p:txBody>
       </p:sp>
-      <p:sp>
-        <p:nvSpPr>
-          <p:cNvPr id="3" name="文字預留位置 2"/>
-          <p:cNvSpPr>
-            <a:spLocks noGrp="1"/>
-          </p:cNvSpPr>
-          <p:nvPr>
-            <p:ph type="body" idx="1"/>
-          </p:nvPr>
-        </p:nvSpPr>
-        <p:spPr/>
-        <p:txBody>
-          <a:bodyPr rtlCol="0"/>
-          <a:lstStyle/>
-          <a:p>
-            <a:pPr rtl="0"/>
-            <a:endParaRPr lang="zh-TW" altLang="en-US" dirty="0">
-              <a:latin typeface="細明體" panose="02020509000000000000" pitchFamily="49" charset="-120"/>
-              <a:ea typeface="細明體" panose="02020509000000000000" pitchFamily="49" charset="-120"/>
-              <a:sym typeface="Salesforce Sans"/>
-            </a:endParaRPr>
-          </a:p>
-        </p:txBody>
-      </p:sp>
-      <p:sp>
-        <p:nvSpPr>
-          <p:cNvPr id="4" name="內容預留位置 3"/>
-          <p:cNvSpPr>
-            <a:spLocks noGrp="1"/>
-          </p:cNvSpPr>
-          <p:nvPr>
-            <p:ph sz="half" idx="2"/>
-          </p:nvPr>
-        </p:nvSpPr>
-        <p:spPr/>
-        <p:txBody>
-          <a:bodyPr rtlCol="0"/>
-          <a:lstStyle/>
-          <a:p>
-            <a:pPr rtl="0"/>
-            <a:endParaRPr lang="zh-TW" altLang="en-US" dirty="0">
-              <a:latin typeface="細明體" panose="02020509000000000000" pitchFamily="49" charset="-120"/>
-              <a:ea typeface="細明體" panose="02020509000000000000" pitchFamily="49" charset="-120"/>
-              <a:sym typeface="Salesforce Sans"/>
-            </a:endParaRPr>
-          </a:p>
-        </p:txBody>
-      </p:sp>
-      <p:sp>
-        <p:nvSpPr>
-          <p:cNvPr id="5" name="文字預留位置 4"/>
-          <p:cNvSpPr>
-            <a:spLocks noGrp="1"/>
-          </p:cNvSpPr>
-          <p:nvPr>
-            <p:ph type="body" sz="quarter" idx="3"/>
-          </p:nvPr>
-        </p:nvSpPr>
-        <p:spPr/>
-        <p:txBody>
-          <a:bodyPr rtlCol="0"/>
-          <a:lstStyle/>
-          <a:p>
-            <a:pPr rtl="0"/>
-            <a:endParaRPr lang="zh-TW" altLang="en-US" dirty="0">
-              <a:latin typeface="細明體" panose="02020509000000000000" pitchFamily="49" charset="-120"/>
-              <a:ea typeface="細明體" panose="02020509000000000000" pitchFamily="49" charset="-120"/>
-              <a:sym typeface="Salesforce Sans"/>
-            </a:endParaRPr>
-          </a:p>
-        </p:txBody>
-      </p:sp>
-      <p:sp>
-        <p:nvSpPr>
-          <p:cNvPr id="6" name="內容預留位置 5"/>
-          <p:cNvSpPr>
-            <a:spLocks noGrp="1"/>
-          </p:cNvSpPr>
+      <p:pic>
+        <p:nvPicPr>
+          <p:cNvPr id="8" name="內容版面配置區 7"/>
+          <p:cNvPicPr>
+            <a:picLocks noGrp="1" noChangeAspect="1"/>
+          </p:cNvPicPr>
           <p:nvPr>
             <p:ph sz="quarter" idx="4"/>
           </p:nvPr>
-        </p:nvSpPr>
-        <p:spPr/>
-        <p:txBody>
-          <a:bodyPr rtlCol="0">
-            <a:normAutofit/>
-          </a:bodyPr>
-          <a:lstStyle/>
-          <a:p>
-            <a:pPr rtl="0"/>
-            <a:endParaRPr lang="zh-TW" altLang="en-US" dirty="0">
-              <a:latin typeface="細明體" panose="02020509000000000000" pitchFamily="49" charset="-120"/>
-              <a:ea typeface="細明體" panose="02020509000000000000" pitchFamily="49" charset="-120"/>
-              <a:sym typeface="Salesforce Sans"/>
-            </a:endParaRPr>
-          </a:p>
-        </p:txBody>
-      </p:sp>
+        </p:nvPicPr>
+        <p:blipFill>
+          <a:blip r:embed="rId4">
+            <a:extLst>
+              <a:ext uri="{28A0092B-C50C-407E-A947-70E740481C1C}">
+                <a14:useLocalDpi xmlns:a14="http://schemas.microsoft.com/office/drawing/2010/main" val="0"/>
+              </a:ext>
+            </a:extLst>
+          </a:blip>
+          <a:stretch>
+            <a:fillRect/>
+          </a:stretch>
+        </p:blipFill>
+        <p:spPr>
+          <a:xfrm>
+            <a:off x="6454452" y="2508422"/>
+            <a:ext cx="3910041" cy="2264894"/>
+          </a:xfrm>
+        </p:spPr>
+      </p:pic>
     </p:spTree>
     <p:extLst>
       <p:ext uri="{BB962C8B-B14F-4D97-AF65-F5344CB8AC3E}">
@@ -10949,28 +6120,80 @@
           <a:bodyPr rtlCol="0"/>
           <a:lstStyle/>
           <a:p>
-            <a:pPr rtl="0"/>
-            <a:r>
-              <a:rPr lang="zh-TW" altLang="en-US" dirty="0" smtClean="0">
-                <a:latin typeface="細明體" panose="02020509000000000000" pitchFamily="49" charset="-120"/>
-                <a:ea typeface="細明體" panose="02020509000000000000" pitchFamily="49" charset="-120"/>
+            <a:r>
+              <a:rPr lang="en-US" altLang="zh-TW" dirty="0" err="1">
                 <a:sym typeface="Salesforce Sans"/>
               </a:rPr>
-              <a:t>新增投影片標題 </a:t>
-            </a:r>
-            <a:r>
-              <a:rPr lang="en-US" altLang="zh-TW" dirty="0" smtClean="0">
-                <a:latin typeface="細明體" panose="02020509000000000000" pitchFamily="49" charset="-120"/>
-                <a:ea typeface="細明體" panose="02020509000000000000" pitchFamily="49" charset="-120"/>
-                <a:sym typeface="Salesforce Sans"/>
-              </a:rPr>
-              <a:t>- 3</a:t>
+              <a:t>DiffieHellman+AES</a:t>
             </a:r>
             <a:endParaRPr lang="zh-TW" altLang="en-US" dirty="0">
               <a:latin typeface="細明體" panose="02020509000000000000" pitchFamily="49" charset="-120"/>
               <a:ea typeface="細明體" panose="02020509000000000000" pitchFamily="49" charset="-120"/>
               <a:sym typeface="Salesforce Sans"/>
             </a:endParaRPr>
+          </a:p>
+        </p:txBody>
+      </p:sp>
+      <p:sp>
+        <p:nvSpPr>
+          <p:cNvPr id="5" name="內容版面配置區 4"/>
+          <p:cNvSpPr>
+            <a:spLocks noGrp="1"/>
+          </p:cNvSpPr>
+          <p:nvPr>
+            <p:ph idx="1"/>
+          </p:nvPr>
+        </p:nvSpPr>
+        <p:spPr/>
+        <p:txBody>
+          <a:bodyPr/>
+          <a:lstStyle/>
+          <a:p>
+            <a:pPr marL="0" indent="0">
+              <a:buNone/>
+            </a:pPr>
+            <a:r>
+              <a:rPr lang="en-US" altLang="zh-TW" dirty="0" smtClean="0"/>
+              <a:t>CODE:</a:t>
+            </a:r>
+          </a:p>
+          <a:p>
+            <a:pPr marL="0" indent="0">
+              <a:buNone/>
+            </a:pPr>
+            <a:r>
+              <a:rPr lang="en-US" altLang="zh-TW" dirty="0"/>
+              <a:t>	</a:t>
+            </a:r>
+            <a:r>
+              <a:rPr lang="en-US" altLang="zh-TW" dirty="0" err="1" smtClean="0">
+                <a:hlinkClick r:id="rId3"/>
+              </a:rPr>
+              <a:t>DiffieHellman</a:t>
+            </a:r>
+            <a:r>
+              <a:rPr lang="en-US" altLang="zh-TW" dirty="0" smtClean="0">
+                <a:hlinkClick r:id="rId3"/>
+              </a:rPr>
+              <a:t> + AES</a:t>
+            </a:r>
+            <a:endParaRPr lang="en-US" altLang="zh-TW" dirty="0" smtClean="0"/>
+          </a:p>
+          <a:p>
+            <a:pPr marL="0" indent="0">
+              <a:buNone/>
+            </a:pPr>
+            <a:r>
+              <a:rPr lang="en-US" altLang="zh-TW" dirty="0"/>
+              <a:t>	</a:t>
+            </a:r>
+            <a:r>
+              <a:rPr lang="en-US" altLang="zh-TW" dirty="0" err="1" smtClean="0">
+                <a:hlinkClick r:id="rId4"/>
+              </a:rPr>
+              <a:t>Select_a_q</a:t>
+            </a:r>
+            <a:endParaRPr lang="zh-TW" altLang="en-US" dirty="0"/>
           </a:p>
         </p:txBody>
       </p:sp>
@@ -11023,285 +6246,71 @@
           <a:chExt cx="0" cy="0"/>
         </a:xfrm>
       </p:grpSpPr>
+      <p:sp>
+        <p:nvSpPr>
+          <p:cNvPr id="2" name="標題 1"/>
+          <p:cNvSpPr>
+            <a:spLocks noGrp="1"/>
+          </p:cNvSpPr>
+          <p:nvPr>
+            <p:ph type="title"/>
+          </p:nvPr>
+        </p:nvSpPr>
+        <p:spPr/>
+        <p:txBody>
+          <a:bodyPr/>
+          <a:lstStyle/>
+          <a:p>
+            <a:endParaRPr lang="zh-TW" altLang="en-US"/>
+          </a:p>
+        </p:txBody>
+      </p:sp>
+      <p:pic>
+        <p:nvPicPr>
+          <p:cNvPr id="4" name="內容版面配置區 3"/>
+          <p:cNvPicPr>
+            <a:picLocks noGrp="1" noChangeAspect="1"/>
+          </p:cNvPicPr>
+          <p:nvPr>
+            <p:ph idx="1"/>
+          </p:nvPr>
+        </p:nvPicPr>
+        <p:blipFill>
+          <a:blip r:embed="rId2">
+            <a:extLst>
+              <a:ext uri="{28A0092B-C50C-407E-A947-70E740481C1C}">
+                <a14:useLocalDpi xmlns:a14="http://schemas.microsoft.com/office/drawing/2010/main" val="0"/>
+              </a:ext>
+            </a:extLst>
+          </a:blip>
+          <a:stretch>
+            <a:fillRect/>
+          </a:stretch>
+        </p:blipFill>
+        <p:spPr>
+          <a:xfrm>
+            <a:off x="4654252" y="2564904"/>
+            <a:ext cx="2143125" cy="2143125"/>
+          </a:xfrm>
+        </p:spPr>
+      </p:pic>
     </p:spTree>
     <p:extLst>
       <p:ext uri="{BB962C8B-B14F-4D97-AF65-F5344CB8AC3E}">
-        <p14:creationId xmlns:p14="http://schemas.microsoft.com/office/powerpoint/2010/main" val="2623819822"/>
+        <p14:creationId xmlns:p14="http://schemas.microsoft.com/office/powerpoint/2010/main" val="327114150"/>
       </p:ext>
     </p:extLst>
   </p:cSld>
   <p:clrMapOvr>
     <a:masterClrMapping/>
   </p:clrMapOvr>
-  <mc:AlternateContent xmlns:mc="http://schemas.openxmlformats.org/markup-compatibility/2006" xmlns:p14="http://schemas.microsoft.com/office/powerpoint/2010/main">
-    <mc:Choice Requires="p14">
+  <mc:AlternateContent xmlns:mc="http://schemas.openxmlformats.org/markup-compatibility/2006">
+    <mc:Choice xmlns:p14="http://schemas.microsoft.com/office/powerpoint/2010/main" Requires="p14">
       <p:transition spd="med" p14:dur="700">
         <p:fade/>
       </p:transition>
     </mc:Choice>
-    <mc:Fallback xmlns="">
-      <p:transition spd="med">
-        <p:fade/>
-      </p:transition>
-    </mc:Fallback>
-  </mc:AlternateContent>
-  <p:timing>
-    <p:tnLst>
-      <p:par>
-        <p:cTn id="1" dur="indefinite" restart="never" nodeType="tmRoot"/>
-      </p:par>
-    </p:tnLst>
-  </p:timing>
-</p:sld>
-</file>
-
-<file path=ppt/slides/slide15.xml><?xml version="1.0" encoding="utf-8"?>
-<p:sld xmlns:a="http://schemas.openxmlformats.org/drawingml/2006/main" xmlns:r="http://schemas.openxmlformats.org/officeDocument/2006/relationships" xmlns:p="http://schemas.openxmlformats.org/presentationml/2006/main">
-  <p:cSld>
-    <p:spTree>
-      <p:nvGrpSpPr>
-        <p:cNvPr id="1" name=""/>
-        <p:cNvGrpSpPr/>
-        <p:nvPr/>
-      </p:nvGrpSpPr>
-      <p:grpSpPr>
-        <a:xfrm>
-          <a:off x="0" y="0"/>
-          <a:ext cx="0" cy="0"/>
-          <a:chOff x="0" y="0"/>
-          <a:chExt cx="0" cy="0"/>
-        </a:xfrm>
-      </p:grpSpPr>
-      <p:sp>
-        <p:nvSpPr>
-          <p:cNvPr id="2" name="標題 1"/>
-          <p:cNvSpPr>
-            <a:spLocks noGrp="1"/>
-          </p:cNvSpPr>
-          <p:nvPr>
-            <p:ph type="title"/>
-          </p:nvPr>
-        </p:nvSpPr>
-        <p:spPr/>
-        <p:txBody>
-          <a:bodyPr rtlCol="0"/>
-          <a:lstStyle/>
-          <a:p>
-            <a:pPr rtl="0"/>
-            <a:r>
-              <a:rPr lang="zh-TW" altLang="en-US" dirty="0" smtClean="0">
-                <a:latin typeface="細明體" panose="02020509000000000000" pitchFamily="49" charset="-120"/>
-                <a:ea typeface="細明體" panose="02020509000000000000" pitchFamily="49" charset="-120"/>
-                <a:sym typeface="Salesforce Sans"/>
-              </a:rPr>
-              <a:t>新增投影片標題 </a:t>
-            </a:r>
-            <a:r>
-              <a:rPr lang="en-US" altLang="zh-TW" dirty="0" smtClean="0">
-                <a:latin typeface="細明體" panose="02020509000000000000" pitchFamily="49" charset="-120"/>
-                <a:ea typeface="細明體" panose="02020509000000000000" pitchFamily="49" charset="-120"/>
-                <a:sym typeface="Salesforce Sans"/>
-              </a:rPr>
-              <a:t>- 4</a:t>
-            </a:r>
-            <a:endParaRPr lang="zh-TW" altLang="en-US" dirty="0">
-              <a:latin typeface="細明體" panose="02020509000000000000" pitchFamily="49" charset="-120"/>
-              <a:ea typeface="細明體" panose="02020509000000000000" pitchFamily="49" charset="-120"/>
-              <a:sym typeface="Salesforce Sans"/>
-            </a:endParaRPr>
-          </a:p>
-        </p:txBody>
-      </p:sp>
-      <p:sp>
-        <p:nvSpPr>
-          <p:cNvPr id="3" name="內容預留位置 2"/>
-          <p:cNvSpPr>
-            <a:spLocks noGrp="1"/>
-          </p:cNvSpPr>
-          <p:nvPr>
-            <p:ph idx="1"/>
-          </p:nvPr>
-        </p:nvSpPr>
-        <p:spPr/>
-        <p:txBody>
-          <a:bodyPr rtlCol="0"/>
-          <a:lstStyle/>
-          <a:p>
-            <a:pPr rtl="0"/>
-            <a:endParaRPr lang="zh-TW" altLang="en-US" dirty="0">
-              <a:latin typeface="細明體" panose="02020509000000000000" pitchFamily="49" charset="-120"/>
-              <a:ea typeface="細明體" panose="02020509000000000000" pitchFamily="49" charset="-120"/>
-              <a:sym typeface="Salesforce Sans"/>
-            </a:endParaRPr>
-          </a:p>
-        </p:txBody>
-      </p:sp>
-      <p:sp>
-        <p:nvSpPr>
-          <p:cNvPr id="4" name="文字預留位置 3"/>
-          <p:cNvSpPr>
-            <a:spLocks noGrp="1"/>
-          </p:cNvSpPr>
-          <p:nvPr>
-            <p:ph type="body" sz="half" idx="2"/>
-          </p:nvPr>
-        </p:nvSpPr>
-        <p:spPr/>
-        <p:txBody>
-          <a:bodyPr rtlCol="0"/>
-          <a:lstStyle/>
-          <a:p>
-            <a:pPr rtl="0"/>
-            <a:endParaRPr lang="zh-TW" altLang="en-US" dirty="0">
-              <a:latin typeface="細明體" panose="02020509000000000000" pitchFamily="49" charset="-120"/>
-              <a:ea typeface="細明體" panose="02020509000000000000" pitchFamily="49" charset="-120"/>
-              <a:sym typeface="Salesforce Sans"/>
-            </a:endParaRPr>
-          </a:p>
-        </p:txBody>
-      </p:sp>
-    </p:spTree>
-    <p:extLst>
-      <p:ext uri="{BB962C8B-B14F-4D97-AF65-F5344CB8AC3E}">
-        <p14:creationId xmlns:p14="http://schemas.microsoft.com/office/powerpoint/2010/main" val="4237772798"/>
-      </p:ext>
-    </p:extLst>
-  </p:cSld>
-  <p:clrMapOvr>
-    <a:masterClrMapping/>
-  </p:clrMapOvr>
-  <mc:AlternateContent xmlns:mc="http://schemas.openxmlformats.org/markup-compatibility/2006" xmlns:p14="http://schemas.microsoft.com/office/powerpoint/2010/main">
-    <mc:Choice Requires="p14">
-      <p:transition spd="med" p14:dur="700">
-        <p:fade/>
-      </p:transition>
-    </mc:Choice>
-    <mc:Fallback xmlns="">
-      <p:transition spd="med">
-        <p:fade/>
-      </p:transition>
-    </mc:Fallback>
-  </mc:AlternateContent>
-  <p:timing>
-    <p:tnLst>
-      <p:par>
-        <p:cTn id="1" dur="indefinite" restart="never" nodeType="tmRoot"/>
-      </p:par>
-    </p:tnLst>
-  </p:timing>
-</p:sld>
-</file>
-
-<file path=ppt/slides/slide16.xml><?xml version="1.0" encoding="utf-8"?>
-<p:sld xmlns:a="http://schemas.openxmlformats.org/drawingml/2006/main" xmlns:r="http://schemas.openxmlformats.org/officeDocument/2006/relationships" xmlns:p="http://schemas.openxmlformats.org/presentationml/2006/main">
-  <p:cSld>
-    <p:spTree>
-      <p:nvGrpSpPr>
-        <p:cNvPr id="1" name=""/>
-        <p:cNvGrpSpPr/>
-        <p:nvPr/>
-      </p:nvGrpSpPr>
-      <p:grpSpPr>
-        <a:xfrm>
-          <a:off x="0" y="0"/>
-          <a:ext cx="0" cy="0"/>
-          <a:chOff x="0" y="0"/>
-          <a:chExt cx="0" cy="0"/>
-        </a:xfrm>
-      </p:grpSpPr>
-      <p:sp>
-        <p:nvSpPr>
-          <p:cNvPr id="2" name="標題 1"/>
-          <p:cNvSpPr>
-            <a:spLocks noGrp="1"/>
-          </p:cNvSpPr>
-          <p:nvPr>
-            <p:ph type="title"/>
-          </p:nvPr>
-        </p:nvSpPr>
-        <p:spPr/>
-        <p:txBody>
-          <a:bodyPr rtlCol="0"/>
-          <a:lstStyle/>
-          <a:p>
-            <a:pPr rtl="0"/>
-            <a:r>
-              <a:rPr lang="zh-TW" altLang="en-US" dirty="0" smtClean="0">
-                <a:latin typeface="細明體" panose="02020509000000000000" pitchFamily="49" charset="-120"/>
-                <a:ea typeface="細明體" panose="02020509000000000000" pitchFamily="49" charset="-120"/>
-                <a:sym typeface="Salesforce Sans"/>
-              </a:rPr>
-              <a:t>新增投影片標題 </a:t>
-            </a:r>
-            <a:r>
-              <a:rPr lang="en-US" altLang="zh-TW" dirty="0" smtClean="0">
-                <a:latin typeface="細明體" panose="02020509000000000000" pitchFamily="49" charset="-120"/>
-                <a:ea typeface="細明體" panose="02020509000000000000" pitchFamily="49" charset="-120"/>
-                <a:sym typeface="Salesforce Sans"/>
-              </a:rPr>
-              <a:t>- 5</a:t>
-            </a:r>
-            <a:endParaRPr lang="zh-TW" altLang="en-US" dirty="0">
-              <a:latin typeface="細明體" panose="02020509000000000000" pitchFamily="49" charset="-120"/>
-              <a:ea typeface="細明體" panose="02020509000000000000" pitchFamily="49" charset="-120"/>
-              <a:sym typeface="Salesforce Sans"/>
-            </a:endParaRPr>
-          </a:p>
-        </p:txBody>
-      </p:sp>
-      <p:sp>
-        <p:nvSpPr>
-          <p:cNvPr id="5" name="圖片預留位置 4" descr="要新增影像的空白預留位置。按一下預留位置，然後選取您想要新增的影像。"/>
-          <p:cNvSpPr>
-            <a:spLocks noGrp="1"/>
-          </p:cNvSpPr>
-          <p:nvPr>
-            <p:ph type="pic" idx="1"/>
-          </p:nvPr>
-        </p:nvSpPr>
-        <p:spPr/>
-      </p:sp>
-      <p:sp>
-        <p:nvSpPr>
-          <p:cNvPr id="4" name="文字預留位置 3"/>
-          <p:cNvSpPr>
-            <a:spLocks noGrp="1"/>
-          </p:cNvSpPr>
-          <p:nvPr>
-            <p:ph type="body" sz="half" idx="2"/>
-          </p:nvPr>
-        </p:nvSpPr>
-        <p:spPr/>
-        <p:txBody>
-          <a:bodyPr rtlCol="0"/>
-          <a:lstStyle/>
-          <a:p>
-            <a:pPr rtl="0"/>
-            <a:endParaRPr lang="zh-TW" altLang="en-US" dirty="0">
-              <a:latin typeface="細明體" panose="02020509000000000000" pitchFamily="49" charset="-120"/>
-              <a:ea typeface="細明體" panose="02020509000000000000" pitchFamily="49" charset="-120"/>
-              <a:sym typeface="Salesforce Sans"/>
-            </a:endParaRPr>
-          </a:p>
-        </p:txBody>
-      </p:sp>
-    </p:spTree>
-    <p:extLst>
-      <p:ext uri="{BB962C8B-B14F-4D97-AF65-F5344CB8AC3E}">
-        <p14:creationId xmlns:p14="http://schemas.microsoft.com/office/powerpoint/2010/main" val="849448384"/>
-      </p:ext>
-    </p:extLst>
-  </p:cSld>
-  <p:clrMapOvr>
-    <a:masterClrMapping/>
-  </p:clrMapOvr>
-  <mc:AlternateContent xmlns:mc="http://schemas.openxmlformats.org/markup-compatibility/2006" xmlns:p14="http://schemas.microsoft.com/office/powerpoint/2010/main">
-    <mc:Choice Requires="p14">
-      <p:transition spd="med" p14:dur="700">
-        <p:fade/>
-      </p:transition>
-    </mc:Choice>
-    <mc:Fallback xmlns="">
+    <mc:Fallback>
       <p:transition spd="med">
         <p:fade/>
       </p:transition>
@@ -11652,7 +6661,7 @@
           <a:bodyPr/>
           <a:lstStyle/>
           <a:p>
-            <a:endParaRPr lang="zh-TW" altLang="en-US"/>
+            <a:endParaRPr lang="zh-TW" altLang="en-US" dirty="0"/>
           </a:p>
         </p:txBody>
       </p:sp>
@@ -11707,6 +6716,13 @@
       </p:transition>
     </mc:Fallback>
   </mc:AlternateContent>
+  <p:timing>
+    <p:tnLst>
+      <p:par>
+        <p:cTn id="1" dur="indefinite" restart="never" nodeType="tmRoot"/>
+      </p:par>
+    </p:tnLst>
+  </p:timing>
 </p:sld>
 </file>
 
@@ -12648,68 +7664,93 @@
         </p:nvSpPr>
         <p:spPr/>
         <p:txBody>
-          <a:bodyPr rtlCol="0"/>
+          <a:bodyPr/>
           <a:lstStyle/>
           <a:p>
-            <a:pPr rtl="0"/>
-            <a:r>
-              <a:rPr lang="zh-TW" altLang="en-US" dirty="0" smtClean="0">
-                <a:latin typeface="Salesforce Sans"/>
-                <a:ea typeface="細明體" panose="02020509000000000000" pitchFamily="49" charset="-120"/>
-                <a:sym typeface="Salesforce Sans"/>
-              </a:rPr>
-              <a:t>標題及含圖表的內容版面配置</a:t>
-            </a:r>
-            <a:endParaRPr lang="zh-TW" altLang="en-US" dirty="0">
-              <a:latin typeface="Salesforce Sans"/>
-              <a:ea typeface="細明體" panose="02020509000000000000" pitchFamily="49" charset="-120"/>
-              <a:sym typeface="Salesforce Sans"/>
-            </a:endParaRPr>
-          </a:p>
-        </p:txBody>
-      </p:sp>
-      <p:graphicFrame>
-        <p:nvGraphicFramePr>
-          <p:cNvPr id="6" name="內容預留位置 5" descr="顯示由 3 種數列值所組成 4 種類別的群組直條圖"/>
-          <p:cNvGraphicFramePr>
-            <a:graphicFrameLocks noGrp="1"/>
-          </p:cNvGraphicFramePr>
+            <a:r>
+              <a:rPr lang="en-US" altLang="zh-TW" dirty="0" smtClean="0"/>
+              <a:t>MARS Key Expansion</a:t>
+            </a:r>
+            <a:endParaRPr lang="zh-TW" altLang="en-US" dirty="0"/>
+          </a:p>
+        </p:txBody>
+      </p:sp>
+      <p:pic>
+        <p:nvPicPr>
+          <p:cNvPr id="8" name="內容版面配置區 7"/>
+          <p:cNvPicPr>
+            <a:picLocks noGrp="1" noChangeAspect="1"/>
+          </p:cNvPicPr>
           <p:nvPr>
             <p:ph idx="1"/>
-            <p:extLst>
-              <p:ext uri="{D42A27DB-BD31-4B8C-83A1-F6EECF244321}">
-                <p14:modId xmlns:p14="http://schemas.microsoft.com/office/powerpoint/2010/main" val="3498427995"/>
-              </p:ext>
-            </p:extLst>
-          </p:nvPr>
-        </p:nvGraphicFramePr>
-        <p:xfrm>
-          <a:off x="1219200" y="1803400"/>
-          <a:ext cx="9750425" cy="4267200"/>
-        </p:xfrm>
-        <a:graphic>
-          <a:graphicData uri="http://schemas.openxmlformats.org/drawingml/2006/chart">
-            <c:chart xmlns:c="http://schemas.openxmlformats.org/drawingml/2006/chart" xmlns:r="http://schemas.openxmlformats.org/officeDocument/2006/relationships" r:id="rId3"/>
-          </a:graphicData>
-        </a:graphic>
-      </p:graphicFrame>
+          </p:nvPr>
+        </p:nvPicPr>
+        <p:blipFill>
+          <a:blip r:embed="rId2">
+            <a:extLst>
+              <a:ext uri="{28A0092B-C50C-407E-A947-70E740481C1C}">
+                <a14:useLocalDpi xmlns:a14="http://schemas.microsoft.com/office/drawing/2010/main" val="0"/>
+              </a:ext>
+            </a:extLst>
+          </a:blip>
+          <a:stretch>
+            <a:fillRect/>
+          </a:stretch>
+        </p:blipFill>
+        <p:spPr>
+          <a:xfrm>
+            <a:off x="5662364" y="3068960"/>
+            <a:ext cx="6019800" cy="3467100"/>
+          </a:xfrm>
+        </p:spPr>
+      </p:pic>
+      <p:pic>
+        <p:nvPicPr>
+          <p:cNvPr id="10" name="圖片 9"/>
+          <p:cNvPicPr>
+            <a:picLocks noChangeAspect="1"/>
+          </p:cNvPicPr>
+          <p:nvPr/>
+        </p:nvPicPr>
+        <p:blipFill>
+          <a:blip r:embed="rId3">
+            <a:extLst>
+              <a:ext uri="{28A0092B-C50C-407E-A947-70E740481C1C}">
+                <a14:useLocalDpi xmlns:a14="http://schemas.microsoft.com/office/drawing/2010/main" val="0"/>
+              </a:ext>
+            </a:extLst>
+          </a:blip>
+          <a:stretch>
+            <a:fillRect/>
+          </a:stretch>
+        </p:blipFill>
+        <p:spPr>
+          <a:xfrm>
+            <a:off x="621804" y="1614470"/>
+            <a:ext cx="7953375" cy="1800225"/>
+          </a:xfrm>
+          <a:prstGeom prst="rect">
+            <a:avLst/>
+          </a:prstGeom>
+        </p:spPr>
+      </p:pic>
     </p:spTree>
     <p:extLst>
       <p:ext uri="{BB962C8B-B14F-4D97-AF65-F5344CB8AC3E}">
-        <p14:creationId xmlns:p14="http://schemas.microsoft.com/office/powerpoint/2010/main" val="1711846402"/>
+        <p14:creationId xmlns:p14="http://schemas.microsoft.com/office/powerpoint/2010/main" val="1325767331"/>
       </p:ext>
     </p:extLst>
   </p:cSld>
   <p:clrMapOvr>
     <a:masterClrMapping/>
   </p:clrMapOvr>
-  <mc:AlternateContent xmlns:mc="http://schemas.openxmlformats.org/markup-compatibility/2006" xmlns:p14="http://schemas.microsoft.com/office/powerpoint/2010/main">
-    <mc:Choice Requires="p14">
+  <mc:AlternateContent xmlns:mc="http://schemas.openxmlformats.org/markup-compatibility/2006">
+    <mc:Choice xmlns:p14="http://schemas.microsoft.com/office/powerpoint/2010/main" Requires="p14">
       <p:transition spd="med" p14:dur="700">
         <p:fade/>
       </p:transition>
     </mc:Choice>
-    <mc:Fallback xmlns="">
+    <mc:Fallback>
       <p:transition spd="med">
         <p:fade/>
       </p:transition>
@@ -12742,6 +7783,66 @@
           <a:chExt cx="0" cy="0"/>
         </a:xfrm>
       </p:grpSpPr>
+      <p:pic>
+        <p:nvPicPr>
+          <p:cNvPr id="3" name="圖片 2"/>
+          <p:cNvPicPr>
+            <a:picLocks noChangeAspect="1"/>
+          </p:cNvPicPr>
+          <p:nvPr/>
+        </p:nvPicPr>
+        <p:blipFill>
+          <a:blip r:embed="rId2">
+            <a:extLst>
+              <a:ext uri="{28A0092B-C50C-407E-A947-70E740481C1C}">
+                <a14:useLocalDpi xmlns:a14="http://schemas.microsoft.com/office/drawing/2010/main" val="0"/>
+              </a:ext>
+            </a:extLst>
+          </a:blip>
+          <a:stretch>
+            <a:fillRect/>
+          </a:stretch>
+        </p:blipFill>
+        <p:spPr>
+          <a:xfrm>
+            <a:off x="5662364" y="3054690"/>
+            <a:ext cx="6019800" cy="3467100"/>
+          </a:xfrm>
+          <a:prstGeom prst="rect">
+            <a:avLst/>
+          </a:prstGeom>
+        </p:spPr>
+      </p:pic>
+      <p:pic>
+        <p:nvPicPr>
+          <p:cNvPr id="5" name="圖片 4"/>
+          <p:cNvPicPr>
+            <a:picLocks noChangeAspect="1"/>
+          </p:cNvPicPr>
+          <p:nvPr/>
+        </p:nvPicPr>
+        <p:blipFill>
+          <a:blip r:embed="rId3">
+            <a:extLst>
+              <a:ext uri="{28A0092B-C50C-407E-A947-70E740481C1C}">
+                <a14:useLocalDpi xmlns:a14="http://schemas.microsoft.com/office/drawing/2010/main" val="0"/>
+              </a:ext>
+            </a:extLst>
+          </a:blip>
+          <a:stretch>
+            <a:fillRect/>
+          </a:stretch>
+        </p:blipFill>
+        <p:spPr>
+          <a:xfrm>
+            <a:off x="655141" y="1682832"/>
+            <a:ext cx="7886700" cy="1771650"/>
+          </a:xfrm>
+          <a:prstGeom prst="rect">
+            <a:avLst/>
+          </a:prstGeom>
+        </p:spPr>
+      </p:pic>
       <p:sp>
         <p:nvSpPr>
           <p:cNvPr id="2" name="標題 1"/>
@@ -12754,480 +7855,21 @@
         </p:nvSpPr>
         <p:spPr/>
         <p:txBody>
-          <a:bodyPr rtlCol="0"/>
+          <a:bodyPr/>
           <a:lstStyle/>
           <a:p>
-            <a:pPr rtl="0"/>
-            <a:r>
-              <a:rPr lang="zh-TW" altLang="en-US" dirty="0" smtClean="0">
-                <a:latin typeface="Salesforce Sans"/>
-                <a:ea typeface="細明體" panose="02020509000000000000" pitchFamily="49" charset="-120"/>
-                <a:sym typeface="Salesforce Sans"/>
-              </a:rPr>
-              <a:t>含表格的兩項內容版面配置</a:t>
-            </a:r>
-            <a:endParaRPr lang="zh-TW" altLang="en-US" dirty="0">
-              <a:latin typeface="Salesforce Sans"/>
-              <a:ea typeface="細明體" panose="02020509000000000000" pitchFamily="49" charset="-120"/>
-              <a:sym typeface="Salesforce Sans"/>
-            </a:endParaRPr>
-          </a:p>
-        </p:txBody>
-      </p:sp>
-      <p:graphicFrame>
-        <p:nvGraphicFramePr>
-          <p:cNvPr id="4" name="內容預留位置 3"/>
-          <p:cNvGraphicFramePr>
-            <a:graphicFrameLocks noGrp="1"/>
-          </p:cNvGraphicFramePr>
-          <p:nvPr>
-            <p:ph sz="half" idx="1"/>
-            <p:extLst>
-              <p:ext uri="{D42A27DB-BD31-4B8C-83A1-F6EECF244321}">
-                <p14:modId xmlns:p14="http://schemas.microsoft.com/office/powerpoint/2010/main" val="32631267"/>
-              </p:ext>
-            </p:extLst>
-          </p:nvPr>
-        </p:nvGraphicFramePr>
-        <p:xfrm>
-          <a:off x="1219200" y="1803400"/>
-          <a:ext cx="4773612" cy="2082800"/>
-        </p:xfrm>
-        <a:graphic>
-          <a:graphicData uri="http://schemas.openxmlformats.org/drawingml/2006/table">
-            <a:tbl>
-              <a:tblPr firstRow="1" bandRow="1">
-                <a:tableStyleId>{5C22544A-7EE6-4342-B048-85BDC9FD1C3A}</a:tableStyleId>
-              </a:tblPr>
-              <a:tblGrid>
-                <a:gridCol w="1591204">
-                  <a:extLst>
-                    <a:ext uri="{9D8B030D-6E8A-4147-A177-3AD203B41FA5}">
-                      <a16:colId xmlns="" xmlns:a16="http://schemas.microsoft.com/office/drawing/2014/main" val="20000"/>
-                    </a:ext>
-                  </a:extLst>
-                </a:gridCol>
-                <a:gridCol w="1591204">
-                  <a:extLst>
-                    <a:ext uri="{9D8B030D-6E8A-4147-A177-3AD203B41FA5}">
-                      <a16:colId xmlns="" xmlns:a16="http://schemas.microsoft.com/office/drawing/2014/main" val="20001"/>
-                    </a:ext>
-                  </a:extLst>
-                </a:gridCol>
-                <a:gridCol w="1591204">
-                  <a:extLst>
-                    <a:ext uri="{9D8B030D-6E8A-4147-A177-3AD203B41FA5}">
-                      <a16:colId xmlns="" xmlns:a16="http://schemas.microsoft.com/office/drawing/2014/main" val="20002"/>
-                    </a:ext>
-                  </a:extLst>
-                </a:gridCol>
-              </a:tblGrid>
-              <a:tr h="520700">
-                <a:tc>
-                  <a:txBody>
-                    <a:bodyPr/>
-                    <a:lstStyle/>
-                    <a:p>
-                      <a:pPr rtl="0"/>
-                      <a:r>
-                        <a:rPr lang="zh-TW" altLang="en-US" noProof="0" dirty="0" smtClean="0">
-                          <a:latin typeface="細明體" panose="02020509000000000000" pitchFamily="49" charset="-120"/>
-                          <a:ea typeface="細明體" panose="02020509000000000000" pitchFamily="49" charset="-120"/>
-                          <a:sym typeface="Salesforce Sans"/>
-                        </a:rPr>
-                        <a:t>類別</a:t>
-                      </a:r>
-                      <a:endParaRPr lang="zh-TW" altLang="en-US" noProof="0" dirty="0">
-                        <a:latin typeface="細明體" panose="02020509000000000000" pitchFamily="49" charset="-120"/>
-                        <a:ea typeface="細明體" panose="02020509000000000000" pitchFamily="49" charset="-120"/>
-                        <a:sym typeface="Salesforce Sans"/>
-                      </a:endParaRPr>
-                    </a:p>
-                  </a:txBody>
-                  <a:tcPr anchor="ctr"/>
-                </a:tc>
-                <a:tc>
-                  <a:txBody>
-                    <a:bodyPr/>
-                    <a:lstStyle/>
-                    <a:p>
-                      <a:pPr algn="ctr" rtl="0"/>
-                      <a:r>
-                        <a:rPr lang="zh-TW" altLang="en-US" noProof="0" dirty="0" smtClean="0">
-                          <a:latin typeface="細明體" panose="02020509000000000000" pitchFamily="49" charset="-120"/>
-                          <a:ea typeface="細明體" panose="02020509000000000000" pitchFamily="49" charset="-120"/>
-                          <a:sym typeface="Salesforce Sans"/>
-                        </a:rPr>
-                        <a:t>群組 </a:t>
-                      </a:r>
-                      <a:r>
-                        <a:rPr lang="en-US" altLang="zh-TW" noProof="0" dirty="0" smtClean="0">
-                          <a:latin typeface="細明體" panose="02020509000000000000" pitchFamily="49" charset="-120"/>
-                          <a:ea typeface="細明體" panose="02020509000000000000" pitchFamily="49" charset="-120"/>
-                          <a:sym typeface="Salesforce Sans"/>
-                        </a:rPr>
-                        <a:t>A</a:t>
-                      </a:r>
-                      <a:endParaRPr lang="zh-TW" altLang="en-US" noProof="0" dirty="0">
-                        <a:latin typeface="細明體" panose="02020509000000000000" pitchFamily="49" charset="-120"/>
-                        <a:ea typeface="細明體" panose="02020509000000000000" pitchFamily="49" charset="-120"/>
-                        <a:sym typeface="Salesforce Sans"/>
-                      </a:endParaRPr>
-                    </a:p>
-                  </a:txBody>
-                  <a:tcPr anchor="ctr"/>
-                </a:tc>
-                <a:tc>
-                  <a:txBody>
-                    <a:bodyPr/>
-                    <a:lstStyle/>
-                    <a:p>
-                      <a:pPr algn="ctr" rtl="0"/>
-                      <a:r>
-                        <a:rPr lang="zh-TW" altLang="en-US" noProof="0" dirty="0" smtClean="0">
-                          <a:latin typeface="細明體" panose="02020509000000000000" pitchFamily="49" charset="-120"/>
-                          <a:ea typeface="細明體" panose="02020509000000000000" pitchFamily="49" charset="-120"/>
-                          <a:sym typeface="Salesforce Sans"/>
-                        </a:rPr>
-                        <a:t>群組 </a:t>
-                      </a:r>
-                      <a:r>
-                        <a:rPr lang="en-US" altLang="zh-TW" noProof="0" dirty="0" smtClean="0">
-                          <a:latin typeface="細明體" panose="02020509000000000000" pitchFamily="49" charset="-120"/>
-                          <a:ea typeface="細明體" panose="02020509000000000000" pitchFamily="49" charset="-120"/>
-                          <a:sym typeface="Salesforce Sans"/>
-                        </a:rPr>
-                        <a:t>B</a:t>
-                      </a:r>
-                      <a:endParaRPr lang="zh-TW" altLang="en-US" noProof="0" dirty="0">
-                        <a:latin typeface="細明體" panose="02020509000000000000" pitchFamily="49" charset="-120"/>
-                        <a:ea typeface="細明體" panose="02020509000000000000" pitchFamily="49" charset="-120"/>
-                        <a:sym typeface="Salesforce Sans"/>
-                      </a:endParaRPr>
-                    </a:p>
-                  </a:txBody>
-                  <a:tcPr anchor="ctr"/>
-                </a:tc>
-                <a:extLst>
-                  <a:ext uri="{0D108BD9-81ED-4DB2-BD59-A6C34878D82A}">
-                    <a16:rowId xmlns="" xmlns:a16="http://schemas.microsoft.com/office/drawing/2014/main" val="10000"/>
-                  </a:ext>
-                </a:extLst>
-              </a:tr>
-              <a:tr h="520700">
-                <a:tc>
-                  <a:txBody>
-                    <a:bodyPr/>
-                    <a:lstStyle/>
-                    <a:p>
-                      <a:pPr rtl="0"/>
-                      <a:r>
-                        <a:rPr lang="zh-TW" altLang="en-US" noProof="0" dirty="0" smtClean="0">
-                          <a:latin typeface="細明體" panose="02020509000000000000" pitchFamily="49" charset="-120"/>
-                          <a:ea typeface="細明體" panose="02020509000000000000" pitchFamily="49" charset="-120"/>
-                          <a:sym typeface="Salesforce Sans"/>
-                        </a:rPr>
-                        <a:t>類別 </a:t>
-                      </a:r>
-                      <a:r>
-                        <a:rPr lang="en-US" altLang="zh-TW" noProof="0" dirty="0" smtClean="0">
-                          <a:latin typeface="細明體" panose="02020509000000000000" pitchFamily="49" charset="-120"/>
-                          <a:ea typeface="細明體" panose="02020509000000000000" pitchFamily="49" charset="-120"/>
-                          <a:sym typeface="Salesforce Sans"/>
-                        </a:rPr>
-                        <a:t>1</a:t>
-                      </a:r>
-                      <a:endParaRPr lang="zh-TW" altLang="en-US" noProof="0" dirty="0">
-                        <a:latin typeface="細明體" panose="02020509000000000000" pitchFamily="49" charset="-120"/>
-                        <a:ea typeface="細明體" panose="02020509000000000000" pitchFamily="49" charset="-120"/>
-                        <a:sym typeface="Salesforce Sans"/>
-                      </a:endParaRPr>
-                    </a:p>
-                  </a:txBody>
-                  <a:tcPr anchor="ctr"/>
-                </a:tc>
-                <a:tc>
-                  <a:txBody>
-                    <a:bodyPr/>
-                    <a:lstStyle/>
-                    <a:p>
-                      <a:pPr algn="ctr" rtl="0"/>
-                      <a:r>
-                        <a:rPr lang="en-US" altLang="zh-TW" noProof="0" dirty="0" smtClean="0">
-                          <a:latin typeface="細明體" panose="02020509000000000000" pitchFamily="49" charset="-120"/>
-                          <a:ea typeface="細明體" panose="02020509000000000000" pitchFamily="49" charset="-120"/>
-                          <a:sym typeface="Salesforce Sans"/>
-                        </a:rPr>
-                        <a:t>82</a:t>
-                      </a:r>
-                      <a:endParaRPr lang="zh-TW" altLang="en-US" noProof="0" dirty="0">
-                        <a:latin typeface="細明體" panose="02020509000000000000" pitchFamily="49" charset="-120"/>
-                        <a:ea typeface="細明體" panose="02020509000000000000" pitchFamily="49" charset="-120"/>
-                        <a:sym typeface="Salesforce Sans"/>
-                      </a:endParaRPr>
-                    </a:p>
-                  </a:txBody>
-                  <a:tcPr anchor="ctr"/>
-                </a:tc>
-                <a:tc>
-                  <a:txBody>
-                    <a:bodyPr/>
-                    <a:lstStyle/>
-                    <a:p>
-                      <a:pPr algn="ctr" rtl="0"/>
-                      <a:r>
-                        <a:rPr lang="en-US" altLang="zh-TW" noProof="0" dirty="0" smtClean="0">
-                          <a:latin typeface="細明體" panose="02020509000000000000" pitchFamily="49" charset="-120"/>
-                          <a:ea typeface="細明體" panose="02020509000000000000" pitchFamily="49" charset="-120"/>
-                          <a:sym typeface="Salesforce Sans"/>
-                        </a:rPr>
-                        <a:t>85</a:t>
-                      </a:r>
-                      <a:endParaRPr lang="zh-TW" altLang="en-US" noProof="0" dirty="0">
-                        <a:latin typeface="細明體" panose="02020509000000000000" pitchFamily="49" charset="-120"/>
-                        <a:ea typeface="細明體" panose="02020509000000000000" pitchFamily="49" charset="-120"/>
-                        <a:sym typeface="Salesforce Sans"/>
-                      </a:endParaRPr>
-                    </a:p>
-                  </a:txBody>
-                  <a:tcPr anchor="ctr"/>
-                </a:tc>
-                <a:extLst>
-                  <a:ext uri="{0D108BD9-81ED-4DB2-BD59-A6C34878D82A}">
-                    <a16:rowId xmlns="" xmlns:a16="http://schemas.microsoft.com/office/drawing/2014/main" val="10001"/>
-                  </a:ext>
-                </a:extLst>
-              </a:tr>
-              <a:tr h="520700">
-                <a:tc>
-                  <a:txBody>
-                    <a:bodyPr/>
-                    <a:lstStyle/>
-                    <a:p>
-                      <a:pPr rtl="0"/>
-                      <a:r>
-                        <a:rPr lang="zh-TW" altLang="en-US" noProof="0" dirty="0" smtClean="0">
-                          <a:latin typeface="細明體" panose="02020509000000000000" pitchFamily="49" charset="-120"/>
-                          <a:ea typeface="細明體" panose="02020509000000000000" pitchFamily="49" charset="-120"/>
-                          <a:sym typeface="Salesforce Sans"/>
-                        </a:rPr>
-                        <a:t>類別 </a:t>
-                      </a:r>
-                      <a:r>
-                        <a:rPr lang="en-US" altLang="zh-TW" noProof="0" dirty="0" smtClean="0">
-                          <a:latin typeface="細明體" panose="02020509000000000000" pitchFamily="49" charset="-120"/>
-                          <a:ea typeface="細明體" panose="02020509000000000000" pitchFamily="49" charset="-120"/>
-                          <a:sym typeface="Salesforce Sans"/>
-                        </a:rPr>
-                        <a:t>2</a:t>
-                      </a:r>
-                      <a:endParaRPr lang="zh-TW" altLang="en-US" noProof="0" dirty="0">
-                        <a:latin typeface="細明體" panose="02020509000000000000" pitchFamily="49" charset="-120"/>
-                        <a:ea typeface="細明體" panose="02020509000000000000" pitchFamily="49" charset="-120"/>
-                        <a:sym typeface="Salesforce Sans"/>
-                      </a:endParaRPr>
-                    </a:p>
-                  </a:txBody>
-                  <a:tcPr anchor="ctr"/>
-                </a:tc>
-                <a:tc>
-                  <a:txBody>
-                    <a:bodyPr/>
-                    <a:lstStyle/>
-                    <a:p>
-                      <a:pPr algn="ctr" rtl="0"/>
-                      <a:r>
-                        <a:rPr lang="en-US" altLang="zh-TW" noProof="0" dirty="0" smtClean="0">
-                          <a:latin typeface="細明體" panose="02020509000000000000" pitchFamily="49" charset="-120"/>
-                          <a:ea typeface="細明體" panose="02020509000000000000" pitchFamily="49" charset="-120"/>
-                          <a:sym typeface="Salesforce Sans"/>
-                        </a:rPr>
-                        <a:t>76</a:t>
-                      </a:r>
-                      <a:endParaRPr lang="zh-TW" altLang="en-US" noProof="0" dirty="0">
-                        <a:latin typeface="細明體" panose="02020509000000000000" pitchFamily="49" charset="-120"/>
-                        <a:ea typeface="細明體" panose="02020509000000000000" pitchFamily="49" charset="-120"/>
-                        <a:sym typeface="Salesforce Sans"/>
-                      </a:endParaRPr>
-                    </a:p>
-                  </a:txBody>
-                  <a:tcPr anchor="ctr"/>
-                </a:tc>
-                <a:tc>
-                  <a:txBody>
-                    <a:bodyPr/>
-                    <a:lstStyle/>
-                    <a:p>
-                      <a:pPr algn="ctr" rtl="0"/>
-                      <a:r>
-                        <a:rPr lang="en-US" altLang="zh-TW" noProof="0" dirty="0" smtClean="0">
-                          <a:latin typeface="細明體" panose="02020509000000000000" pitchFamily="49" charset="-120"/>
-                          <a:ea typeface="細明體" panose="02020509000000000000" pitchFamily="49" charset="-120"/>
-                          <a:sym typeface="Salesforce Sans"/>
-                        </a:rPr>
-                        <a:t>88</a:t>
-                      </a:r>
-                      <a:endParaRPr lang="zh-TW" altLang="en-US" noProof="0" dirty="0">
-                        <a:latin typeface="細明體" panose="02020509000000000000" pitchFamily="49" charset="-120"/>
-                        <a:ea typeface="細明體" panose="02020509000000000000" pitchFamily="49" charset="-120"/>
-                        <a:sym typeface="Salesforce Sans"/>
-                      </a:endParaRPr>
-                    </a:p>
-                  </a:txBody>
-                  <a:tcPr anchor="ctr"/>
-                </a:tc>
-                <a:extLst>
-                  <a:ext uri="{0D108BD9-81ED-4DB2-BD59-A6C34878D82A}">
-                    <a16:rowId xmlns="" xmlns:a16="http://schemas.microsoft.com/office/drawing/2014/main" val="10002"/>
-                  </a:ext>
-                </a:extLst>
-              </a:tr>
-              <a:tr h="520700">
-                <a:tc>
-                  <a:txBody>
-                    <a:bodyPr/>
-                    <a:lstStyle/>
-                    <a:p>
-                      <a:pPr rtl="0"/>
-                      <a:r>
-                        <a:rPr lang="zh-TW" altLang="en-US" noProof="0" dirty="0" smtClean="0">
-                          <a:latin typeface="細明體" panose="02020509000000000000" pitchFamily="49" charset="-120"/>
-                          <a:ea typeface="細明體" panose="02020509000000000000" pitchFamily="49" charset="-120"/>
-                          <a:sym typeface="Salesforce Sans"/>
-                        </a:rPr>
-                        <a:t>類別 </a:t>
-                      </a:r>
-                      <a:r>
-                        <a:rPr lang="en-US" altLang="zh-TW" noProof="0" dirty="0" smtClean="0">
-                          <a:latin typeface="細明體" panose="02020509000000000000" pitchFamily="49" charset="-120"/>
-                          <a:ea typeface="細明體" panose="02020509000000000000" pitchFamily="49" charset="-120"/>
-                          <a:sym typeface="Salesforce Sans"/>
-                        </a:rPr>
-                        <a:t>3</a:t>
-                      </a:r>
-                      <a:endParaRPr lang="zh-TW" altLang="en-US" noProof="0" dirty="0">
-                        <a:latin typeface="細明體" panose="02020509000000000000" pitchFamily="49" charset="-120"/>
-                        <a:ea typeface="細明體" panose="02020509000000000000" pitchFamily="49" charset="-120"/>
-                        <a:sym typeface="Salesforce Sans"/>
-                      </a:endParaRPr>
-                    </a:p>
-                  </a:txBody>
-                  <a:tcPr anchor="ctr"/>
-                </a:tc>
-                <a:tc>
-                  <a:txBody>
-                    <a:bodyPr/>
-                    <a:lstStyle/>
-                    <a:p>
-                      <a:pPr algn="ctr" rtl="0"/>
-                      <a:r>
-                        <a:rPr lang="en-US" altLang="zh-TW" noProof="0" dirty="0" smtClean="0">
-                          <a:latin typeface="細明體" panose="02020509000000000000" pitchFamily="49" charset="-120"/>
-                          <a:ea typeface="細明體" panose="02020509000000000000" pitchFamily="49" charset="-120"/>
-                          <a:sym typeface="Salesforce Sans"/>
-                        </a:rPr>
-                        <a:t>84</a:t>
-                      </a:r>
-                      <a:endParaRPr lang="zh-TW" altLang="en-US" noProof="0" dirty="0">
-                        <a:latin typeface="細明體" panose="02020509000000000000" pitchFamily="49" charset="-120"/>
-                        <a:ea typeface="細明體" panose="02020509000000000000" pitchFamily="49" charset="-120"/>
-                        <a:sym typeface="Salesforce Sans"/>
-                      </a:endParaRPr>
-                    </a:p>
-                  </a:txBody>
-                  <a:tcPr anchor="ctr"/>
-                </a:tc>
-                <a:tc>
-                  <a:txBody>
-                    <a:bodyPr/>
-                    <a:lstStyle/>
-                    <a:p>
-                      <a:pPr algn="ctr" rtl="0"/>
-                      <a:r>
-                        <a:rPr lang="en-US" altLang="zh-TW" noProof="0" dirty="0" smtClean="0">
-                          <a:latin typeface="細明體" panose="02020509000000000000" pitchFamily="49" charset="-120"/>
-                          <a:ea typeface="細明體" panose="02020509000000000000" pitchFamily="49" charset="-120"/>
-                          <a:sym typeface="Salesforce Sans"/>
-                        </a:rPr>
-                        <a:t>90</a:t>
-                      </a:r>
-                      <a:endParaRPr lang="zh-TW" altLang="en-US" noProof="0" dirty="0">
-                        <a:latin typeface="細明體" panose="02020509000000000000" pitchFamily="49" charset="-120"/>
-                        <a:ea typeface="細明體" panose="02020509000000000000" pitchFamily="49" charset="-120"/>
-                        <a:sym typeface="Salesforce Sans"/>
-                      </a:endParaRPr>
-                    </a:p>
-                  </a:txBody>
-                  <a:tcPr anchor="ctr"/>
-                </a:tc>
-                <a:extLst>
-                  <a:ext uri="{0D108BD9-81ED-4DB2-BD59-A6C34878D82A}">
-                    <a16:rowId xmlns="" xmlns:a16="http://schemas.microsoft.com/office/drawing/2014/main" val="10003"/>
-                  </a:ext>
-                </a:extLst>
-              </a:tr>
-            </a:tbl>
-          </a:graphicData>
-        </a:graphic>
-      </p:graphicFrame>
-      <p:sp>
-        <p:nvSpPr>
-          <p:cNvPr id="11" name="內容預留位置 10"/>
-          <p:cNvSpPr>
-            <a:spLocks noGrp="1"/>
-          </p:cNvSpPr>
-          <p:nvPr>
-            <p:ph sz="half" idx="2"/>
-          </p:nvPr>
-        </p:nvSpPr>
-        <p:spPr/>
-        <p:txBody>
-          <a:bodyPr rtlCol="0"/>
-          <a:lstStyle/>
-          <a:p>
-            <a:pPr rtl="0"/>
-            <a:r>
-              <a:rPr lang="zh-TW" altLang="en-US" dirty="0" smtClean="0">
-                <a:latin typeface="Salesforce Sans"/>
-                <a:ea typeface="細明體" panose="02020509000000000000" pitchFamily="49" charset="-120"/>
-                <a:sym typeface="Salesforce Sans"/>
-              </a:rPr>
-              <a:t>第一個項目符號</a:t>
-            </a:r>
-          </a:p>
-          <a:p>
-            <a:pPr rtl="0"/>
-            <a:r>
-              <a:rPr lang="zh-TW" altLang="en-US" dirty="0" smtClean="0">
-                <a:latin typeface="Salesforce Sans"/>
-                <a:ea typeface="細明體" panose="02020509000000000000" pitchFamily="49" charset="-120"/>
-                <a:sym typeface="Salesforce Sans"/>
-              </a:rPr>
-              <a:t>第二個項目符號</a:t>
-            </a:r>
-          </a:p>
-          <a:p>
-            <a:pPr rtl="0"/>
-            <a:r>
-              <a:rPr lang="zh-TW" altLang="en-US" dirty="0" smtClean="0">
-                <a:latin typeface="Salesforce Sans"/>
-                <a:ea typeface="細明體" panose="02020509000000000000" pitchFamily="49" charset="-120"/>
-                <a:sym typeface="Salesforce Sans"/>
-              </a:rPr>
-              <a:t>第三個項目符號</a:t>
-            </a:r>
-            <a:endParaRPr lang="zh-TW" altLang="en-US" dirty="0">
-              <a:latin typeface="Salesforce Sans"/>
-              <a:ea typeface="細明體" panose="02020509000000000000" pitchFamily="49" charset="-120"/>
-              <a:sym typeface="Salesforce Sans"/>
-            </a:endParaRPr>
+            <a:r>
+              <a:rPr lang="en-US" altLang="zh-TW" dirty="0" smtClean="0"/>
+              <a:t>MARS Key Expansion</a:t>
+            </a:r>
+            <a:endParaRPr lang="zh-TW" altLang="en-US" dirty="0"/>
           </a:p>
         </p:txBody>
       </p:sp>
     </p:spTree>
     <p:extLst>
       <p:ext uri="{BB962C8B-B14F-4D97-AF65-F5344CB8AC3E}">
-        <p14:creationId xmlns:p14="http://schemas.microsoft.com/office/powerpoint/2010/main" val="2908023704"/>
+        <p14:creationId xmlns:p14="http://schemas.microsoft.com/office/powerpoint/2010/main" val="2210779951"/>
       </p:ext>
     </p:extLst>
   </p:cSld>

--- a/報告.pptx
+++ b/報告.pptx
@@ -247,7 +247,7 @@
                 <a:ea typeface="細明體" panose="02020509000000000000" pitchFamily="49" charset="-120"/>
               </a:rPr>
               <a:pPr algn="r" rtl="0"/>
-              <a:t>2019/1/5</a:t>
+              <a:t>2019/1/6</a:t>
             </a:fld>
             <a:endParaRPr lang="zh-TW" altLang="en-US" dirty="0">
               <a:latin typeface="細明體" panose="02020509000000000000" pitchFamily="49" charset="-120"/>
@@ -528,7 +528,7 @@
             <a:fld id="{A1CEFD47-19E1-481F-8F2F-C517C0D071C0}" type="datetime1">
               <a:rPr lang="zh-TW" altLang="en-US" smtClean="0"/>
               <a:pPr algn="r"/>
-              <a:t>2019/1/5</a:t>
+              <a:t>2019/1/6</a:t>
             </a:fld>
             <a:endParaRPr lang="zh-TW" altLang="en-US" dirty="0"/>
           </a:p>
@@ -1429,7 +1429,7 @@
             <a:fld id="{BBFFD15A-6971-426D-BFFF-3977F0C6C215}" type="datetime1">
               <a:rPr lang="zh-TW" altLang="en-US" smtClean="0"/>
               <a:pPr/>
-              <a:t>2019/1/5</a:t>
+              <a:t>2019/1/6</a:t>
             </a:fld>
             <a:endParaRPr lang="zh-TW" altLang="en-US" dirty="0"/>
           </a:p>
@@ -2055,7 +2055,7 @@
             <a:fld id="{E6D26C8B-19A4-414D-9AEB-26501743E621}" type="datetime1">
               <a:rPr lang="zh-TW" altLang="en-US" smtClean="0"/>
               <a:pPr/>
-              <a:t>2019/1/5</a:t>
+              <a:t>2019/1/6</a:t>
             </a:fld>
             <a:endParaRPr lang="zh-TW" altLang="en-US" dirty="0"/>
           </a:p>
@@ -2268,7 +2268,7 @@
             <a:fld id="{E6D26C8B-19A4-414D-9AEB-26501743E621}" type="datetime1">
               <a:rPr lang="zh-TW" altLang="en-US" smtClean="0"/>
               <a:pPr/>
-              <a:t>2019/1/5</a:t>
+              <a:t>2019/1/6</a:t>
             </a:fld>
             <a:endParaRPr lang="zh-TW" altLang="en-US" dirty="0"/>
           </a:p>
@@ -2518,7 +2518,7 @@
             <a:fld id="{6C1D8E2B-F9D2-4E55-90EF-4439A220ACD9}" type="datetime1">
               <a:rPr lang="zh-TW" altLang="en-US" smtClean="0"/>
               <a:pPr/>
-              <a:t>2019/1/5</a:t>
+              <a:t>2019/1/6</a:t>
             </a:fld>
             <a:endParaRPr lang="zh-TW" altLang="en-US" dirty="0"/>
           </a:p>
@@ -2811,7 +2811,7 @@
             <a:fld id="{E579F7E2-A267-4BC3-9709-C990FEFB23EB}" type="datetime1">
               <a:rPr lang="zh-TW" altLang="en-US" smtClean="0"/>
               <a:pPr/>
-              <a:t>2019/1/5</a:t>
+              <a:t>2019/1/6</a:t>
             </a:fld>
             <a:endParaRPr lang="zh-TW" altLang="en-US" dirty="0"/>
           </a:p>
@@ -3334,7 +3334,7 @@
             <a:fld id="{E6D26C8B-19A4-414D-9AEB-26501743E621}" type="datetime1">
               <a:rPr lang="zh-TW" altLang="en-US" smtClean="0"/>
               <a:pPr/>
-              <a:t>2019/1/5</a:t>
+              <a:t>2019/1/6</a:t>
             </a:fld>
             <a:endParaRPr lang="zh-TW" altLang="en-US" dirty="0"/>
           </a:p>
@@ -3799,7 +3799,7 @@
             <a:fld id="{E6D26C8B-19A4-414D-9AEB-26501743E621}" type="datetime1">
               <a:rPr lang="zh-TW" altLang="en-US" smtClean="0"/>
               <a:pPr/>
-              <a:t>2019/1/5</a:t>
+              <a:t>2019/1/6</a:t>
             </a:fld>
             <a:endParaRPr lang="zh-TW" altLang="en-US" dirty="0"/>
           </a:p>
@@ -3934,7 +3934,7 @@
             <a:fld id="{E6D26C8B-19A4-414D-9AEB-26501743E621}" type="datetime1">
               <a:rPr lang="zh-TW" altLang="en-US" smtClean="0"/>
               <a:pPr/>
-              <a:t>2019/1/5</a:t>
+              <a:t>2019/1/6</a:t>
             </a:fld>
             <a:endParaRPr lang="zh-TW" altLang="en-US" dirty="0"/>
           </a:p>
@@ -4045,7 +4045,7 @@
             <a:fld id="{E6D26C8B-19A4-414D-9AEB-26501743E621}" type="datetime1">
               <a:rPr lang="zh-TW" altLang="en-US" smtClean="0"/>
               <a:pPr/>
-              <a:t>2019/1/5</a:t>
+              <a:t>2019/1/6</a:t>
             </a:fld>
             <a:endParaRPr lang="zh-TW" altLang="en-US" dirty="0"/>
           </a:p>
@@ -4343,7 +4343,7 @@
             <a:fld id="{E6D26C8B-19A4-414D-9AEB-26501743E621}" type="datetime1">
               <a:rPr lang="zh-TW" altLang="en-US" smtClean="0"/>
               <a:pPr/>
-              <a:t>2019/1/5</a:t>
+              <a:t>2019/1/6</a:t>
             </a:fld>
             <a:endParaRPr lang="zh-TW" altLang="en-US" dirty="0"/>
           </a:p>
@@ -4697,7 +4697,7 @@
             <a:fld id="{0254A8F3-31E9-487B-8442-CA93E2C5E389}" type="datetime1">
               <a:rPr lang="zh-TW" altLang="en-US" smtClean="0"/>
               <a:pPr/>
-              <a:t>2019/1/5</a:t>
+              <a:t>2019/1/6</a:t>
             </a:fld>
             <a:endParaRPr lang="zh-TW" altLang="en-US" dirty="0"/>
           </a:p>
@@ -5058,7 +5058,7 @@
             <a:fld id="{FAA61F71-A558-4E4C-99B9-26EA57BBDA86}" type="datetime1">
               <a:rPr lang="zh-TW" altLang="en-US" smtClean="0"/>
               <a:pPr/>
-              <a:t>2019/1/5</a:t>
+              <a:t>2019/1/6</a:t>
             </a:fld>
             <a:endParaRPr lang="zh-TW" altLang="en-US" dirty="0"/>
           </a:p>
@@ -5581,8 +5581,12 @@
               <a:t>1052999 </a:t>
             </a:r>
             <a:r>
-              <a:rPr lang="zh-TW" altLang="en-US" dirty="0"/>
-              <a:t>楊昆翰 </a:t>
+              <a:rPr lang="zh-TW" altLang="en-US"/>
+              <a:t>楊</a:t>
+            </a:r>
+            <a:r>
+              <a:rPr lang="zh-TW" altLang="en-US" smtClean="0"/>
+              <a:t>昆瀚 </a:t>
             </a:r>
             <a:endParaRPr lang="en-US" altLang="zh-TW" dirty="0" smtClean="0"/>
           </a:p>
@@ -6304,13 +6308,13 @@
   <p:clrMapOvr>
     <a:masterClrMapping/>
   </p:clrMapOvr>
-  <mc:AlternateContent xmlns:mc="http://schemas.openxmlformats.org/markup-compatibility/2006">
-    <mc:Choice xmlns:p14="http://schemas.microsoft.com/office/powerpoint/2010/main" Requires="p14">
+  <mc:AlternateContent xmlns:mc="http://schemas.openxmlformats.org/markup-compatibility/2006" xmlns:p14="http://schemas.microsoft.com/office/powerpoint/2010/main">
+    <mc:Choice Requires="p14">
       <p:transition spd="med" p14:dur="700">
         <p:fade/>
       </p:transition>
     </mc:Choice>
-    <mc:Fallback>
+    <mc:Fallback xmlns="">
       <p:transition spd="med">
         <p:fade/>
       </p:transition>
@@ -6552,14 +6556,7 @@
                 <a:latin typeface="Salesforce Sans"/>
                 <a:sym typeface="Salesforce Sans"/>
               </a:rPr>
-              <a:t> 一人</a:t>
-            </a:r>
-            <a:r>
-              <a:rPr lang="zh-TW" altLang="en-US" dirty="0" smtClean="0">
-                <a:latin typeface="Salesforce Sans"/>
-                <a:sym typeface="Salesforce Sans"/>
-              </a:rPr>
-              <a:t>一半</a:t>
+              <a:t> 一人一半</a:t>
             </a:r>
             <a:endParaRPr lang="en-US" altLang="zh-TW" dirty="0" smtClean="0">
               <a:latin typeface="Salesforce Sans"/>
@@ -6582,10 +6579,6 @@
               </a:rPr>
               <a:t> type-3</a:t>
             </a:r>
-            <a:endParaRPr lang="en-US" altLang="zh-TW" dirty="0" smtClean="0">
-              <a:latin typeface="Salesforce Sans"/>
-              <a:sym typeface="Salesforce Sans"/>
-            </a:endParaRPr>
           </a:p>
           <a:p>
             <a:pPr rtl="0"/>
@@ -6704,13 +6697,13 @@
   <p:clrMapOvr>
     <a:masterClrMapping/>
   </p:clrMapOvr>
-  <mc:AlternateContent xmlns:mc="http://schemas.openxmlformats.org/markup-compatibility/2006">
-    <mc:Choice xmlns:p14="http://schemas.microsoft.com/office/powerpoint/2010/main" Requires="p14">
+  <mc:AlternateContent xmlns:mc="http://schemas.openxmlformats.org/markup-compatibility/2006" xmlns:p14="http://schemas.microsoft.com/office/powerpoint/2010/main">
+    <mc:Choice Requires="p14">
       <p:transition spd="med" p14:dur="700">
         <p:fade/>
       </p:transition>
     </mc:Choice>
-    <mc:Fallback>
+    <mc:Fallback xmlns="">
       <p:transition spd="med">
         <p:fade/>
       </p:transition>
@@ -7744,13 +7737,13 @@
   <p:clrMapOvr>
     <a:masterClrMapping/>
   </p:clrMapOvr>
-  <mc:AlternateContent xmlns:mc="http://schemas.openxmlformats.org/markup-compatibility/2006">
-    <mc:Choice xmlns:p14="http://schemas.microsoft.com/office/powerpoint/2010/main" Requires="p14">
+  <mc:AlternateContent xmlns:mc="http://schemas.openxmlformats.org/markup-compatibility/2006" xmlns:p14="http://schemas.microsoft.com/office/powerpoint/2010/main">
+    <mc:Choice Requires="p14">
       <p:transition spd="med" p14:dur="700">
         <p:fade/>
       </p:transition>
     </mc:Choice>
-    <mc:Fallback>
+    <mc:Fallback xmlns="">
       <p:transition spd="med">
         <p:fade/>
       </p:transition>
@@ -8795,6 +8788,15 @@
 </file>
 
 <file path=customXml/item2.xml><?xml version="1.0" encoding="utf-8"?>
+<?mso-contentType ?>
+<FormTemplates xmlns="http://schemas.microsoft.com/sharepoint/v3/contenttype/forms">
+  <Display>DocumentLibraryForm</Display>
+  <Edit>AssetEditForm</Edit>
+  <New>DocumentLibraryForm</New>
+</FormTemplates>
+</file>
+
+<file path=customXml/item3.xml><?xml version="1.0" encoding="utf-8"?>
 <ct:contentTypeSchema xmlns:ct="http://schemas.microsoft.com/office/2006/metadata/contentType" xmlns:ma="http://schemas.microsoft.com/office/2006/metadata/properties/metaAttributes" ct:_="" ma:_="" ma:contentTypeName="TemplateFile" ma:contentTypeID="0x0101006EDDDB5EE6D98C44930B742096920B300400F5B6D36B3EF94B4E9A635CDF2A18F5B8" ma:contentTypeVersion="72" ma:contentTypeDescription="Create a new document." ma:contentTypeScope="" ma:versionID="a23e56308344d904b51738559c3d67c9">
   <xsd:schema xmlns:xsd="http://www.w3.org/2001/XMLSchema" xmlns:xs="http://www.w3.org/2001/XMLSchema" xmlns:p="http://schemas.microsoft.com/office/2006/metadata/properties" xmlns:ns2="4873beb7-5857-4685-be1f-d57550cc96cc" targetNamespace="http://schemas.microsoft.com/office/2006/metadata/properties" ma:root="true" ma:fieldsID="cd0908cc4600e77bf5da051303e00c8d" ns2:_="">
     <xsd:import namespace="4873beb7-5857-4685-be1f-d57550cc96cc"/>
@@ -9834,15 +9836,6 @@
 </ct:contentTypeSchema>
 </file>
 
-<file path=customXml/item3.xml><?xml version="1.0" encoding="utf-8"?>
-<?mso-contentType ?>
-<FormTemplates xmlns="http://schemas.microsoft.com/sharepoint/v3/contenttype/forms">
-  <Display>DocumentLibraryForm</Display>
-  <Edit>AssetEditForm</Edit>
-  <New>DocumentLibraryForm</New>
-</FormTemplates>
-</file>
-
 <file path=customXml/itemProps1.xml><?xml version="1.0" encoding="utf-8"?>
 <ds:datastoreItem xmlns:ds="http://schemas.openxmlformats.org/officeDocument/2006/customXml" ds:itemID="{4ED80E12-3BE9-4746-820E-FFB249F467F2}">
   <ds:schemaRefs>
@@ -9860,6 +9853,14 @@
 </file>
 
 <file path=customXml/itemProps2.xml><?xml version="1.0" encoding="utf-8"?>
+<ds:datastoreItem xmlns:ds="http://schemas.openxmlformats.org/officeDocument/2006/customXml" ds:itemID="{8D003AC8-209A-4321-A17C-1B7A20643390}">
+  <ds:schemaRefs>
+    <ds:schemaRef ds:uri="http://schemas.microsoft.com/sharepoint/v3/contenttype/forms"/>
+  </ds:schemaRefs>
+</ds:datastoreItem>
+</file>
+
+<file path=customXml/itemProps3.xml><?xml version="1.0" encoding="utf-8"?>
 <ds:datastoreItem xmlns:ds="http://schemas.openxmlformats.org/officeDocument/2006/customXml" ds:itemID="{83ED4759-CFDD-43F0-817C-11D9197192BA}">
   <ds:schemaRefs>
     <ds:schemaRef ds:uri="http://schemas.microsoft.com/office/2006/metadata/contentType"/>
@@ -9875,12 +9876,4 @@
     <ds:schemaRef ds:uri="http://schemas.microsoft.com/internal/obd"/>
   </ds:schemaRefs>
 </ds:datastoreItem>
-</file>
-
-<file path=customXml/itemProps3.xml><?xml version="1.0" encoding="utf-8"?>
-<ds:datastoreItem xmlns:ds="http://schemas.openxmlformats.org/officeDocument/2006/customXml" ds:itemID="{8D003AC8-209A-4321-A17C-1B7A20643390}">
-  <ds:schemaRefs>
-    <ds:schemaRef ds:uri="http://schemas.microsoft.com/sharepoint/v3/contenttype/forms"/>
-  </ds:schemaRefs>
-</ds:datastoreItem>
 </file>
--- a/報告.pptx
+++ b/報告.pptx
@@ -247,7 +247,7 @@
                 <a:ea typeface="細明體" panose="02020509000000000000" pitchFamily="49" charset="-120"/>
               </a:rPr>
               <a:pPr algn="r" rtl="0"/>
-              <a:t>2019/1/6</a:t>
+              <a:t>2019/1/7</a:t>
             </a:fld>
             <a:endParaRPr lang="zh-TW" altLang="en-US" dirty="0">
               <a:latin typeface="細明體" panose="02020509000000000000" pitchFamily="49" charset="-120"/>
@@ -528,7 +528,7 @@
             <a:fld id="{A1CEFD47-19E1-481F-8F2F-C517C0D071C0}" type="datetime1">
               <a:rPr lang="zh-TW" altLang="en-US" smtClean="0"/>
               <a:pPr algn="r"/>
-              <a:t>2019/1/6</a:t>
+              <a:t>2019/1/7</a:t>
             </a:fld>
             <a:endParaRPr lang="zh-TW" altLang="en-US" dirty="0"/>
           </a:p>
@@ -1429,7 +1429,7 @@
             <a:fld id="{BBFFD15A-6971-426D-BFFF-3977F0C6C215}" type="datetime1">
               <a:rPr lang="zh-TW" altLang="en-US" smtClean="0"/>
               <a:pPr/>
-              <a:t>2019/1/6</a:t>
+              <a:t>2019/1/7</a:t>
             </a:fld>
             <a:endParaRPr lang="zh-TW" altLang="en-US" dirty="0"/>
           </a:p>
@@ -2055,7 +2055,7 @@
             <a:fld id="{E6D26C8B-19A4-414D-9AEB-26501743E621}" type="datetime1">
               <a:rPr lang="zh-TW" altLang="en-US" smtClean="0"/>
               <a:pPr/>
-              <a:t>2019/1/6</a:t>
+              <a:t>2019/1/7</a:t>
             </a:fld>
             <a:endParaRPr lang="zh-TW" altLang="en-US" dirty="0"/>
           </a:p>
@@ -2268,7 +2268,7 @@
             <a:fld id="{E6D26C8B-19A4-414D-9AEB-26501743E621}" type="datetime1">
               <a:rPr lang="zh-TW" altLang="en-US" smtClean="0"/>
               <a:pPr/>
-              <a:t>2019/1/6</a:t>
+              <a:t>2019/1/7</a:t>
             </a:fld>
             <a:endParaRPr lang="zh-TW" altLang="en-US" dirty="0"/>
           </a:p>
@@ -2518,7 +2518,7 @@
             <a:fld id="{6C1D8E2B-F9D2-4E55-90EF-4439A220ACD9}" type="datetime1">
               <a:rPr lang="zh-TW" altLang="en-US" smtClean="0"/>
               <a:pPr/>
-              <a:t>2019/1/6</a:t>
+              <a:t>2019/1/7</a:t>
             </a:fld>
             <a:endParaRPr lang="zh-TW" altLang="en-US" dirty="0"/>
           </a:p>
@@ -2811,7 +2811,7 @@
             <a:fld id="{E579F7E2-A267-4BC3-9709-C990FEFB23EB}" type="datetime1">
               <a:rPr lang="zh-TW" altLang="en-US" smtClean="0"/>
               <a:pPr/>
-              <a:t>2019/1/6</a:t>
+              <a:t>2019/1/7</a:t>
             </a:fld>
             <a:endParaRPr lang="zh-TW" altLang="en-US" dirty="0"/>
           </a:p>
@@ -3334,7 +3334,7 @@
             <a:fld id="{E6D26C8B-19A4-414D-9AEB-26501743E621}" type="datetime1">
               <a:rPr lang="zh-TW" altLang="en-US" smtClean="0"/>
               <a:pPr/>
-              <a:t>2019/1/6</a:t>
+              <a:t>2019/1/7</a:t>
             </a:fld>
             <a:endParaRPr lang="zh-TW" altLang="en-US" dirty="0"/>
           </a:p>
@@ -3799,7 +3799,7 @@
             <a:fld id="{E6D26C8B-19A4-414D-9AEB-26501743E621}" type="datetime1">
               <a:rPr lang="zh-TW" altLang="en-US" smtClean="0"/>
               <a:pPr/>
-              <a:t>2019/1/6</a:t>
+              <a:t>2019/1/7</a:t>
             </a:fld>
             <a:endParaRPr lang="zh-TW" altLang="en-US" dirty="0"/>
           </a:p>
@@ -3934,7 +3934,7 @@
             <a:fld id="{E6D26C8B-19A4-414D-9AEB-26501743E621}" type="datetime1">
               <a:rPr lang="zh-TW" altLang="en-US" smtClean="0"/>
               <a:pPr/>
-              <a:t>2019/1/6</a:t>
+              <a:t>2019/1/7</a:t>
             </a:fld>
             <a:endParaRPr lang="zh-TW" altLang="en-US" dirty="0"/>
           </a:p>
@@ -4045,7 +4045,7 @@
             <a:fld id="{E6D26C8B-19A4-414D-9AEB-26501743E621}" type="datetime1">
               <a:rPr lang="zh-TW" altLang="en-US" smtClean="0"/>
               <a:pPr/>
-              <a:t>2019/1/6</a:t>
+              <a:t>2019/1/7</a:t>
             </a:fld>
             <a:endParaRPr lang="zh-TW" altLang="en-US" dirty="0"/>
           </a:p>
@@ -4343,7 +4343,7 @@
             <a:fld id="{E6D26C8B-19A4-414D-9AEB-26501743E621}" type="datetime1">
               <a:rPr lang="zh-TW" altLang="en-US" smtClean="0"/>
               <a:pPr/>
-              <a:t>2019/1/6</a:t>
+              <a:t>2019/1/7</a:t>
             </a:fld>
             <a:endParaRPr lang="zh-TW" altLang="en-US" dirty="0"/>
           </a:p>
@@ -4697,7 +4697,7 @@
             <a:fld id="{0254A8F3-31E9-487B-8442-CA93E2C5E389}" type="datetime1">
               <a:rPr lang="zh-TW" altLang="en-US" smtClean="0"/>
               <a:pPr/>
-              <a:t>2019/1/6</a:t>
+              <a:t>2019/1/7</a:t>
             </a:fld>
             <a:endParaRPr lang="zh-TW" altLang="en-US" dirty="0"/>
           </a:p>
@@ -5058,7 +5058,7 @@
             <a:fld id="{FAA61F71-A558-4E4C-99B9-26EA57BBDA86}" type="datetime1">
               <a:rPr lang="zh-TW" altLang="en-US" smtClean="0"/>
               <a:pPr/>
-              <a:t>2019/1/6</a:t>
+              <a:t>2019/1/7</a:t>
             </a:fld>
             <a:endParaRPr lang="zh-TW" altLang="en-US" dirty="0"/>
           </a:p>
@@ -8788,15 +8788,6 @@
 </file>
 
 <file path=customXml/item2.xml><?xml version="1.0" encoding="utf-8"?>
-<?mso-contentType ?>
-<FormTemplates xmlns="http://schemas.microsoft.com/sharepoint/v3/contenttype/forms">
-  <Display>DocumentLibraryForm</Display>
-  <Edit>AssetEditForm</Edit>
-  <New>DocumentLibraryForm</New>
-</FormTemplates>
-</file>
-
-<file path=customXml/item3.xml><?xml version="1.0" encoding="utf-8"?>
 <ct:contentTypeSchema xmlns:ct="http://schemas.microsoft.com/office/2006/metadata/contentType" xmlns:ma="http://schemas.microsoft.com/office/2006/metadata/properties/metaAttributes" ct:_="" ma:_="" ma:contentTypeName="TemplateFile" ma:contentTypeID="0x0101006EDDDB5EE6D98C44930B742096920B300400F5B6D36B3EF94B4E9A635CDF2A18F5B8" ma:contentTypeVersion="72" ma:contentTypeDescription="Create a new document." ma:contentTypeScope="" ma:versionID="a23e56308344d904b51738559c3d67c9">
   <xsd:schema xmlns:xsd="http://www.w3.org/2001/XMLSchema" xmlns:xs="http://www.w3.org/2001/XMLSchema" xmlns:p="http://schemas.microsoft.com/office/2006/metadata/properties" xmlns:ns2="4873beb7-5857-4685-be1f-d57550cc96cc" targetNamespace="http://schemas.microsoft.com/office/2006/metadata/properties" ma:root="true" ma:fieldsID="cd0908cc4600e77bf5da051303e00c8d" ns2:_="">
     <xsd:import namespace="4873beb7-5857-4685-be1f-d57550cc96cc"/>
@@ -9836,6 +9827,15 @@
 </ct:contentTypeSchema>
 </file>
 
+<file path=customXml/item3.xml><?xml version="1.0" encoding="utf-8"?>
+<?mso-contentType ?>
+<FormTemplates xmlns="http://schemas.microsoft.com/sharepoint/v3/contenttype/forms">
+  <Display>DocumentLibraryForm</Display>
+  <Edit>AssetEditForm</Edit>
+  <New>DocumentLibraryForm</New>
+</FormTemplates>
+</file>
+
 <file path=customXml/itemProps1.xml><?xml version="1.0" encoding="utf-8"?>
 <ds:datastoreItem xmlns:ds="http://schemas.openxmlformats.org/officeDocument/2006/customXml" ds:itemID="{4ED80E12-3BE9-4746-820E-FFB249F467F2}">
   <ds:schemaRefs>
@@ -9853,14 +9853,6 @@
 </file>
 
 <file path=customXml/itemProps2.xml><?xml version="1.0" encoding="utf-8"?>
-<ds:datastoreItem xmlns:ds="http://schemas.openxmlformats.org/officeDocument/2006/customXml" ds:itemID="{8D003AC8-209A-4321-A17C-1B7A20643390}">
-  <ds:schemaRefs>
-    <ds:schemaRef ds:uri="http://schemas.microsoft.com/sharepoint/v3/contenttype/forms"/>
-  </ds:schemaRefs>
-</ds:datastoreItem>
-</file>
-
-<file path=customXml/itemProps3.xml><?xml version="1.0" encoding="utf-8"?>
 <ds:datastoreItem xmlns:ds="http://schemas.openxmlformats.org/officeDocument/2006/customXml" ds:itemID="{83ED4759-CFDD-43F0-817C-11D9197192BA}">
   <ds:schemaRefs>
     <ds:schemaRef ds:uri="http://schemas.microsoft.com/office/2006/metadata/contentType"/>
@@ -9876,4 +9868,12 @@
     <ds:schemaRef ds:uri="http://schemas.microsoft.com/internal/obd"/>
   </ds:schemaRefs>
 </ds:datastoreItem>
+</file>
+
+<file path=customXml/itemProps3.xml><?xml version="1.0" encoding="utf-8"?>
+<ds:datastoreItem xmlns:ds="http://schemas.openxmlformats.org/officeDocument/2006/customXml" ds:itemID="{8D003AC8-209A-4321-A17C-1B7A20643390}">
+  <ds:schemaRefs>
+    <ds:schemaRef ds:uri="http://schemas.microsoft.com/sharepoint/v3/contenttype/forms"/>
+  </ds:schemaRefs>
+</ds:datastoreItem>
 </file>